--- a/Documentation/1MS18CS025_040_043_046.pptx
+++ b/Documentation/1MS18CS025_040_043_046.pptx
@@ -1,26 +1,29 @@
 
 <file path=ppt/presentation.xml><?xml version="1.0" encoding="utf-8"?>
-<p:presentation xmlns:a="http://schemas.openxmlformats.org/drawingml/2006/main" xmlns:r="http://schemas.openxmlformats.org/officeDocument/2006/relationships" xmlns:p="http://schemas.openxmlformats.org/presentationml/2006/main" showSpecialPlsOnTitleSld="0" saveSubsetFonts="1">
+<p:presentation xmlns:a="http://schemas.openxmlformats.org/drawingml/2006/main" xmlns:r="http://schemas.openxmlformats.org/officeDocument/2006/relationships" xmlns:p="http://schemas.openxmlformats.org/presentationml/2006/main" showSpecialPlsOnTitleSld="0">
   <p:sldMasterIdLst>
-    <p:sldMasterId id="2147483768" r:id="rId1"/>
+    <p:sldMasterId id="2147483648" r:id="rId1"/>
   </p:sldMasterIdLst>
   <p:notesMasterIdLst>
-    <p:notesMasterId r:id="rId15"/>
+    <p:notesMasterId r:id="rId9"/>
   </p:notesMasterIdLst>
+  <p:handoutMasterIdLst>
+    <p:handoutMasterId r:id="rId17"/>
+  </p:handoutMasterIdLst>
   <p:sldIdLst>
-    <p:sldId id="411" r:id="rId2"/>
-    <p:sldId id="419" r:id="rId3"/>
-    <p:sldId id="415" r:id="rId4"/>
-    <p:sldId id="412" r:id="rId5"/>
-    <p:sldId id="420" r:id="rId6"/>
-    <p:sldId id="418" r:id="rId7"/>
-    <p:sldId id="423" r:id="rId8"/>
-    <p:sldId id="417" r:id="rId9"/>
-    <p:sldId id="416" r:id="rId10"/>
-    <p:sldId id="424" r:id="rId11"/>
-    <p:sldId id="425" r:id="rId12"/>
-    <p:sldId id="422" r:id="rId13"/>
-    <p:sldId id="414" r:id="rId14"/>
+    <p:sldId id="411" r:id="rId3"/>
+    <p:sldId id="419" r:id="rId4"/>
+    <p:sldId id="415" r:id="rId5"/>
+    <p:sldId id="412" r:id="rId6"/>
+    <p:sldId id="420" r:id="rId7"/>
+    <p:sldId id="418" r:id="rId8"/>
+    <p:sldId id="423" r:id="rId10"/>
+    <p:sldId id="417" r:id="rId11"/>
+    <p:sldId id="416" r:id="rId12"/>
+    <p:sldId id="424" r:id="rId13"/>
+    <p:sldId id="425" r:id="rId14"/>
+    <p:sldId id="422" r:id="rId15"/>
+    <p:sldId id="414" r:id="rId16"/>
   </p:sldIdLst>
   <p:sldSz cx="12192000" cy="6858000"/>
   <p:notesSz cx="6858000" cy="9144000"/>
@@ -119,23 +122,165 @@
       </a:defRPr>
     </a:lvl9pPr>
   </p:defaultTextStyle>
-  <p:extLst>
-    <p:ext uri="{EFAFB233-063F-42B5-8137-9DF3F51BA10A}">
-      <p15:sldGuideLst xmlns:p15="http://schemas.microsoft.com/office/powerpoint/2012/main">
-        <p15:guide id="1" orient="horz" pos="2160">
-          <p15:clr>
-            <a:srgbClr val="A4A3A4"/>
-          </p15:clr>
-        </p15:guide>
-        <p15:guide id="2" pos="3840">
-          <p15:clr>
-            <a:srgbClr val="A4A3A4"/>
-          </p15:clr>
-        </p15:guide>
-      </p15:sldGuideLst>
-    </p:ext>
-  </p:extLst>
 </p:presentation>
+</file>
+
+<file path=ppt/handoutMasters/handoutMaster1.xml><?xml version="1.0" encoding="utf-8"?>
+<p:handoutMaster xmlns:a="http://schemas.openxmlformats.org/drawingml/2006/main" xmlns:r="http://schemas.openxmlformats.org/officeDocument/2006/relationships" xmlns:p="http://schemas.openxmlformats.org/presentationml/2006/main">
+  <p:cSld>
+    <p:bg>
+      <p:bgRef idx="1001">
+        <a:schemeClr val="bg1"/>
+      </p:bgRef>
+    </p:bg>
+    <p:spTree>
+      <p:nvGrpSpPr>
+        <p:cNvPr id="1" name=""/>
+        <p:cNvGrpSpPr/>
+        <p:nvPr/>
+      </p:nvGrpSpPr>
+      <p:grpSpPr>
+        <a:xfrm>
+          <a:off x="0" y="0"/>
+          <a:ext cx="0" cy="0"/>
+          <a:chOff x="0" y="0"/>
+          <a:chExt cx="0" cy="0"/>
+        </a:xfrm>
+      </p:grpSpPr>
+      <p:sp>
+        <p:nvSpPr>
+          <p:cNvPr id="2" name="Header Placeholder 1"/>
+          <p:cNvSpPr>
+            <a:spLocks noGrp="1"/>
+          </p:cNvSpPr>
+          <p:nvPr>
+            <p:ph type="hdr" sz="quarter"/>
+          </p:nvPr>
+        </p:nvSpPr>
+        <p:spPr>
+          <a:xfrm>
+            <a:off x="0" y="0"/>
+            <a:ext cx="2971800" cy="458788"/>
+          </a:xfrm>
+          <a:prstGeom prst="rect">
+            <a:avLst/>
+          </a:prstGeom>
+        </p:spPr>
+        <p:txBody>
+          <a:bodyPr vert="horz" lIns="91440" tIns="45720" rIns="91440" bIns="45720" rtlCol="0"/>
+          <a:lstStyle>
+            <a:lvl1pPr algn="l">
+              <a:defRPr sz="1200"/>
+            </a:lvl1pPr>
+          </a:lstStyle>
+          <a:p>
+            <a:endParaRPr lang="en-US"/>
+          </a:p>
+        </p:txBody>
+      </p:sp>
+      <p:sp>
+        <p:nvSpPr>
+          <p:cNvPr id="3" name="Date Placeholder 2"/>
+          <p:cNvSpPr>
+            <a:spLocks noGrp="1"/>
+          </p:cNvSpPr>
+          <p:nvPr>
+            <p:ph type="dt" sz="quarter" idx="1"/>
+          </p:nvPr>
+        </p:nvSpPr>
+        <p:spPr>
+          <a:xfrm>
+            <a:off x="3884613" y="0"/>
+            <a:ext cx="2971800" cy="458788"/>
+          </a:xfrm>
+          <a:prstGeom prst="rect">
+            <a:avLst/>
+          </a:prstGeom>
+        </p:spPr>
+        <p:txBody>
+          <a:bodyPr vert="horz" lIns="91440" tIns="45720" rIns="91440" bIns="45720" rtlCol="0"/>
+          <a:lstStyle>
+            <a:lvl1pPr algn="r">
+              <a:defRPr sz="1200"/>
+            </a:lvl1pPr>
+          </a:lstStyle>
+          <a:p>
+            <a:fld id="{696C064A-D61B-4B21-B757-51A9B82445B8}" type="datetimeFigureOut">
+              <a:rPr lang="en-US" smtClean="0"/>
+            </a:fld>
+            <a:endParaRPr lang="en-US"/>
+          </a:p>
+        </p:txBody>
+      </p:sp>
+      <p:sp>
+        <p:nvSpPr>
+          <p:cNvPr id="4" name="Footer Placeholder 3"/>
+          <p:cNvSpPr>
+            <a:spLocks noGrp="1"/>
+          </p:cNvSpPr>
+          <p:nvPr>
+            <p:ph type="ftr" sz="quarter" idx="2"/>
+          </p:nvPr>
+        </p:nvSpPr>
+        <p:spPr>
+          <a:xfrm>
+            <a:off x="0" y="8685213"/>
+            <a:ext cx="2971800" cy="458787"/>
+          </a:xfrm>
+          <a:prstGeom prst="rect">
+            <a:avLst/>
+          </a:prstGeom>
+        </p:spPr>
+        <p:txBody>
+          <a:bodyPr vert="horz" lIns="91440" tIns="45720" rIns="91440" bIns="45720" rtlCol="0" anchor="b"/>
+          <a:lstStyle>
+            <a:lvl1pPr algn="l">
+              <a:defRPr sz="1200"/>
+            </a:lvl1pPr>
+          </a:lstStyle>
+          <a:p>
+            <a:endParaRPr lang="en-US"/>
+          </a:p>
+        </p:txBody>
+      </p:sp>
+      <p:sp>
+        <p:nvSpPr>
+          <p:cNvPr id="5" name="Slide Number Placeholder 4"/>
+          <p:cNvSpPr>
+            <a:spLocks noGrp="1"/>
+          </p:cNvSpPr>
+          <p:nvPr>
+            <p:ph type="sldNum" sz="quarter" idx="3"/>
+          </p:nvPr>
+        </p:nvSpPr>
+        <p:spPr>
+          <a:xfrm>
+            <a:off x="3884613" y="8685213"/>
+            <a:ext cx="2971800" cy="458787"/>
+          </a:xfrm>
+          <a:prstGeom prst="rect">
+            <a:avLst/>
+          </a:prstGeom>
+        </p:spPr>
+        <p:txBody>
+          <a:bodyPr vert="horz" lIns="91440" tIns="45720" rIns="91440" bIns="45720" rtlCol="0" anchor="b"/>
+          <a:lstStyle>
+            <a:lvl1pPr algn="r">
+              <a:defRPr sz="1200"/>
+            </a:lvl1pPr>
+          </a:lstStyle>
+          <a:p>
+            <a:fld id="{50305E07-67EA-4042-A3F6-853A8AD8D209}" type="slidenum">
+              <a:rPr lang="en-US" smtClean="0"/>
+            </a:fld>
+            <a:endParaRPr lang="en-US"/>
+          </a:p>
+        </p:txBody>
+      </p:sp>
+    </p:spTree>
+  </p:cSld>
+  <p:clrMap bg1="lt1" tx1="dk1" bg2="lt2" tx2="dk2" accent1="accent1" accent2="accent2" accent3="accent3" accent4="accent4" accent5="accent5" accent6="accent6" hlink="hlink" folHlink="folHlink"/>
+</p:handoutMaster>
 </file>
 
 <file path=ppt/notesMasters/notesMaster1.xml><?xml version="1.0" encoding="utf-8"?>
@@ -220,8 +365,6 @@
           <a:p>
             <a:fld id="{5B2243F0-1FB2-41E4-961B-8CAB2AED1024}" type="datetimeFigureOut">
               <a:rPr lang="en-IN" smtClean="0"/>
-              <a:pPr/>
-              <a:t>06/05/22</a:t>
             </a:fld>
             <a:endParaRPr lang="en-IN"/>
           </a:p>
@@ -288,6 +431,7 @@
               <a:rPr lang="en-US"/>
               <a:t>Click to edit Master text styles</a:t>
             </a:r>
+            <a:endParaRPr lang="en-US"/>
           </a:p>
           <a:p>
             <a:pPr lvl="1"/>
@@ -295,6 +439,7 @@
               <a:rPr lang="en-US"/>
               <a:t>Second level</a:t>
             </a:r>
+            <a:endParaRPr lang="en-US"/>
           </a:p>
           <a:p>
             <a:pPr lvl="2"/>
@@ -302,6 +447,7 @@
               <a:rPr lang="en-US"/>
               <a:t>Third level</a:t>
             </a:r>
+            <a:endParaRPr lang="en-US"/>
           </a:p>
           <a:p>
             <a:pPr lvl="3"/>
@@ -309,6 +455,7 @@
               <a:rPr lang="en-US"/>
               <a:t>Fourth level</a:t>
             </a:r>
+            <a:endParaRPr lang="en-US"/>
           </a:p>
           <a:p>
             <a:pPr lvl="4"/>
@@ -380,19 +527,12 @@
           <a:p>
             <a:fld id="{0DF20133-9643-4EF8-94CA-FEF99B36DC3F}" type="slidenum">
               <a:rPr lang="en-IN" smtClean="0"/>
-              <a:pPr/>
-              <a:t>‹#›</a:t>
             </a:fld>
             <a:endParaRPr lang="en-IN"/>
           </a:p>
         </p:txBody>
       </p:sp>
     </p:spTree>
-    <p:extLst>
-      <p:ext uri="{BB962C8B-B14F-4D97-AF65-F5344CB8AC3E}">
-        <p14:creationId xmlns:p14="http://schemas.microsoft.com/office/powerpoint/2010/main" val="1244009194"/>
-      </p:ext>
-    </p:extLst>
   </p:cSld>
   <p:clrMap bg1="lt1" tx1="dk1" bg2="lt2" tx2="dk2" accent1="accent1" accent2="accent2" accent3="accent3" accent4="accent4" accent5="accent5" accent6="accent6" hlink="hlink" folHlink="folHlink"/>
   <p:notesStyle>
@@ -546,10 +686,19 @@
               </a:rPr>
               <a:t>Knowledge Base is driven by three ontologies: </a:t>
             </a:r>
-          </a:p>
-          <a:p>
-            <a:r>
-              <a:rPr lang="en-IN" sz="1200" kern="1200" dirty="0" err="1">
+            <a:endParaRPr lang="en-IN" sz="1200" kern="1200" dirty="0">
+              <a:solidFill>
+                <a:schemeClr val="dk1"/>
+              </a:solidFill>
+              <a:effectLst/>
+              <a:latin typeface="Times New Roman" panose="02020603050405020304" pitchFamily="18" charset="0"/>
+              <a:ea typeface="+mn-ea"/>
+              <a:cs typeface="Times New Roman" panose="02020603050405020304" pitchFamily="18" charset="0"/>
+            </a:endParaRPr>
+          </a:p>
+          <a:p>
+            <a:r>
+              <a:rPr lang="en-US" altLang="en-IN" sz="1200" kern="1200" dirty="0">
                 <a:solidFill>
                   <a:schemeClr val="dk1"/>
                 </a:solidFill>
@@ -558,7 +707,7 @@
                 <a:ea typeface="+mn-ea"/>
                 <a:cs typeface="Times New Roman" panose="02020603050405020304" pitchFamily="18" charset="0"/>
               </a:rPr>
-              <a:t>i</a:t>
+              <a:t>1)</a:t>
             </a:r>
             <a:r>
               <a:rPr lang="en-IN" sz="1200" kern="1200" dirty="0">
@@ -570,8 +719,41 @@
                 <a:ea typeface="+mn-ea"/>
                 <a:cs typeface="Times New Roman" panose="02020603050405020304" pitchFamily="18" charset="0"/>
               </a:rPr>
-              <a:t>. the food ontology, 2) the user profile ontology, and 3) the HL7-based health screening ontology. These provide knowledge acquired from domain experts and the user’s health status to generate a personal diet plan.</a:t>
-            </a:r>
+              <a:t> the food ontology, 2) the user profile ontology, and 3) the HL7-based health screening ontology. These provide knowledge acquired from domain experts and the user</a:t>
+            </a:r>
+            <a:r>
+              <a:rPr lang="en-US" altLang="en-IN" sz="1200" kern="1200" dirty="0">
+                <a:solidFill>
+                  <a:schemeClr val="dk1"/>
+                </a:solidFill>
+                <a:effectLst/>
+                <a:latin typeface="Times New Roman" panose="02020603050405020304" pitchFamily="18" charset="0"/>
+                <a:ea typeface="+mn-ea"/>
+                <a:cs typeface="Times New Roman" panose="02020603050405020304" pitchFamily="18" charset="0"/>
+              </a:rPr>
+              <a:t>’</a:t>
+            </a:r>
+            <a:r>
+              <a:rPr lang="en-IN" sz="1200" kern="1200" dirty="0">
+                <a:solidFill>
+                  <a:schemeClr val="dk1"/>
+                </a:solidFill>
+                <a:effectLst/>
+                <a:latin typeface="Times New Roman" panose="02020603050405020304" pitchFamily="18" charset="0"/>
+                <a:ea typeface="+mn-ea"/>
+                <a:cs typeface="Times New Roman" panose="02020603050405020304" pitchFamily="18" charset="0"/>
+              </a:rPr>
+              <a:t>s health status to generate a personal diet plan.</a:t>
+            </a:r>
+            <a:endParaRPr lang="en-IN" sz="1200" kern="1200" dirty="0">
+              <a:solidFill>
+                <a:schemeClr val="dk1"/>
+              </a:solidFill>
+              <a:effectLst/>
+              <a:latin typeface="Times New Roman" panose="02020603050405020304" pitchFamily="18" charset="0"/>
+              <a:ea typeface="+mn-ea"/>
+              <a:cs typeface="Times New Roman" panose="02020603050405020304" pitchFamily="18" charset="0"/>
+            </a:endParaRPr>
           </a:p>
           <a:p>
             <a:endParaRPr lang="en-US" dirty="0"/>
@@ -595,19 +777,12 @@
           <a:p>
             <a:fld id="{0DF20133-9643-4EF8-94CA-FEF99B36DC3F}" type="slidenum">
               <a:rPr lang="en-IN" smtClean="0"/>
-              <a:pPr/>
-              <a:t>6</a:t>
             </a:fld>
             <a:endParaRPr lang="en-IN"/>
           </a:p>
         </p:txBody>
       </p:sp>
     </p:spTree>
-    <p:extLst>
-      <p:ext uri="{BB962C8B-B14F-4D97-AF65-F5344CB8AC3E}">
-        <p14:creationId xmlns:p14="http://schemas.microsoft.com/office/powerpoint/2010/main" val="991797100"/>
-      </p:ext>
-    </p:extLst>
   </p:cSld>
   <p:clrMapOvr>
     <a:masterClrMapping/>
@@ -670,6 +845,10 @@
               </a:rPr>
               <a:t>The app will enable user to input information like their name, age, height, weight, diseases, medical history, nutritional preference, medications, allergies etc. </a:t>
             </a:r>
+            <a:endParaRPr lang="en-IN" sz="1200" dirty="0">
+              <a:latin typeface="Times New Roman" panose="02020603050405020304" pitchFamily="18" charset="0"/>
+              <a:cs typeface="Times New Roman" panose="02020603050405020304" pitchFamily="18" charset="0"/>
+            </a:endParaRPr>
           </a:p>
           <a:p>
             <a:pPr marL="342900" indent="-342900" algn="just">
@@ -683,6 +862,10 @@
               </a:rPr>
               <a:t>A user profile will be created and processed. The initial phase in the processing will be to take the nutritional preferences indicated by the user, as well as other information such as diseases, activity levels, and so on, and map these to information recorded from a database containing information about age-appropriate nutrition. This will result in a final set of nutritional values that the diet must meet for the specific user. </a:t>
             </a:r>
+            <a:endParaRPr lang="en-IN" sz="1200" dirty="0">
+              <a:latin typeface="Times New Roman" panose="02020603050405020304" pitchFamily="18" charset="0"/>
+              <a:cs typeface="Times New Roman" panose="02020603050405020304" pitchFamily="18" charset="0"/>
+            </a:endParaRPr>
           </a:p>
           <a:p>
             <a:pPr marL="342900" indent="-342900" algn="just">
@@ -696,6 +879,10 @@
               </a:rPr>
               <a:t>Using the Nutrition-Ingredient Data, the nutritional values would then be used to classify food groups (using a ML based classifier such as Random Forest), resulting in the food groups that should be included in the diet. </a:t>
             </a:r>
+            <a:endParaRPr lang="en-IN" sz="1200" dirty="0">
+              <a:latin typeface="Times New Roman" panose="02020603050405020304" pitchFamily="18" charset="0"/>
+              <a:cs typeface="Times New Roman" panose="02020603050405020304" pitchFamily="18" charset="0"/>
+            </a:endParaRPr>
           </a:p>
           <a:p>
             <a:pPr marL="342900" indent="-342900" algn="just">
@@ -709,6 +896,10 @@
               </a:rPr>
               <a:t>After taking into account the user's preferences, such as allergies and dislikes, a collection of ingredients will be developed that will be relevant for the recipe search.</a:t>
             </a:r>
+            <a:endParaRPr lang="en-IN" sz="1200" dirty="0">
+              <a:latin typeface="Times New Roman" panose="02020603050405020304" pitchFamily="18" charset="0"/>
+              <a:cs typeface="Times New Roman" panose="02020603050405020304" pitchFamily="18" charset="0"/>
+            </a:endParaRPr>
           </a:p>
           <a:p>
             <a:pPr algn="just"/>
@@ -739,19 +930,12 @@
           <a:p>
             <a:fld id="{0DF20133-9643-4EF8-94CA-FEF99B36DC3F}" type="slidenum">
               <a:rPr lang="en-IN" smtClean="0"/>
-              <a:pPr/>
-              <a:t>8</a:t>
             </a:fld>
             <a:endParaRPr lang="en-IN"/>
           </a:p>
         </p:txBody>
       </p:sp>
     </p:spTree>
-    <p:extLst>
-      <p:ext uri="{BB962C8B-B14F-4D97-AF65-F5344CB8AC3E}">
-        <p14:creationId xmlns:p14="http://schemas.microsoft.com/office/powerpoint/2010/main" val="3101139279"/>
-      </p:ext>
-    </p:extLst>
   </p:cSld>
   <p:clrMapOvr>
     <a:masterClrMapping/>
@@ -760,7 +944,7 @@
 </file>
 
 <file path=ppt/slideLayouts/slideLayout1.xml><?xml version="1.0" encoding="utf-8"?>
-<p:sldLayout xmlns:a="http://schemas.openxmlformats.org/drawingml/2006/main" xmlns:r="http://schemas.openxmlformats.org/officeDocument/2006/relationships" xmlns:p="http://schemas.openxmlformats.org/presentationml/2006/main" showMasterSp="0" type="title" preserve="1">
+<p:sldLayout xmlns:a="http://schemas.openxmlformats.org/drawingml/2006/main" xmlns:r="http://schemas.openxmlformats.org/officeDocument/2006/relationships" xmlns:p="http://schemas.openxmlformats.org/presentationml/2006/main" type="title" preserve="1" showMasterSp="0">
   <p:cSld name="Title Slide">
     <p:spTree>
       <p:nvGrpSpPr>
@@ -985,8 +1169,6 @@
           <a:p>
             <a:fld id="{0CE1AAA1-5EED-45C1-A8CC-2692A48FCA5B}" type="datetime1">
               <a:rPr lang="en-IN" smtClean="0"/>
-              <a:pPr/>
-              <a:t>06/05/22</a:t>
             </a:fld>
             <a:endParaRPr lang="en-IN"/>
           </a:p>
@@ -1032,8 +1214,6 @@
           <a:p>
             <a:fld id="{1245FD78-8DE1-44B0-BD44-E067D054697C}" type="slidenum">
               <a:rPr lang="en-IN" smtClean="0"/>
-              <a:pPr/>
-              <a:t>‹#›</a:t>
             </a:fld>
             <a:endParaRPr lang="en-IN"/>
           </a:p>
@@ -1079,13 +1259,7 @@
       </p:cxnSp>
       <p:pic>
         <p:nvPicPr>
-          <p:cNvPr id="11" name="Picture 2" descr="C:\Users\Srinidhi\Desktop\logo.png">
-            <a:extLst>
-              <a:ext uri="{FF2B5EF4-FFF2-40B4-BE49-F238E27FC236}">
-                <a16:creationId xmlns:a16="http://schemas.microsoft.com/office/drawing/2014/main" id="{C728CEA0-BA7F-4BA3-B201-6B7A8B3DF1C4}"/>
-              </a:ext>
-            </a:extLst>
-          </p:cNvPr>
+          <p:cNvPr id="11" name="Picture 2" descr="C:\Users\Srinidhi\Desktop\logo.png"/>
           <p:cNvPicPr>
             <a:picLocks noChangeAspect="1" noChangeArrowheads="1"/>
           </p:cNvPicPr>
@@ -1110,20 +1284,10 @@
         </p:spPr>
       </p:pic>
     </p:spTree>
-    <p:extLst>
-      <p:ext uri="{BB962C8B-B14F-4D97-AF65-F5344CB8AC3E}">
-        <p14:creationId xmlns:p14="http://schemas.microsoft.com/office/powerpoint/2010/main" val="3847805206"/>
-      </p:ext>
-    </p:extLst>
   </p:cSld>
   <p:clrMapOvr>
     <a:masterClrMapping/>
   </p:clrMapOvr>
-  <p:extLst>
-    <p:ext uri="{DCECCB84-F9BA-43D5-87BE-67443E8EF086}">
-      <p15:sldGuideLst xmlns:p15="http://schemas.microsoft.com/office/powerpoint/2012/main"/>
-    </p:ext>
-  </p:extLst>
 </p:sldLayout>
 </file>
 
@@ -1187,6 +1351,7 @@
               <a:rPr lang="en-US"/>
               <a:t>Click to edit Master text styles</a:t>
             </a:r>
+            <a:endParaRPr lang="en-US"/>
           </a:p>
           <a:p>
             <a:pPr lvl="1"/>
@@ -1194,6 +1359,7 @@
               <a:rPr lang="en-US"/>
               <a:t>Second level</a:t>
             </a:r>
+            <a:endParaRPr lang="en-US"/>
           </a:p>
           <a:p>
             <a:pPr lvl="2"/>
@@ -1201,6 +1367,7 @@
               <a:rPr lang="en-US"/>
               <a:t>Third level</a:t>
             </a:r>
+            <a:endParaRPr lang="en-US"/>
           </a:p>
           <a:p>
             <a:pPr lvl="3"/>
@@ -1208,6 +1375,7 @@
               <a:rPr lang="en-US"/>
               <a:t>Fourth level</a:t>
             </a:r>
+            <a:endParaRPr lang="en-US"/>
           </a:p>
           <a:p>
             <a:pPr lvl="4"/>
@@ -1236,8 +1404,6 @@
           <a:p>
             <a:fld id="{46586A9F-105A-45FD-A610-F581EBE318E5}" type="datetime1">
               <a:rPr lang="en-IN" smtClean="0"/>
-              <a:pPr/>
-              <a:t>06/05/22</a:t>
             </a:fld>
             <a:endParaRPr lang="en-IN"/>
           </a:p>
@@ -1283,8 +1449,6 @@
           <a:p>
             <a:fld id="{1245FD78-8DE1-44B0-BD44-E067D054697C}" type="slidenum">
               <a:rPr lang="en-IN" smtClean="0"/>
-              <a:pPr/>
-              <a:t>‹#›</a:t>
             </a:fld>
             <a:endParaRPr lang="en-IN"/>
           </a:p>
@@ -1292,13 +1456,7 @@
       </p:sp>
       <p:pic>
         <p:nvPicPr>
-          <p:cNvPr id="8" name="Picture 2" descr="C:\Users\Srinidhi\Desktop\logo.png">
-            <a:extLst>
-              <a:ext uri="{FF2B5EF4-FFF2-40B4-BE49-F238E27FC236}">
-                <a16:creationId xmlns:a16="http://schemas.microsoft.com/office/drawing/2014/main" id="{2BFF8954-070D-4352-AC3E-DD7D500D0A59}"/>
-              </a:ext>
-            </a:extLst>
-          </p:cNvPr>
+          <p:cNvPr id="8" name="Picture 2" descr="C:\Users\Srinidhi\Desktop\logo.png"/>
           <p:cNvPicPr>
             <a:picLocks noChangeAspect="1" noChangeArrowheads="1"/>
           </p:cNvPicPr>
@@ -1323,11 +1481,6 @@
         </p:spPr>
       </p:pic>
     </p:spTree>
-    <p:extLst>
-      <p:ext uri="{BB962C8B-B14F-4D97-AF65-F5344CB8AC3E}">
-        <p14:creationId xmlns:p14="http://schemas.microsoft.com/office/powerpoint/2010/main" val="3266751040"/>
-      </p:ext>
-    </p:extLst>
   </p:cSld>
   <p:clrMapOvr>
     <a:masterClrMapping/>
@@ -1336,7 +1489,7 @@
 </file>
 
 <file path=ppt/slideLayouts/slideLayout11.xml><?xml version="1.0" encoding="utf-8"?>
-<p:sldLayout xmlns:a="http://schemas.openxmlformats.org/drawingml/2006/main" xmlns:r="http://schemas.openxmlformats.org/officeDocument/2006/relationships" xmlns:p="http://schemas.openxmlformats.org/presentationml/2006/main" showMasterSp="0" type="vertTitleAndTx" preserve="1">
+<p:sldLayout xmlns:a="http://schemas.openxmlformats.org/drawingml/2006/main" xmlns:r="http://schemas.openxmlformats.org/officeDocument/2006/relationships" xmlns:p="http://schemas.openxmlformats.org/presentationml/2006/main" type="vertTitleAndTx" preserve="1" showMasterSp="0">
   <p:cSld name="Vertical Title and Text">
     <p:spTree>
       <p:nvGrpSpPr>
@@ -1481,6 +1634,7 @@
               <a:rPr lang="en-US"/>
               <a:t>Click to edit Master text styles</a:t>
             </a:r>
+            <a:endParaRPr lang="en-US"/>
           </a:p>
           <a:p>
             <a:pPr lvl="1"/>
@@ -1488,6 +1642,7 @@
               <a:rPr lang="en-US"/>
               <a:t>Second level</a:t>
             </a:r>
+            <a:endParaRPr lang="en-US"/>
           </a:p>
           <a:p>
             <a:pPr lvl="2"/>
@@ -1495,6 +1650,7 @@
               <a:rPr lang="en-US"/>
               <a:t>Third level</a:t>
             </a:r>
+            <a:endParaRPr lang="en-US"/>
           </a:p>
           <a:p>
             <a:pPr lvl="3"/>
@@ -1502,6 +1658,7 @@
               <a:rPr lang="en-US"/>
               <a:t>Fourth level</a:t>
             </a:r>
+            <a:endParaRPr lang="en-US"/>
           </a:p>
           <a:p>
             <a:pPr lvl="4"/>
@@ -1530,8 +1687,6 @@
           <a:p>
             <a:fld id="{203556EE-BA75-4293-9005-9A3AC5F963A1}" type="datetime1">
               <a:rPr lang="en-IN" smtClean="0"/>
-              <a:pPr/>
-              <a:t>06/05/22</a:t>
             </a:fld>
             <a:endParaRPr lang="en-IN"/>
           </a:p>
@@ -1577,8 +1732,6 @@
           <a:p>
             <a:fld id="{1245FD78-8DE1-44B0-BD44-E067D054697C}" type="slidenum">
               <a:rPr lang="en-IN" smtClean="0"/>
-              <a:pPr/>
-              <a:t>‹#›</a:t>
             </a:fld>
             <a:endParaRPr lang="en-IN"/>
           </a:p>
@@ -1586,13 +1739,7 @@
       </p:sp>
       <p:pic>
         <p:nvPicPr>
-          <p:cNvPr id="10" name="Picture 2" descr="C:\Users\Srinidhi\Desktop\logo.png">
-            <a:extLst>
-              <a:ext uri="{FF2B5EF4-FFF2-40B4-BE49-F238E27FC236}">
-                <a16:creationId xmlns:a16="http://schemas.microsoft.com/office/drawing/2014/main" id="{F8681246-1AFA-47C1-8723-E212F3BD6963}"/>
-              </a:ext>
-            </a:extLst>
-          </p:cNvPr>
+          <p:cNvPr id="10" name="Picture 2" descr="C:\Users\Srinidhi\Desktop\logo.png"/>
           <p:cNvPicPr>
             <a:picLocks noChangeAspect="1" noChangeArrowheads="1"/>
           </p:cNvPicPr>
@@ -1617,11 +1764,6 @@
         </p:spPr>
       </p:pic>
     </p:spTree>
-    <p:extLst>
-      <p:ext uri="{BB962C8B-B14F-4D97-AF65-F5344CB8AC3E}">
-        <p14:creationId xmlns:p14="http://schemas.microsoft.com/office/powerpoint/2010/main" val="1165883158"/>
-      </p:ext>
-    </p:extLst>
   </p:cSld>
   <p:clrMapOvr>
     <a:masterClrMapping/>
@@ -1693,6 +1835,7 @@
               <a:rPr lang="en-US"/>
               <a:t>Click to edit Master text styles</a:t>
             </a:r>
+            <a:endParaRPr lang="en-US"/>
           </a:p>
           <a:p>
             <a:pPr lvl="1"/>
@@ -1700,6 +1843,7 @@
               <a:rPr lang="en-US"/>
               <a:t>Second level</a:t>
             </a:r>
+            <a:endParaRPr lang="en-US"/>
           </a:p>
           <a:p>
             <a:pPr lvl="2"/>
@@ -1707,6 +1851,7 @@
               <a:rPr lang="en-US"/>
               <a:t>Third level</a:t>
             </a:r>
+            <a:endParaRPr lang="en-US"/>
           </a:p>
           <a:p>
             <a:pPr lvl="3"/>
@@ -1714,6 +1859,7 @@
               <a:rPr lang="en-US"/>
               <a:t>Fourth level</a:t>
             </a:r>
+            <a:endParaRPr lang="en-US"/>
           </a:p>
           <a:p>
             <a:pPr lvl="4"/>
@@ -1742,8 +1888,6 @@
           <a:p>
             <a:fld id="{7B408FE0-85C4-4B5E-8D92-47082CCA6BB8}" type="datetime1">
               <a:rPr lang="en-IN" smtClean="0"/>
-              <a:pPr/>
-              <a:t>06/05/22</a:t>
             </a:fld>
             <a:endParaRPr lang="en-IN"/>
           </a:p>
@@ -1789,8 +1933,6 @@
           <a:p>
             <a:fld id="{1245FD78-8DE1-44B0-BD44-E067D054697C}" type="slidenum">
               <a:rPr lang="en-IN" smtClean="0"/>
-              <a:pPr/>
-              <a:t>‹#›</a:t>
             </a:fld>
             <a:endParaRPr lang="en-IN"/>
           </a:p>
@@ -1798,13 +1940,7 @@
       </p:sp>
       <p:pic>
         <p:nvPicPr>
-          <p:cNvPr id="8" name="Picture 2" descr="C:\Users\Srinidhi\Desktop\logo.png">
-            <a:extLst>
-              <a:ext uri="{FF2B5EF4-FFF2-40B4-BE49-F238E27FC236}">
-                <a16:creationId xmlns:a16="http://schemas.microsoft.com/office/drawing/2014/main" id="{5E2C67C7-C385-4A44-A78F-D95F8B32544D}"/>
-              </a:ext>
-            </a:extLst>
-          </p:cNvPr>
+          <p:cNvPr id="8" name="Picture 2" descr="C:\Users\Srinidhi\Desktop\logo.png"/>
           <p:cNvPicPr>
             <a:picLocks noChangeAspect="1" noChangeArrowheads="1"/>
           </p:cNvPicPr>
@@ -1829,11 +1965,6 @@
         </p:spPr>
       </p:pic>
     </p:spTree>
-    <p:extLst>
-      <p:ext uri="{BB962C8B-B14F-4D97-AF65-F5344CB8AC3E}">
-        <p14:creationId xmlns:p14="http://schemas.microsoft.com/office/powerpoint/2010/main" val="3780929100"/>
-      </p:ext>
-    </p:extLst>
   </p:cSld>
   <p:clrMapOvr>
     <a:masterClrMapping/>
@@ -1842,7 +1973,7 @@
 </file>
 
 <file path=ppt/slideLayouts/slideLayout3.xml><?xml version="1.0" encoding="utf-8"?>
-<p:sldLayout xmlns:a="http://schemas.openxmlformats.org/drawingml/2006/main" xmlns:r="http://schemas.openxmlformats.org/officeDocument/2006/relationships" xmlns:p="http://schemas.openxmlformats.org/presentationml/2006/main" showMasterSp="0" type="secHead" preserve="1">
+<p:sldLayout xmlns:a="http://schemas.openxmlformats.org/drawingml/2006/main" xmlns:r="http://schemas.openxmlformats.org/officeDocument/2006/relationships" xmlns:p="http://schemas.openxmlformats.org/presentationml/2006/main" type="secHead" preserve="1" showMasterSp="0">
   <p:cSld name="Section Header">
     <p:bg>
       <p:bgPr>
@@ -2103,6 +2234,7 @@
               <a:rPr lang="en-US"/>
               <a:t>Click to edit Master text styles</a:t>
             </a:r>
+            <a:endParaRPr lang="en-US"/>
           </a:p>
         </p:txBody>
       </p:sp>
@@ -2123,8 +2255,6 @@
           <a:p>
             <a:fld id="{02C4F4C7-2495-43FA-A051-996DC06F529F}" type="datetime1">
               <a:rPr lang="en-IN" smtClean="0"/>
-              <a:pPr/>
-              <a:t>06/05/22</a:t>
             </a:fld>
             <a:endParaRPr lang="en-IN"/>
           </a:p>
@@ -2170,8 +2300,6 @@
           <a:p>
             <a:fld id="{1245FD78-8DE1-44B0-BD44-E067D054697C}" type="slidenum">
               <a:rPr lang="en-IN" smtClean="0"/>
-              <a:pPr/>
-              <a:t>‹#›</a:t>
             </a:fld>
             <a:endParaRPr lang="en-IN"/>
           </a:p>
@@ -2217,13 +2345,7 @@
       </p:cxnSp>
       <p:pic>
         <p:nvPicPr>
-          <p:cNvPr id="11" name="Picture 2" descr="C:\Users\Srinidhi\Desktop\logo.png">
-            <a:extLst>
-              <a:ext uri="{FF2B5EF4-FFF2-40B4-BE49-F238E27FC236}">
-                <a16:creationId xmlns:a16="http://schemas.microsoft.com/office/drawing/2014/main" id="{6E4AAF7F-3876-4F6B-8901-E7673BBFDB22}"/>
-              </a:ext>
-            </a:extLst>
-          </p:cNvPr>
+          <p:cNvPr id="11" name="Picture 2" descr="C:\Users\Srinidhi\Desktop\logo.png"/>
           <p:cNvPicPr>
             <a:picLocks noChangeAspect="1" noChangeArrowheads="1"/>
           </p:cNvPicPr>
@@ -2248,11 +2370,6 @@
         </p:spPr>
       </p:pic>
     </p:spTree>
-    <p:extLst>
-      <p:ext uri="{BB962C8B-B14F-4D97-AF65-F5344CB8AC3E}">
-        <p14:creationId xmlns:p14="http://schemas.microsoft.com/office/powerpoint/2010/main" val="1897998160"/>
-      </p:ext>
-    </p:extLst>
   </p:cSld>
   <p:clrMapOvr>
     <a:masterClrMapping/>
@@ -2330,6 +2447,7 @@
               <a:rPr lang="en-US"/>
               <a:t>Click to edit Master text styles</a:t>
             </a:r>
+            <a:endParaRPr lang="en-US"/>
           </a:p>
           <a:p>
             <a:pPr lvl="1"/>
@@ -2337,6 +2455,7 @@
               <a:rPr lang="en-US"/>
               <a:t>Second level</a:t>
             </a:r>
+            <a:endParaRPr lang="en-US"/>
           </a:p>
           <a:p>
             <a:pPr lvl="2"/>
@@ -2344,6 +2463,7 @@
               <a:rPr lang="en-US"/>
               <a:t>Third level</a:t>
             </a:r>
+            <a:endParaRPr lang="en-US"/>
           </a:p>
           <a:p>
             <a:pPr lvl="3"/>
@@ -2351,6 +2471,7 @@
               <a:rPr lang="en-US"/>
               <a:t>Fourth level</a:t>
             </a:r>
+            <a:endParaRPr lang="en-US"/>
           </a:p>
           <a:p>
             <a:pPr lvl="4"/>
@@ -2387,6 +2508,7 @@
               <a:rPr lang="en-US"/>
               <a:t>Click to edit Master text styles</a:t>
             </a:r>
+            <a:endParaRPr lang="en-US"/>
           </a:p>
           <a:p>
             <a:pPr lvl="1"/>
@@ -2394,6 +2516,7 @@
               <a:rPr lang="en-US"/>
               <a:t>Second level</a:t>
             </a:r>
+            <a:endParaRPr lang="en-US"/>
           </a:p>
           <a:p>
             <a:pPr lvl="2"/>
@@ -2401,6 +2524,7 @@
               <a:rPr lang="en-US"/>
               <a:t>Third level</a:t>
             </a:r>
+            <a:endParaRPr lang="en-US"/>
           </a:p>
           <a:p>
             <a:pPr lvl="3"/>
@@ -2408,6 +2532,7 @@
               <a:rPr lang="en-US"/>
               <a:t>Fourth level</a:t>
             </a:r>
+            <a:endParaRPr lang="en-US"/>
           </a:p>
           <a:p>
             <a:pPr lvl="4"/>
@@ -2436,8 +2561,6 @@
           <a:p>
             <a:fld id="{3562AB57-2563-4C1E-AACE-ECD6AF9D6338}" type="datetime1">
               <a:rPr lang="en-IN" smtClean="0"/>
-              <a:pPr/>
-              <a:t>06/05/22</a:t>
             </a:fld>
             <a:endParaRPr lang="en-IN"/>
           </a:p>
@@ -2483,8 +2606,6 @@
           <a:p>
             <a:fld id="{1245FD78-8DE1-44B0-BD44-E067D054697C}" type="slidenum">
               <a:rPr lang="en-IN" smtClean="0"/>
-              <a:pPr/>
-              <a:t>‹#›</a:t>
             </a:fld>
             <a:endParaRPr lang="en-IN"/>
           </a:p>
@@ -2492,13 +2613,7 @@
       </p:sp>
       <p:pic>
         <p:nvPicPr>
-          <p:cNvPr id="2" name="Picture 2" descr="C:\Users\Srinidhi\Desktop\logo.png">
-            <a:extLst>
-              <a:ext uri="{FF2B5EF4-FFF2-40B4-BE49-F238E27FC236}">
-                <a16:creationId xmlns:a16="http://schemas.microsoft.com/office/drawing/2014/main" id="{EF3C39C1-9BAB-4C45-A144-CF8BF2E72B4B}"/>
-              </a:ext>
-            </a:extLst>
-          </p:cNvPr>
+          <p:cNvPr id="2" name="Picture 2" descr="C:\Users\Srinidhi\Desktop\logo.png"/>
           <p:cNvPicPr>
             <a:picLocks noChangeAspect="1" noChangeArrowheads="1"/>
           </p:cNvPicPr>
@@ -2523,11 +2638,6 @@
         </p:spPr>
       </p:pic>
     </p:spTree>
-    <p:extLst>
-      <p:ext uri="{BB962C8B-B14F-4D97-AF65-F5344CB8AC3E}">
-        <p14:creationId xmlns:p14="http://schemas.microsoft.com/office/powerpoint/2010/main" val="923447375"/>
-      </p:ext>
-    </p:extLst>
   </p:cSld>
   <p:clrMapOvr>
     <a:masterClrMapping/>
@@ -2648,6 +2758,7 @@
               <a:rPr lang="en-US"/>
               <a:t>Click to edit Master text styles</a:t>
             </a:r>
+            <a:endParaRPr lang="en-US"/>
           </a:p>
         </p:txBody>
       </p:sp>
@@ -2676,6 +2787,7 @@
               <a:rPr lang="en-US"/>
               <a:t>Click to edit Master text styles</a:t>
             </a:r>
+            <a:endParaRPr lang="en-US"/>
           </a:p>
           <a:p>
             <a:pPr lvl="1"/>
@@ -2683,6 +2795,7 @@
               <a:rPr lang="en-US"/>
               <a:t>Second level</a:t>
             </a:r>
+            <a:endParaRPr lang="en-US"/>
           </a:p>
           <a:p>
             <a:pPr lvl="2"/>
@@ -2690,6 +2803,7 @@
               <a:rPr lang="en-US"/>
               <a:t>Third level</a:t>
             </a:r>
+            <a:endParaRPr lang="en-US"/>
           </a:p>
           <a:p>
             <a:pPr lvl="3"/>
@@ -2697,6 +2811,7 @@
               <a:rPr lang="en-US"/>
               <a:t>Fourth level</a:t>
             </a:r>
+            <a:endParaRPr lang="en-US"/>
           </a:p>
           <a:p>
             <a:pPr lvl="4"/>
@@ -2776,6 +2891,7 @@
               <a:rPr lang="en-US"/>
               <a:t>Click to edit Master text styles</a:t>
             </a:r>
+            <a:endParaRPr lang="en-US"/>
           </a:p>
         </p:txBody>
       </p:sp>
@@ -2804,6 +2920,7 @@
               <a:rPr lang="en-US"/>
               <a:t>Click to edit Master text styles</a:t>
             </a:r>
+            <a:endParaRPr lang="en-US"/>
           </a:p>
           <a:p>
             <a:pPr lvl="1"/>
@@ -2811,6 +2928,7 @@
               <a:rPr lang="en-US"/>
               <a:t>Second level</a:t>
             </a:r>
+            <a:endParaRPr lang="en-US"/>
           </a:p>
           <a:p>
             <a:pPr lvl="2"/>
@@ -2818,6 +2936,7 @@
               <a:rPr lang="en-US"/>
               <a:t>Third level</a:t>
             </a:r>
+            <a:endParaRPr lang="en-US"/>
           </a:p>
           <a:p>
             <a:pPr lvl="3"/>
@@ -2825,6 +2944,7 @@
               <a:rPr lang="en-US"/>
               <a:t>Fourth level</a:t>
             </a:r>
+            <a:endParaRPr lang="en-US"/>
           </a:p>
           <a:p>
             <a:pPr lvl="4"/>
@@ -2853,8 +2973,6 @@
           <a:p>
             <a:fld id="{491E361E-13EA-4D71-AB87-006735CEC8A3}" type="datetime1">
               <a:rPr lang="en-IN" smtClean="0"/>
-              <a:pPr/>
-              <a:t>06/05/22</a:t>
             </a:fld>
             <a:endParaRPr lang="en-IN"/>
           </a:p>
@@ -2900,8 +3018,6 @@
           <a:p>
             <a:fld id="{1245FD78-8DE1-44B0-BD44-E067D054697C}" type="slidenum">
               <a:rPr lang="en-IN" smtClean="0"/>
-              <a:pPr/>
-              <a:t>‹#›</a:t>
             </a:fld>
             <a:endParaRPr lang="en-IN"/>
           </a:p>
@@ -2909,13 +3025,7 @@
       </p:sp>
       <p:pic>
         <p:nvPicPr>
-          <p:cNvPr id="2" name="Picture 2" descr="C:\Users\Srinidhi\Desktop\logo.png">
-            <a:extLst>
-              <a:ext uri="{FF2B5EF4-FFF2-40B4-BE49-F238E27FC236}">
-                <a16:creationId xmlns:a16="http://schemas.microsoft.com/office/drawing/2014/main" id="{1B300F68-EEC8-479F-89B4-B66DB0F421A6}"/>
-              </a:ext>
-            </a:extLst>
-          </p:cNvPr>
+          <p:cNvPr id="2" name="Picture 2" descr="C:\Users\Srinidhi\Desktop\logo.png"/>
           <p:cNvPicPr>
             <a:picLocks noChangeAspect="1" noChangeArrowheads="1"/>
           </p:cNvPicPr>
@@ -2940,11 +3050,6 @@
         </p:spPr>
       </p:pic>
     </p:spTree>
-    <p:extLst>
-      <p:ext uri="{BB962C8B-B14F-4D97-AF65-F5344CB8AC3E}">
-        <p14:creationId xmlns:p14="http://schemas.microsoft.com/office/powerpoint/2010/main" val="2908109091"/>
-      </p:ext>
-    </p:extLst>
   </p:cSld>
   <p:clrMapOvr>
     <a:masterClrMapping/>
@@ -3009,8 +3114,6 @@
           <a:p>
             <a:fld id="{48E433A5-CDF5-414D-BB2C-C9DF07A7F631}" type="datetime1">
               <a:rPr lang="en-IN" smtClean="0"/>
-              <a:pPr/>
-              <a:t>06/05/22</a:t>
             </a:fld>
             <a:endParaRPr lang="en-IN"/>
           </a:p>
@@ -3056,8 +3159,6 @@
           <a:p>
             <a:fld id="{1245FD78-8DE1-44B0-BD44-E067D054697C}" type="slidenum">
               <a:rPr lang="en-IN" smtClean="0"/>
-              <a:pPr/>
-              <a:t>‹#›</a:t>
             </a:fld>
             <a:endParaRPr lang="en-IN"/>
           </a:p>
@@ -3065,13 +3166,7 @@
       </p:sp>
       <p:pic>
         <p:nvPicPr>
-          <p:cNvPr id="7" name="Picture 2" descr="C:\Users\Srinidhi\Desktop\logo.png">
-            <a:extLst>
-              <a:ext uri="{FF2B5EF4-FFF2-40B4-BE49-F238E27FC236}">
-                <a16:creationId xmlns:a16="http://schemas.microsoft.com/office/drawing/2014/main" id="{6720B71A-9CF9-4970-96CA-352F2D5F33C5}"/>
-              </a:ext>
-            </a:extLst>
-          </p:cNvPr>
+          <p:cNvPr id="7" name="Picture 2" descr="C:\Users\Srinidhi\Desktop\logo.png"/>
           <p:cNvPicPr>
             <a:picLocks noChangeAspect="1" noChangeArrowheads="1"/>
           </p:cNvPicPr>
@@ -3096,11 +3191,6 @@
         </p:spPr>
       </p:pic>
     </p:spTree>
-    <p:extLst>
-      <p:ext uri="{BB962C8B-B14F-4D97-AF65-F5344CB8AC3E}">
-        <p14:creationId xmlns:p14="http://schemas.microsoft.com/office/powerpoint/2010/main" val="676499241"/>
-      </p:ext>
-    </p:extLst>
   </p:cSld>
   <p:clrMapOvr>
     <a:masterClrMapping/>
@@ -3109,7 +3199,7 @@
 </file>
 
 <file path=ppt/slideLayouts/slideLayout7.xml><?xml version="1.0" encoding="utf-8"?>
-<p:sldLayout xmlns:a="http://schemas.openxmlformats.org/drawingml/2006/main" xmlns:r="http://schemas.openxmlformats.org/officeDocument/2006/relationships" xmlns:p="http://schemas.openxmlformats.org/presentationml/2006/main" showMasterSp="0" type="blank" preserve="1">
+<p:sldLayout xmlns:a="http://schemas.openxmlformats.org/drawingml/2006/main" xmlns:r="http://schemas.openxmlformats.org/officeDocument/2006/relationships" xmlns:p="http://schemas.openxmlformats.org/presentationml/2006/main" type="blank" preserve="1" showMasterSp="0">
   <p:cSld name="Blank">
     <p:spTree>
       <p:nvGrpSpPr>
@@ -3218,8 +3308,6 @@
           <a:p>
             <a:fld id="{68C89EB3-2841-4B74-BD08-6FDA6A2C0AA5}" type="datetime1">
               <a:rPr lang="en-IN" smtClean="0"/>
-              <a:pPr/>
-              <a:t>06/05/22</a:t>
             </a:fld>
             <a:endParaRPr lang="en-IN"/>
           </a:p>
@@ -3273,8 +3361,6 @@
           <a:p>
             <a:fld id="{1245FD78-8DE1-44B0-BD44-E067D054697C}" type="slidenum">
               <a:rPr lang="en-IN" smtClean="0"/>
-              <a:pPr/>
-              <a:t>‹#›</a:t>
             </a:fld>
             <a:endParaRPr lang="en-IN"/>
           </a:p>
@@ -3282,13 +3368,7 @@
       </p:sp>
       <p:pic>
         <p:nvPicPr>
-          <p:cNvPr id="2" name="Picture 2" descr="C:\Users\Srinidhi\Desktop\logo.png">
-            <a:extLst>
-              <a:ext uri="{FF2B5EF4-FFF2-40B4-BE49-F238E27FC236}">
-                <a16:creationId xmlns:a16="http://schemas.microsoft.com/office/drawing/2014/main" id="{7393EDB9-65C6-42AA-B582-C92413F0DE59}"/>
-              </a:ext>
-            </a:extLst>
-          </p:cNvPr>
+          <p:cNvPr id="2" name="Picture 2" descr="C:\Users\Srinidhi\Desktop\logo.png"/>
           <p:cNvPicPr>
             <a:picLocks noChangeAspect="1" noChangeArrowheads="1"/>
           </p:cNvPicPr>
@@ -3313,25 +3393,15 @@
         </p:spPr>
       </p:pic>
     </p:spTree>
-    <p:extLst>
-      <p:ext uri="{BB962C8B-B14F-4D97-AF65-F5344CB8AC3E}">
-        <p14:creationId xmlns:p14="http://schemas.microsoft.com/office/powerpoint/2010/main" val="2740474254"/>
-      </p:ext>
-    </p:extLst>
   </p:cSld>
   <p:clrMapOvr>
     <a:masterClrMapping/>
   </p:clrMapOvr>
-  <p:extLst>
-    <p:ext uri="{DCECCB84-F9BA-43D5-87BE-67443E8EF086}">
-      <p15:sldGuideLst xmlns:p15="http://schemas.microsoft.com/office/powerpoint/2012/main"/>
-    </p:ext>
-  </p:extLst>
 </p:sldLayout>
 </file>
 
 <file path=ppt/slideLayouts/slideLayout8.xml><?xml version="1.0" encoding="utf-8"?>
-<p:sldLayout xmlns:a="http://schemas.openxmlformats.org/drawingml/2006/main" xmlns:r="http://schemas.openxmlformats.org/officeDocument/2006/relationships" xmlns:p="http://schemas.openxmlformats.org/presentationml/2006/main" showMasterSp="0" type="objTx" preserve="1">
+<p:sldLayout xmlns:a="http://schemas.openxmlformats.org/drawingml/2006/main" xmlns:r="http://schemas.openxmlformats.org/officeDocument/2006/relationships" xmlns:p="http://schemas.openxmlformats.org/presentationml/2006/main" type="objTx" preserve="1" showMasterSp="0">
   <p:cSld name="Content with Caption">
     <p:spTree>
       <p:nvGrpSpPr>
@@ -3486,6 +3556,7 @@
               <a:rPr lang="en-US"/>
               <a:t>Click to edit Master text styles</a:t>
             </a:r>
+            <a:endParaRPr lang="en-US"/>
           </a:p>
           <a:p>
             <a:pPr lvl="1"/>
@@ -3493,6 +3564,7 @@
               <a:rPr lang="en-US"/>
               <a:t>Second level</a:t>
             </a:r>
+            <a:endParaRPr lang="en-US"/>
           </a:p>
           <a:p>
             <a:pPr lvl="2"/>
@@ -3500,6 +3572,7 @@
               <a:rPr lang="en-US"/>
               <a:t>Third level</a:t>
             </a:r>
+            <a:endParaRPr lang="en-US"/>
           </a:p>
           <a:p>
             <a:pPr lvl="3"/>
@@ -3507,6 +3580,7 @@
               <a:rPr lang="en-US"/>
               <a:t>Fourth level</a:t>
             </a:r>
+            <a:endParaRPr lang="en-US"/>
           </a:p>
           <a:p>
             <a:pPr lvl="4"/>
@@ -3586,6 +3660,7 @@
               <a:rPr lang="en-US"/>
               <a:t>Click to edit Master text styles</a:t>
             </a:r>
+            <a:endParaRPr lang="en-US"/>
           </a:p>
         </p:txBody>
       </p:sp>
@@ -3615,8 +3690,6 @@
           <a:p>
             <a:fld id="{861A98C1-704E-4145-A2C8-692D73D56B98}" type="datetime1">
               <a:rPr lang="en-IN" smtClean="0"/>
-              <a:pPr/>
-              <a:t>06/05/22</a:t>
             </a:fld>
             <a:endParaRPr lang="en-IN"/>
           </a:p>
@@ -3683,8 +3756,6 @@
           <a:p>
             <a:fld id="{1245FD78-8DE1-44B0-BD44-E067D054697C}" type="slidenum">
               <a:rPr lang="en-IN" smtClean="0"/>
-              <a:pPr/>
-              <a:t>‹#›</a:t>
             </a:fld>
             <a:endParaRPr lang="en-IN"/>
           </a:p>
@@ -3692,13 +3763,7 @@
       </p:sp>
       <p:pic>
         <p:nvPicPr>
-          <p:cNvPr id="11" name="Picture 2" descr="C:\Users\Srinidhi\Desktop\logo.png">
-            <a:extLst>
-              <a:ext uri="{FF2B5EF4-FFF2-40B4-BE49-F238E27FC236}">
-                <a16:creationId xmlns:a16="http://schemas.microsoft.com/office/drawing/2014/main" id="{6BF8E43F-406B-489A-A07B-CBBB6CD8B66C}"/>
-              </a:ext>
-            </a:extLst>
-          </p:cNvPr>
+          <p:cNvPr id="11" name="Picture 2" descr="C:\Users\Srinidhi\Desktop\logo.png"/>
           <p:cNvPicPr>
             <a:picLocks noChangeAspect="1" noChangeArrowheads="1"/>
           </p:cNvPicPr>
@@ -3723,25 +3788,15 @@
         </p:spPr>
       </p:pic>
     </p:spTree>
-    <p:extLst>
-      <p:ext uri="{BB962C8B-B14F-4D97-AF65-F5344CB8AC3E}">
-        <p14:creationId xmlns:p14="http://schemas.microsoft.com/office/powerpoint/2010/main" val="823331611"/>
-      </p:ext>
-    </p:extLst>
   </p:cSld>
   <p:clrMapOvr>
     <a:masterClrMapping/>
   </p:clrMapOvr>
-  <p:extLst>
-    <p:ext uri="{DCECCB84-F9BA-43D5-87BE-67443E8EF086}">
-      <p15:sldGuideLst xmlns:p15="http://schemas.microsoft.com/office/powerpoint/2012/main"/>
-    </p:ext>
-  </p:extLst>
 </p:sldLayout>
 </file>
 
 <file path=ppt/slideLayouts/slideLayout9.xml><?xml version="1.0" encoding="utf-8"?>
-<p:sldLayout xmlns:a="http://schemas.openxmlformats.org/drawingml/2006/main" xmlns:r="http://schemas.openxmlformats.org/officeDocument/2006/relationships" xmlns:p="http://schemas.openxmlformats.org/presentationml/2006/main" showMasterSp="0" type="picTx" preserve="1">
+<p:sldLayout xmlns:a="http://schemas.openxmlformats.org/drawingml/2006/main" xmlns:r="http://schemas.openxmlformats.org/officeDocument/2006/relationships" xmlns:p="http://schemas.openxmlformats.org/presentationml/2006/main" type="picTx" preserve="1" showMasterSp="0">
   <p:cSld name="Picture with Caption">
     <p:spTree>
       <p:nvGrpSpPr>
@@ -3942,6 +3997,7 @@
               <a:rPr lang="en-US" dirty="0"/>
               <a:t>Click icon to add picture</a:t>
             </a:r>
+            <a:endParaRPr lang="en-US" dirty="0"/>
           </a:p>
         </p:txBody>
       </p:sp>
@@ -4019,6 +4075,7 @@
               <a:rPr lang="en-US"/>
               <a:t>Click to edit Master text styles</a:t>
             </a:r>
+            <a:endParaRPr lang="en-US"/>
           </a:p>
         </p:txBody>
       </p:sp>
@@ -4039,8 +4096,6 @@
           <a:p>
             <a:fld id="{B51075D4-600E-4A33-99CC-B8F0EB0A7ACC}" type="datetime1">
               <a:rPr lang="en-IN" smtClean="0"/>
-              <a:pPr/>
-              <a:t>06/05/22</a:t>
             </a:fld>
             <a:endParaRPr lang="en-IN"/>
           </a:p>
@@ -4086,8 +4141,6 @@
           <a:p>
             <a:fld id="{1245FD78-8DE1-44B0-BD44-E067D054697C}" type="slidenum">
               <a:rPr lang="en-IN" smtClean="0"/>
-              <a:pPr/>
-              <a:t>‹#›</a:t>
             </a:fld>
             <a:endParaRPr lang="en-IN"/>
           </a:p>
@@ -4095,13 +4148,7 @@
       </p:sp>
       <p:pic>
         <p:nvPicPr>
-          <p:cNvPr id="11" name="Picture 2" descr="C:\Users\Srinidhi\Desktop\logo.png">
-            <a:extLst>
-              <a:ext uri="{FF2B5EF4-FFF2-40B4-BE49-F238E27FC236}">
-                <a16:creationId xmlns:a16="http://schemas.microsoft.com/office/drawing/2014/main" id="{8D7279E7-0A06-4D9D-B018-700B7F4A3314}"/>
-              </a:ext>
-            </a:extLst>
-          </p:cNvPr>
+          <p:cNvPr id="11" name="Picture 2" descr="C:\Users\Srinidhi\Desktop\logo.png"/>
           <p:cNvPicPr>
             <a:picLocks noChangeAspect="1" noChangeArrowheads="1"/>
           </p:cNvPicPr>
@@ -4126,11 +4173,6 @@
         </p:spPr>
       </p:pic>
     </p:spTree>
-    <p:extLst>
-      <p:ext uri="{BB962C8B-B14F-4D97-AF65-F5344CB8AC3E}">
-        <p14:creationId xmlns:p14="http://schemas.microsoft.com/office/powerpoint/2010/main" val="3223777996"/>
-      </p:ext>
-    </p:extLst>
   </p:cSld>
   <p:clrMapOvr>
     <a:masterClrMapping/>
@@ -4299,6 +4341,7 @@
               <a:rPr lang="en-US"/>
               <a:t>Click to edit Master text styles</a:t>
             </a:r>
+            <a:endParaRPr lang="en-US"/>
           </a:p>
           <a:p>
             <a:pPr lvl="1"/>
@@ -4306,6 +4349,7 @@
               <a:rPr lang="en-US"/>
               <a:t>Second level</a:t>
             </a:r>
+            <a:endParaRPr lang="en-US"/>
           </a:p>
           <a:p>
             <a:pPr lvl="2"/>
@@ -4313,6 +4357,7 @@
               <a:rPr lang="en-US"/>
               <a:t>Third level</a:t>
             </a:r>
+            <a:endParaRPr lang="en-US"/>
           </a:p>
           <a:p>
             <a:pPr lvl="3"/>
@@ -4320,6 +4365,7 @@
               <a:rPr lang="en-US"/>
               <a:t>Fourth level</a:t>
             </a:r>
+            <a:endParaRPr lang="en-US"/>
           </a:p>
           <a:p>
             <a:pPr lvl="4"/>
@@ -4364,8 +4410,6 @@
           <a:p>
             <a:fld id="{61705F69-1B7A-4F89-B7EA-F9E7165CA2C2}" type="datetime1">
               <a:rPr lang="en-IN" smtClean="0"/>
-              <a:pPr/>
-              <a:t>06/05/22</a:t>
             </a:fld>
             <a:endParaRPr lang="en-IN"/>
           </a:p>
@@ -4443,8 +4487,6 @@
           <a:p>
             <a:fld id="{1245FD78-8DE1-44B0-BD44-E067D054697C}" type="slidenum">
               <a:rPr lang="en-IN" smtClean="0"/>
-              <a:pPr/>
-              <a:t>‹#›</a:t>
             </a:fld>
             <a:endParaRPr lang="en-IN"/>
           </a:p>
@@ -4489,25 +4531,20 @@
         </p:style>
       </p:cxnSp>
     </p:spTree>
-    <p:extLst>
-      <p:ext uri="{BB962C8B-B14F-4D97-AF65-F5344CB8AC3E}">
-        <p14:creationId xmlns:p14="http://schemas.microsoft.com/office/powerpoint/2010/main" val="1422238830"/>
-      </p:ext>
-    </p:extLst>
   </p:cSld>
   <p:clrMap bg1="lt1" tx1="dk1" bg2="lt2" tx2="dk2" accent1="accent1" accent2="accent2" accent3="accent3" accent4="accent4" accent5="accent5" accent6="accent6" hlink="hlink" folHlink="folHlink"/>
   <p:sldLayoutIdLst>
-    <p:sldLayoutId id="2147483769" r:id="rId1"/>
-    <p:sldLayoutId id="2147483770" r:id="rId2"/>
-    <p:sldLayoutId id="2147483771" r:id="rId3"/>
-    <p:sldLayoutId id="2147483772" r:id="rId4"/>
-    <p:sldLayoutId id="2147483773" r:id="rId5"/>
-    <p:sldLayoutId id="2147483774" r:id="rId6"/>
-    <p:sldLayoutId id="2147483775" r:id="rId7"/>
-    <p:sldLayoutId id="2147483776" r:id="rId8"/>
-    <p:sldLayoutId id="2147483777" r:id="rId9"/>
-    <p:sldLayoutId id="2147483778" r:id="rId10"/>
-    <p:sldLayoutId id="2147483779" r:id="rId11"/>
+    <p:sldLayoutId id="2147483649" r:id="rId1"/>
+    <p:sldLayoutId id="2147483650" r:id="rId2"/>
+    <p:sldLayoutId id="2147483651" r:id="rId3"/>
+    <p:sldLayoutId id="2147483652" r:id="rId4"/>
+    <p:sldLayoutId id="2147483653" r:id="rId5"/>
+    <p:sldLayoutId id="2147483654" r:id="rId6"/>
+    <p:sldLayoutId id="2147483655" r:id="rId7"/>
+    <p:sldLayoutId id="2147483656" r:id="rId8"/>
+    <p:sldLayoutId id="2147483657" r:id="rId9"/>
+    <p:sldLayoutId id="2147483658" r:id="rId10"/>
+    <p:sldLayoutId id="2147483659" r:id="rId11"/>
   </p:sldLayoutIdLst>
   <p:hf hdr="0" dt="0"/>
   <p:txStyles>
@@ -4562,7 +4599,7 @@
           <a:cs typeface="+mn-cs"/>
         </a:defRPr>
       </a:lvl1pPr>
-      <a:lvl2pPr marL="384048" indent="-182880" algn="l" defTabSz="914400" rtl="0" eaLnBrk="1" latinLnBrk="0" hangingPunct="1">
+      <a:lvl2pPr marL="384175" indent="-182880" algn="l" defTabSz="914400" rtl="0" eaLnBrk="1" latinLnBrk="0" hangingPunct="1">
         <a:lnSpc>
           <a:spcPct val="90000"/>
         </a:lnSpc>
@@ -4575,7 +4612,7 @@
         <a:buClr>
           <a:schemeClr val="accent1"/>
         </a:buClr>
-        <a:buFont typeface="Calibri" pitchFamily="34" charset="0"/>
+        <a:buFont typeface="Calibri" panose="020F0502020204030204" pitchFamily="34" charset="0"/>
         <a:buChar char="◦"/>
         <a:defRPr sz="1800" kern="1200">
           <a:solidFill>
@@ -4589,7 +4626,7 @@
           <a:cs typeface="+mn-cs"/>
         </a:defRPr>
       </a:lvl2pPr>
-      <a:lvl3pPr marL="566928" indent="-182880" algn="l" defTabSz="914400" rtl="0" eaLnBrk="1" latinLnBrk="0" hangingPunct="1">
+      <a:lvl3pPr marL="567055" indent="-182880" algn="l" defTabSz="914400" rtl="0" eaLnBrk="1" latinLnBrk="0" hangingPunct="1">
         <a:lnSpc>
           <a:spcPct val="90000"/>
         </a:lnSpc>
@@ -4602,7 +4639,7 @@
         <a:buClr>
           <a:schemeClr val="accent1"/>
         </a:buClr>
-        <a:buFont typeface="Calibri" pitchFamily="34" charset="0"/>
+        <a:buFont typeface="Calibri" panose="020F0502020204030204" pitchFamily="34" charset="0"/>
         <a:buChar char="◦"/>
         <a:defRPr sz="1400" kern="1200">
           <a:solidFill>
@@ -4616,7 +4653,7 @@
           <a:cs typeface="+mn-cs"/>
         </a:defRPr>
       </a:lvl3pPr>
-      <a:lvl4pPr marL="749808" indent="-182880" algn="l" defTabSz="914400" rtl="0" eaLnBrk="1" latinLnBrk="0" hangingPunct="1">
+      <a:lvl4pPr marL="749935" indent="-182880" algn="l" defTabSz="914400" rtl="0" eaLnBrk="1" latinLnBrk="0" hangingPunct="1">
         <a:lnSpc>
           <a:spcPct val="90000"/>
         </a:lnSpc>
@@ -4629,7 +4666,7 @@
         <a:buClr>
           <a:schemeClr val="accent1"/>
         </a:buClr>
-        <a:buFont typeface="Calibri" pitchFamily="34" charset="0"/>
+        <a:buFont typeface="Calibri" panose="020F0502020204030204" pitchFamily="34" charset="0"/>
         <a:buChar char="◦"/>
         <a:defRPr sz="1400" kern="1200">
           <a:solidFill>
@@ -4643,7 +4680,7 @@
           <a:cs typeface="+mn-cs"/>
         </a:defRPr>
       </a:lvl4pPr>
-      <a:lvl5pPr marL="932688" indent="-182880" algn="l" defTabSz="914400" rtl="0" eaLnBrk="1" latinLnBrk="0" hangingPunct="1">
+      <a:lvl5pPr marL="932815" indent="-182880" algn="l" defTabSz="914400" rtl="0" eaLnBrk="1" latinLnBrk="0" hangingPunct="1">
         <a:lnSpc>
           <a:spcPct val="90000"/>
         </a:lnSpc>
@@ -4656,7 +4693,7 @@
         <a:buClr>
           <a:schemeClr val="accent1"/>
         </a:buClr>
-        <a:buFont typeface="Calibri" pitchFamily="34" charset="0"/>
+        <a:buFont typeface="Calibri" panose="020F0502020204030204" pitchFamily="34" charset="0"/>
         <a:buChar char="◦"/>
         <a:defRPr sz="1400" kern="1200">
           <a:solidFill>
@@ -4670,7 +4707,7 @@
           <a:cs typeface="+mn-cs"/>
         </a:defRPr>
       </a:lvl5pPr>
-      <a:lvl6pPr marL="1100000" indent="-228600" algn="l" defTabSz="914400" rtl="0" eaLnBrk="1" latinLnBrk="0" hangingPunct="1">
+      <a:lvl6pPr marL="1099820" indent="-228600" algn="l" defTabSz="914400" rtl="0" eaLnBrk="1" latinLnBrk="0" hangingPunct="1">
         <a:lnSpc>
           <a:spcPct val="90000"/>
         </a:lnSpc>
@@ -4683,7 +4720,7 @@
         <a:buClr>
           <a:schemeClr val="accent1"/>
         </a:buClr>
-        <a:buFont typeface="Calibri" pitchFamily="34" charset="0"/>
+        <a:buFont typeface="Calibri" panose="020F0502020204030204" pitchFamily="34" charset="0"/>
         <a:buChar char="◦"/>
         <a:defRPr sz="1400" kern="1200">
           <a:solidFill>
@@ -4697,7 +4734,7 @@
           <a:cs typeface="+mn-cs"/>
         </a:defRPr>
       </a:lvl6pPr>
-      <a:lvl7pPr marL="1300000" indent="-228600" algn="l" defTabSz="914400" rtl="0" eaLnBrk="1" latinLnBrk="0" hangingPunct="1">
+      <a:lvl7pPr marL="1299845" indent="-228600" algn="l" defTabSz="914400" rtl="0" eaLnBrk="1" latinLnBrk="0" hangingPunct="1">
         <a:lnSpc>
           <a:spcPct val="90000"/>
         </a:lnSpc>
@@ -4710,7 +4747,7 @@
         <a:buClr>
           <a:schemeClr val="accent1"/>
         </a:buClr>
-        <a:buFont typeface="Calibri" pitchFamily="34" charset="0"/>
+        <a:buFont typeface="Calibri" panose="020F0502020204030204" pitchFamily="34" charset="0"/>
         <a:buChar char="◦"/>
         <a:defRPr sz="1400" kern="1200">
           <a:solidFill>
@@ -4724,7 +4761,7 @@
           <a:cs typeface="+mn-cs"/>
         </a:defRPr>
       </a:lvl7pPr>
-      <a:lvl8pPr marL="1500000" indent="-228600" algn="l" defTabSz="914400" rtl="0" eaLnBrk="1" latinLnBrk="0" hangingPunct="1">
+      <a:lvl8pPr marL="1499870" indent="-228600" algn="l" defTabSz="914400" rtl="0" eaLnBrk="1" latinLnBrk="0" hangingPunct="1">
         <a:lnSpc>
           <a:spcPct val="90000"/>
         </a:lnSpc>
@@ -4737,7 +4774,7 @@
         <a:buClr>
           <a:schemeClr val="accent1"/>
         </a:buClr>
-        <a:buFont typeface="Calibri" pitchFamily="34" charset="0"/>
+        <a:buFont typeface="Calibri" panose="020F0502020204030204" pitchFamily="34" charset="0"/>
         <a:buChar char="◦"/>
         <a:defRPr sz="1400" kern="1200">
           <a:solidFill>
@@ -4751,7 +4788,7 @@
           <a:cs typeface="+mn-cs"/>
         </a:defRPr>
       </a:lvl8pPr>
-      <a:lvl9pPr marL="1700000" indent="-228600" algn="l" defTabSz="914400" rtl="0" eaLnBrk="1" latinLnBrk="0" hangingPunct="1">
+      <a:lvl9pPr marL="1699895" indent="-228600" algn="l" defTabSz="914400" rtl="0" eaLnBrk="1" latinLnBrk="0" hangingPunct="1">
         <a:lnSpc>
           <a:spcPct val="90000"/>
         </a:lnSpc>
@@ -4764,7 +4801,7 @@
         <a:buClr>
           <a:schemeClr val="accent1"/>
         </a:buClr>
-        <a:buFont typeface="Calibri" pitchFamily="34" charset="0"/>
+        <a:buFont typeface="Calibri" panose="020F0502020204030204" pitchFamily="34" charset="0"/>
         <a:buChar char="◦"/>
         <a:defRPr sz="1400" kern="1200">
           <a:solidFill>
@@ -4875,11 +4912,6 @@
       </a:lvl9pPr>
     </p:otherStyle>
   </p:txStyles>
-  <p:extLst>
-    <p:ext uri="{27BBF7A9-308A-43DC-89C8-2F10F3537804}">
-      <p15:sldGuideLst xmlns:p15="http://schemas.microsoft.com/office/powerpoint/2012/main"/>
-    </p:ext>
-  </p:extLst>
 </p:sldMaster>
 </file>
 
@@ -5039,9 +5071,7 @@
       <p:sp>
         <p:nvSpPr>
           <p:cNvPr id="5" name="Title 1"/>
-          <p:cNvSpPr txBox="1">
-            <a:spLocks/>
-          </p:cNvSpPr>
+          <p:cNvSpPr txBox="1"/>
           <p:nvPr/>
         </p:nvSpPr>
         <p:spPr bwMode="auto">
@@ -5056,8 +5086,6 @@
           <a:ln w="9525">
             <a:noFill/>
             <a:miter lim="800000"/>
-            <a:headEnd/>
-            <a:tailEnd/>
           </a:ln>
         </p:spPr>
         <p:txBody>
@@ -5081,13 +5109,7 @@
       </p:sp>
       <p:sp>
         <p:nvSpPr>
-          <p:cNvPr id="3" name="TextBox 2">
-            <a:extLst>
-              <a:ext uri="{FF2B5EF4-FFF2-40B4-BE49-F238E27FC236}">
-                <a16:creationId xmlns:a16="http://schemas.microsoft.com/office/drawing/2014/main" id="{EC9641BE-B7C9-4946-A565-227D0582DC3F}"/>
-              </a:ext>
-            </a:extLst>
-          </p:cNvPr>
+          <p:cNvPr id="3" name="TextBox 2"/>
           <p:cNvSpPr txBox="1"/>
           <p:nvPr/>
         </p:nvSpPr>
@@ -5114,6 +5136,10 @@
               </a:rPr>
               <a:t>MSRIT Mentor:</a:t>
             </a:r>
+            <a:endParaRPr lang="en-IN" sz="1600" dirty="0">
+              <a:latin typeface="Times New Roman" panose="02020603050405020304" pitchFamily="18" charset="0"/>
+              <a:cs typeface="Times New Roman" panose="02020603050405020304" pitchFamily="18" charset="0"/>
+            </a:endParaRPr>
           </a:p>
           <a:p>
             <a:r>
@@ -5123,6 +5149,10 @@
               </a:rPr>
               <a:t>Dr Shilpa Shashikant Chaudhari</a:t>
             </a:r>
+            <a:endParaRPr lang="en-IN" sz="1600" dirty="0">
+              <a:latin typeface="Times New Roman" panose="02020603050405020304" pitchFamily="18" charset="0"/>
+              <a:cs typeface="Times New Roman" panose="02020603050405020304" pitchFamily="18" charset="0"/>
+            </a:endParaRPr>
           </a:p>
           <a:p>
             <a:r>
@@ -5132,18 +5162,16 @@
               </a:rPr>
               <a:t>Associate Professor</a:t>
             </a:r>
-          </a:p>
-        </p:txBody>
-      </p:sp>
-      <p:sp>
-        <p:nvSpPr>
-          <p:cNvPr id="6" name="TextBox 5">
-            <a:extLst>
-              <a:ext uri="{FF2B5EF4-FFF2-40B4-BE49-F238E27FC236}">
-                <a16:creationId xmlns:a16="http://schemas.microsoft.com/office/drawing/2014/main" id="{EC9641BE-B7C9-4946-A565-227D0582DC3F}"/>
-              </a:ext>
-            </a:extLst>
-          </p:cNvPr>
+            <a:endParaRPr lang="en-IN" sz="1600" dirty="0">
+              <a:latin typeface="Times New Roman" panose="02020603050405020304" pitchFamily="18" charset="0"/>
+              <a:cs typeface="Times New Roman" panose="02020603050405020304" pitchFamily="18" charset="0"/>
+            </a:endParaRPr>
+          </a:p>
+        </p:txBody>
+      </p:sp>
+      <p:sp>
+        <p:nvSpPr>
+          <p:cNvPr id="6" name="TextBox 5"/>
           <p:cNvSpPr txBox="1"/>
           <p:nvPr/>
         </p:nvSpPr>
@@ -5177,6 +5205,10 @@
               </a:rPr>
               <a:t>:</a:t>
             </a:r>
+            <a:endParaRPr lang="en-IN" dirty="0">
+              <a:latin typeface="Times New Roman" panose="02020603050405020304" pitchFamily="18" charset="0"/>
+              <a:cs typeface="Times New Roman" panose="02020603050405020304" pitchFamily="18" charset="0"/>
+            </a:endParaRPr>
           </a:p>
         </p:txBody>
       </p:sp>
@@ -5222,13 +5254,7 @@
           <p:cNvGraphicFramePr>
             <a:graphicFrameLocks noGrp="1"/>
           </p:cNvGraphicFramePr>
-          <p:nvPr>
-            <p:extLst>
-              <p:ext uri="{D42A27DB-BD31-4B8C-83A1-F6EECF244321}">
-                <p14:modId xmlns:p14="http://schemas.microsoft.com/office/powerpoint/2010/main" val="2513779718"/>
-              </p:ext>
-            </p:extLst>
-          </p:nvPr>
+          <p:nvPr/>
         </p:nvGraphicFramePr>
         <p:xfrm>
           <a:off x="1192566" y="4738506"/>
@@ -5241,20 +5267,8 @@
                 <a:tableStyleId>{69CF1AB2-1976-4502-BF36-3FF5EA218861}</a:tableStyleId>
               </a:tblPr>
               <a:tblGrid>
-                <a:gridCol w="1535430">
-                  <a:extLst>
-                    <a:ext uri="{9D8B030D-6E8A-4147-A177-3AD203B41FA5}">
-                      <a16:colId xmlns:a16="http://schemas.microsoft.com/office/drawing/2014/main" val="20000"/>
-                    </a:ext>
-                  </a:extLst>
-                </a:gridCol>
-                <a:gridCol w="1752600">
-                  <a:extLst>
-                    <a:ext uri="{9D8B030D-6E8A-4147-A177-3AD203B41FA5}">
-                      <a16:colId xmlns:a16="http://schemas.microsoft.com/office/drawing/2014/main" val="20001"/>
-                    </a:ext>
-                  </a:extLst>
-                </a:gridCol>
+                <a:gridCol w="1535430"/>
+                <a:gridCol w="1752600"/>
               </a:tblGrid>
               <a:tr h="309741">
                 <a:tc>
@@ -5297,11 +5311,6 @@
                   </a:txBody>
                   <a:tcPr/>
                 </a:tc>
-                <a:extLst>
-                  <a:ext uri="{0D108BD9-81ED-4DB2-BD59-A6C34878D82A}">
-                    <a16:rowId xmlns:a16="http://schemas.microsoft.com/office/drawing/2014/main" val="10000"/>
-                  </a:ext>
-                </a:extLst>
               </a:tr>
               <a:tr h="337899">
                 <a:tc>
@@ -5316,6 +5325,10 @@
                         </a:rPr>
                         <a:t>1MS18CS040</a:t>
                       </a:r>
+                      <a:endParaRPr lang="en-IN" sz="1600" dirty="0">
+                        <a:latin typeface="Times New Roman" panose="02020603050405020304" pitchFamily="18" charset="0"/>
+                        <a:cs typeface="Times New Roman" panose="02020603050405020304" pitchFamily="18" charset="0"/>
+                      </a:endParaRPr>
                     </a:p>
                   </a:txBody>
                   <a:tcPr/>
@@ -5332,15 +5345,14 @@
                         </a:rPr>
                         <a:t>Dheeraj Bhat</a:t>
                       </a:r>
+                      <a:endParaRPr lang="en-IN" sz="1600" dirty="0">
+                        <a:latin typeface="Times New Roman" panose="02020603050405020304" pitchFamily="18" charset="0"/>
+                        <a:cs typeface="Times New Roman" panose="02020603050405020304" pitchFamily="18" charset="0"/>
+                      </a:endParaRPr>
                     </a:p>
                   </a:txBody>
                   <a:tcPr/>
                 </a:tc>
-                <a:extLst>
-                  <a:ext uri="{0D108BD9-81ED-4DB2-BD59-A6C34878D82A}">
-                    <a16:rowId xmlns:a16="http://schemas.microsoft.com/office/drawing/2014/main" val="10001"/>
-                  </a:ext>
-                </a:extLst>
               </a:tr>
               <a:tr h="337899">
                 <a:tc>
@@ -5355,6 +5367,10 @@
                         </a:rPr>
                         <a:t>1MS18CS043</a:t>
                       </a:r>
+                      <a:endParaRPr lang="en-IN" sz="1600" dirty="0">
+                        <a:latin typeface="Times New Roman" panose="02020603050405020304" pitchFamily="18" charset="0"/>
+                        <a:cs typeface="Times New Roman" panose="02020603050405020304" pitchFamily="18" charset="0"/>
+                      </a:endParaRPr>
                     </a:p>
                   </a:txBody>
                   <a:tcPr/>
@@ -5379,11 +5395,6 @@
                   </a:txBody>
                   <a:tcPr/>
                 </a:tc>
-                <a:extLst>
-                  <a:ext uri="{0D108BD9-81ED-4DB2-BD59-A6C34878D82A}">
-                    <a16:rowId xmlns:a16="http://schemas.microsoft.com/office/drawing/2014/main" val="10002"/>
-                  </a:ext>
-                </a:extLst>
               </a:tr>
               <a:tr h="337899">
                 <a:tc>
@@ -5398,6 +5409,10 @@
                         </a:rPr>
                         <a:t>1MS18CS046</a:t>
                       </a:r>
+                      <a:endParaRPr lang="en-IN" sz="1600" dirty="0">
+                        <a:latin typeface="Times New Roman" panose="02020603050405020304" pitchFamily="18" charset="0"/>
+                        <a:cs typeface="Times New Roman" panose="02020603050405020304" pitchFamily="18" charset="0"/>
+                      </a:endParaRPr>
                     </a:p>
                   </a:txBody>
                   <a:tcPr/>
@@ -5414,26 +5429,20 @@
                         </a:rPr>
                         <a:t>Gaurav V</a:t>
                       </a:r>
+                      <a:endParaRPr lang="en-IN" sz="1600" dirty="0">
+                        <a:latin typeface="Times New Roman" panose="02020603050405020304" pitchFamily="18" charset="0"/>
+                        <a:cs typeface="Times New Roman" panose="02020603050405020304" pitchFamily="18" charset="0"/>
+                      </a:endParaRPr>
                     </a:p>
                   </a:txBody>
                   <a:tcPr/>
                 </a:tc>
-                <a:extLst>
-                  <a:ext uri="{0D108BD9-81ED-4DB2-BD59-A6C34878D82A}">
-                    <a16:rowId xmlns:a16="http://schemas.microsoft.com/office/drawing/2014/main" val="10003"/>
-                  </a:ext>
-                </a:extLst>
               </a:tr>
             </a:tbl>
           </a:graphicData>
         </a:graphic>
       </p:graphicFrame>
     </p:spTree>
-    <p:extLst>
-      <p:ext uri="{BB962C8B-B14F-4D97-AF65-F5344CB8AC3E}">
-        <p14:creationId xmlns:p14="http://schemas.microsoft.com/office/powerpoint/2010/main" val="3003919897"/>
-      </p:ext>
-    </p:extLst>
   </p:cSld>
   <p:clrMapOvr>
     <a:masterClrMapping/>
@@ -5460,13 +5469,7 @@
       </p:grpSpPr>
       <p:sp>
         <p:nvSpPr>
-          <p:cNvPr id="12" name="Rectangle 11">
-            <a:extLst>
-              <a:ext uri="{FF2B5EF4-FFF2-40B4-BE49-F238E27FC236}">
-                <a16:creationId xmlns:a16="http://schemas.microsoft.com/office/drawing/2014/main" id="{AB4C5CC9-0AC8-4668-EEA0-04A15C0D71A4}"/>
-              </a:ext>
-            </a:extLst>
-          </p:cNvPr>
+          <p:cNvPr id="12" name="Rectangle 11"/>
           <p:cNvSpPr/>
           <p:nvPr/>
         </p:nvSpPr>
@@ -5509,13 +5512,7 @@
       </p:sp>
       <p:sp>
         <p:nvSpPr>
-          <p:cNvPr id="4" name="Footer Placeholder 3">
-            <a:extLst>
-              <a:ext uri="{FF2B5EF4-FFF2-40B4-BE49-F238E27FC236}">
-                <a16:creationId xmlns:a16="http://schemas.microsoft.com/office/drawing/2014/main" id="{B7087C30-2490-7977-69FA-F388E19A0FE5}"/>
-              </a:ext>
-            </a:extLst>
-          </p:cNvPr>
+          <p:cNvPr id="4" name="Footer Placeholder 3"/>
           <p:cNvSpPr>
             <a:spLocks noGrp="1"/>
           </p:cNvSpPr>
@@ -5538,13 +5535,7 @@
       </p:sp>
       <p:sp>
         <p:nvSpPr>
-          <p:cNvPr id="5" name="Slide Number Placeholder 4">
-            <a:extLst>
-              <a:ext uri="{FF2B5EF4-FFF2-40B4-BE49-F238E27FC236}">
-                <a16:creationId xmlns:a16="http://schemas.microsoft.com/office/drawing/2014/main" id="{BE1E4C4F-2ED2-B5E8-9348-D4862D7146C6}"/>
-              </a:ext>
-            </a:extLst>
-          </p:cNvPr>
+          <p:cNvPr id="5" name="Slide Number Placeholder 4"/>
           <p:cNvSpPr>
             <a:spLocks noGrp="1"/>
           </p:cNvSpPr>
@@ -5559,8 +5550,6 @@
           <a:p>
             <a:fld id="{1245FD78-8DE1-44B0-BD44-E067D054697C}" type="slidenum">
               <a:rPr lang="en-IN" smtClean="0"/>
-              <a:pPr/>
-              <a:t>10</a:t>
             </a:fld>
             <a:endParaRPr lang="en-IN"/>
           </a:p>
@@ -5568,13 +5557,7 @@
       </p:sp>
       <p:sp>
         <p:nvSpPr>
-          <p:cNvPr id="6" name="TextBox 5">
-            <a:extLst>
-              <a:ext uri="{FF2B5EF4-FFF2-40B4-BE49-F238E27FC236}">
-                <a16:creationId xmlns:a16="http://schemas.microsoft.com/office/drawing/2014/main" id="{A205B894-1AD7-602C-9EAB-4F2CE62D70C8}"/>
-              </a:ext>
-            </a:extLst>
-          </p:cNvPr>
+          <p:cNvPr id="6" name="TextBox 5"/>
           <p:cNvSpPr txBox="1"/>
           <p:nvPr/>
         </p:nvSpPr>
@@ -5601,25 +5584,23 @@
               </a:rPr>
               <a:t>SYSTEM DESIGN</a:t>
             </a:r>
+            <a:endParaRPr lang="en-US" sz="2000" dirty="0">
+              <a:latin typeface="Times New Roman" panose="02020603050405020304" pitchFamily="18" charset="0"/>
+              <a:cs typeface="Times New Roman" panose="02020603050405020304" pitchFamily="18" charset="0"/>
+            </a:endParaRPr>
           </a:p>
         </p:txBody>
       </p:sp>
       <p:pic>
         <p:nvPicPr>
-          <p:cNvPr id="10" name="Picture 9">
-            <a:extLst>
-              <a:ext uri="{FF2B5EF4-FFF2-40B4-BE49-F238E27FC236}">
-                <a16:creationId xmlns:a16="http://schemas.microsoft.com/office/drawing/2014/main" id="{FA200EEB-43C7-C33A-7F04-5351FBB92029}"/>
-              </a:ext>
-            </a:extLst>
-          </p:cNvPr>
+          <p:cNvPr id="10" name="Picture 9"/>
           <p:cNvPicPr>
             <a:picLocks noChangeAspect="1"/>
           </p:cNvPicPr>
           <p:nvPr/>
         </p:nvPicPr>
         <p:blipFill>
-          <a:blip r:embed="rId2">
+          <a:blip r:embed="rId1">
             <a:extLst>
               <a:ext uri="{28A0092B-C50C-407E-A947-70E740481C1C}">
                 <a14:useLocalDpi xmlns:a14="http://schemas.microsoft.com/office/drawing/2010/main" val="0"/>
@@ -5642,13 +5623,7 @@
       </p:pic>
       <p:sp>
         <p:nvSpPr>
-          <p:cNvPr id="13" name="TextBox 12">
-            <a:extLst>
-              <a:ext uri="{FF2B5EF4-FFF2-40B4-BE49-F238E27FC236}">
-                <a16:creationId xmlns:a16="http://schemas.microsoft.com/office/drawing/2014/main" id="{72BF2B76-F193-4588-FCA5-905B642621DB}"/>
-              </a:ext>
-            </a:extLst>
-          </p:cNvPr>
+          <p:cNvPr id="13" name="TextBox 12"/>
           <p:cNvSpPr txBox="1"/>
           <p:nvPr/>
         </p:nvSpPr>
@@ -5675,18 +5650,16 @@
               </a:rPr>
               <a:t>High Level Design</a:t>
             </a:r>
+            <a:endParaRPr lang="en-US" sz="1600" dirty="0">
+              <a:latin typeface="Times New Roman" panose="02020603050405020304" pitchFamily="18" charset="0"/>
+              <a:cs typeface="Times New Roman" panose="02020603050405020304" pitchFamily="18" charset="0"/>
+            </a:endParaRPr>
           </a:p>
         </p:txBody>
       </p:sp>
       <p:cxnSp>
         <p:nvCxnSpPr>
-          <p:cNvPr id="15" name="Straight Connector 14">
-            <a:extLst>
-              <a:ext uri="{FF2B5EF4-FFF2-40B4-BE49-F238E27FC236}">
-                <a16:creationId xmlns:a16="http://schemas.microsoft.com/office/drawing/2014/main" id="{FFDBE096-E6BE-14AE-CBDA-29295CCFBDF0}"/>
-              </a:ext>
-            </a:extLst>
-          </p:cNvPr>
+          <p:cNvPr id="15" name="Straight Connector 14"/>
           <p:cNvCxnSpPr/>
           <p:nvPr/>
         </p:nvCxnSpPr>
@@ -5716,13 +5689,7 @@
       </p:cxnSp>
       <p:cxnSp>
         <p:nvCxnSpPr>
-          <p:cNvPr id="16" name="Straight Connector 15">
-            <a:extLst>
-              <a:ext uri="{FF2B5EF4-FFF2-40B4-BE49-F238E27FC236}">
-                <a16:creationId xmlns:a16="http://schemas.microsoft.com/office/drawing/2014/main" id="{7136D1FD-972B-7B26-8F3D-CFD6C7F43882}"/>
-              </a:ext>
-            </a:extLst>
-          </p:cNvPr>
+          <p:cNvPr id="16" name="Straight Connector 15"/>
           <p:cNvCxnSpPr/>
           <p:nvPr/>
         </p:nvCxnSpPr>
@@ -5751,11 +5718,6 @@
         </p:style>
       </p:cxnSp>
     </p:spTree>
-    <p:extLst>
-      <p:ext uri="{BB962C8B-B14F-4D97-AF65-F5344CB8AC3E}">
-        <p14:creationId xmlns:p14="http://schemas.microsoft.com/office/powerpoint/2010/main" val="2477062257"/>
-      </p:ext>
-    </p:extLst>
   </p:cSld>
   <p:clrMapOvr>
     <a:masterClrMapping/>
@@ -5782,13 +5744,7 @@
       </p:grpSpPr>
       <p:sp>
         <p:nvSpPr>
-          <p:cNvPr id="4" name="Footer Placeholder 3">
-            <a:extLst>
-              <a:ext uri="{FF2B5EF4-FFF2-40B4-BE49-F238E27FC236}">
-                <a16:creationId xmlns:a16="http://schemas.microsoft.com/office/drawing/2014/main" id="{F5AC22D2-E9B6-CF70-9277-2F67F641D48C}"/>
-              </a:ext>
-            </a:extLst>
-          </p:cNvPr>
+          <p:cNvPr id="4" name="Footer Placeholder 3"/>
           <p:cNvSpPr>
             <a:spLocks noGrp="1"/>
           </p:cNvSpPr>
@@ -5811,13 +5767,7 @@
       </p:sp>
       <p:sp>
         <p:nvSpPr>
-          <p:cNvPr id="5" name="Slide Number Placeholder 4">
-            <a:extLst>
-              <a:ext uri="{FF2B5EF4-FFF2-40B4-BE49-F238E27FC236}">
-                <a16:creationId xmlns:a16="http://schemas.microsoft.com/office/drawing/2014/main" id="{54AF1378-43FB-AFA0-3FB8-007E64958519}"/>
-              </a:ext>
-            </a:extLst>
-          </p:cNvPr>
+          <p:cNvPr id="5" name="Slide Number Placeholder 4"/>
           <p:cNvSpPr>
             <a:spLocks noGrp="1"/>
           </p:cNvSpPr>
@@ -5832,8 +5782,6 @@
           <a:p>
             <a:fld id="{1245FD78-8DE1-44B0-BD44-E067D054697C}" type="slidenum">
               <a:rPr lang="en-IN" smtClean="0"/>
-              <a:pPr/>
-              <a:t>11</a:t>
             </a:fld>
             <a:endParaRPr lang="en-IN"/>
           </a:p>
@@ -5841,13 +5789,7 @@
       </p:sp>
       <p:sp>
         <p:nvSpPr>
-          <p:cNvPr id="6" name="TextBox 5">
-            <a:extLst>
-              <a:ext uri="{FF2B5EF4-FFF2-40B4-BE49-F238E27FC236}">
-                <a16:creationId xmlns:a16="http://schemas.microsoft.com/office/drawing/2014/main" id="{E679590D-A1A8-6769-BE30-8C32395A62F3}"/>
-              </a:ext>
-            </a:extLst>
-          </p:cNvPr>
+          <p:cNvPr id="6" name="TextBox 5"/>
           <p:cNvSpPr txBox="1"/>
           <p:nvPr/>
         </p:nvSpPr>
@@ -5874,18 +5816,16 @@
               </a:rPr>
               <a:t>Low Level Designs</a:t>
             </a:r>
+            <a:endParaRPr lang="en-US" sz="1600" dirty="0">
+              <a:latin typeface="Times New Roman" panose="02020603050405020304" pitchFamily="18" charset="0"/>
+              <a:cs typeface="Times New Roman" panose="02020603050405020304" pitchFamily="18" charset="0"/>
+            </a:endParaRPr>
           </a:p>
         </p:txBody>
       </p:sp>
       <p:cxnSp>
         <p:nvCxnSpPr>
-          <p:cNvPr id="7" name="Straight Connector 6">
-            <a:extLst>
-              <a:ext uri="{FF2B5EF4-FFF2-40B4-BE49-F238E27FC236}">
-                <a16:creationId xmlns:a16="http://schemas.microsoft.com/office/drawing/2014/main" id="{B312CFFA-687D-96A3-4CA1-6250106E4780}"/>
-              </a:ext>
-            </a:extLst>
-          </p:cNvPr>
+          <p:cNvPr id="7" name="Straight Connector 6"/>
           <p:cNvCxnSpPr/>
           <p:nvPr/>
         </p:nvCxnSpPr>
@@ -5915,13 +5855,7 @@
       </p:cxnSp>
       <p:cxnSp>
         <p:nvCxnSpPr>
-          <p:cNvPr id="8" name="Straight Connector 7">
-            <a:extLst>
-              <a:ext uri="{FF2B5EF4-FFF2-40B4-BE49-F238E27FC236}">
-                <a16:creationId xmlns:a16="http://schemas.microsoft.com/office/drawing/2014/main" id="{DAC9B81A-0678-EAF3-C194-CF18A259FA95}"/>
-              </a:ext>
-            </a:extLst>
-          </p:cNvPr>
+          <p:cNvPr id="8" name="Straight Connector 7"/>
           <p:cNvCxnSpPr/>
           <p:nvPr/>
         </p:nvCxnSpPr>
@@ -5951,13 +5885,7 @@
       </p:cxnSp>
       <p:sp>
         <p:nvSpPr>
-          <p:cNvPr id="9" name="Rectangle 8">
-            <a:extLst>
-              <a:ext uri="{FF2B5EF4-FFF2-40B4-BE49-F238E27FC236}">
-                <a16:creationId xmlns:a16="http://schemas.microsoft.com/office/drawing/2014/main" id="{772BCB37-44D3-59AB-490A-CD3772F8E5A3}"/>
-              </a:ext>
-            </a:extLst>
-          </p:cNvPr>
+          <p:cNvPr id="9" name="Rectangle 8"/>
           <p:cNvSpPr/>
           <p:nvPr/>
         </p:nvSpPr>
@@ -6000,20 +5928,14 @@
       </p:sp>
       <p:pic>
         <p:nvPicPr>
-          <p:cNvPr id="23" name="Picture 22">
-            <a:extLst>
-              <a:ext uri="{FF2B5EF4-FFF2-40B4-BE49-F238E27FC236}">
-                <a16:creationId xmlns:a16="http://schemas.microsoft.com/office/drawing/2014/main" id="{6CB74B0B-35E5-B646-7E04-4D68677B37FE}"/>
-              </a:ext>
-            </a:extLst>
-          </p:cNvPr>
+          <p:cNvPr id="23" name="Picture 22"/>
           <p:cNvPicPr>
             <a:picLocks noChangeAspect="1"/>
           </p:cNvPicPr>
           <p:nvPr/>
         </p:nvPicPr>
         <p:blipFill>
-          <a:blip r:embed="rId2">
+          <a:blip r:embed="rId1">
             <a:extLst>
               <a:ext uri="{28A0092B-C50C-407E-A947-70E740481C1C}">
                 <a14:useLocalDpi xmlns:a14="http://schemas.microsoft.com/office/drawing/2010/main" val="0"/>
@@ -6036,20 +5958,14 @@
       </p:pic>
       <p:pic>
         <p:nvPicPr>
-          <p:cNvPr id="25" name="Picture 24">
-            <a:extLst>
-              <a:ext uri="{FF2B5EF4-FFF2-40B4-BE49-F238E27FC236}">
-                <a16:creationId xmlns:a16="http://schemas.microsoft.com/office/drawing/2014/main" id="{66381D09-BFEF-6F97-1B71-51DC254CD7DD}"/>
-              </a:ext>
-            </a:extLst>
-          </p:cNvPr>
+          <p:cNvPr id="25" name="Picture 24"/>
           <p:cNvPicPr>
             <a:picLocks noChangeAspect="1"/>
           </p:cNvPicPr>
           <p:nvPr/>
         </p:nvPicPr>
         <p:blipFill>
-          <a:blip r:embed="rId3">
+          <a:blip r:embed="rId2">
             <a:extLst>
               <a:ext uri="{28A0092B-C50C-407E-A947-70E740481C1C}">
                 <a14:useLocalDpi xmlns:a14="http://schemas.microsoft.com/office/drawing/2010/main" val="0"/>
@@ -6072,20 +5988,14 @@
       </p:pic>
       <p:pic>
         <p:nvPicPr>
-          <p:cNvPr id="27" name="Picture 26">
-            <a:extLst>
-              <a:ext uri="{FF2B5EF4-FFF2-40B4-BE49-F238E27FC236}">
-                <a16:creationId xmlns:a16="http://schemas.microsoft.com/office/drawing/2014/main" id="{95DDC053-91BB-AA50-8690-A9F18877FE64}"/>
-              </a:ext>
-            </a:extLst>
-          </p:cNvPr>
+          <p:cNvPr id="27" name="Picture 26"/>
           <p:cNvPicPr>
             <a:picLocks noChangeAspect="1"/>
           </p:cNvPicPr>
           <p:nvPr/>
         </p:nvPicPr>
         <p:blipFill>
-          <a:blip r:embed="rId4">
+          <a:blip r:embed="rId3">
             <a:extLst>
               <a:ext uri="{28A0092B-C50C-407E-A947-70E740481C1C}">
                 <a14:useLocalDpi xmlns:a14="http://schemas.microsoft.com/office/drawing/2010/main" val="0"/>
@@ -6108,20 +6018,14 @@
       </p:pic>
       <p:pic>
         <p:nvPicPr>
-          <p:cNvPr id="29" name="Picture 28">
-            <a:extLst>
-              <a:ext uri="{FF2B5EF4-FFF2-40B4-BE49-F238E27FC236}">
-                <a16:creationId xmlns:a16="http://schemas.microsoft.com/office/drawing/2014/main" id="{E252FE89-3B53-817B-60FA-BB219872D477}"/>
-              </a:ext>
-            </a:extLst>
-          </p:cNvPr>
+          <p:cNvPr id="29" name="Picture 28"/>
           <p:cNvPicPr>
             <a:picLocks noChangeAspect="1"/>
           </p:cNvPicPr>
           <p:nvPr/>
         </p:nvPicPr>
         <p:blipFill>
-          <a:blip r:embed="rId5">
+          <a:blip r:embed="rId4">
             <a:extLst>
               <a:ext uri="{28A0092B-C50C-407E-A947-70E740481C1C}">
                 <a14:useLocalDpi xmlns:a14="http://schemas.microsoft.com/office/drawing/2010/main" val="0"/>
@@ -6144,20 +6048,14 @@
       </p:pic>
       <p:pic>
         <p:nvPicPr>
-          <p:cNvPr id="31" name="Picture 30">
-            <a:extLst>
-              <a:ext uri="{FF2B5EF4-FFF2-40B4-BE49-F238E27FC236}">
-                <a16:creationId xmlns:a16="http://schemas.microsoft.com/office/drawing/2014/main" id="{67154E55-C4DA-D355-54F0-2CCEA11FC36C}"/>
-              </a:ext>
-            </a:extLst>
-          </p:cNvPr>
+          <p:cNvPr id="31" name="Picture 30"/>
           <p:cNvPicPr>
             <a:picLocks noChangeAspect="1"/>
           </p:cNvPicPr>
           <p:nvPr/>
         </p:nvPicPr>
         <p:blipFill>
-          <a:blip r:embed="rId6">
+          <a:blip r:embed="rId5">
             <a:extLst>
               <a:ext uri="{28A0092B-C50C-407E-A947-70E740481C1C}">
                 <a14:useLocalDpi xmlns:a14="http://schemas.microsoft.com/office/drawing/2010/main" val="0"/>
@@ -6180,20 +6078,14 @@
       </p:pic>
       <p:pic>
         <p:nvPicPr>
-          <p:cNvPr id="33" name="Picture 32">
-            <a:extLst>
-              <a:ext uri="{FF2B5EF4-FFF2-40B4-BE49-F238E27FC236}">
-                <a16:creationId xmlns:a16="http://schemas.microsoft.com/office/drawing/2014/main" id="{FD88AF96-D710-31BE-731B-76A151902C1D}"/>
-              </a:ext>
-            </a:extLst>
-          </p:cNvPr>
+          <p:cNvPr id="33" name="Picture 32"/>
           <p:cNvPicPr>
             <a:picLocks noChangeAspect="1"/>
           </p:cNvPicPr>
           <p:nvPr/>
         </p:nvPicPr>
         <p:blipFill>
-          <a:blip r:embed="rId7">
+          <a:blip r:embed="rId6">
             <a:extLst>
               <a:ext uri="{28A0092B-C50C-407E-A947-70E740481C1C}">
                 <a14:useLocalDpi xmlns:a14="http://schemas.microsoft.com/office/drawing/2010/main" val="0"/>
@@ -6215,11 +6107,6 @@
         </p:spPr>
       </p:pic>
     </p:spTree>
-    <p:extLst>
-      <p:ext uri="{BB962C8B-B14F-4D97-AF65-F5344CB8AC3E}">
-        <p14:creationId xmlns:p14="http://schemas.microsoft.com/office/powerpoint/2010/main" val="2827657208"/>
-      </p:ext>
-    </p:extLst>
   </p:cSld>
   <p:clrMapOvr>
     <a:masterClrMapping/>
@@ -6246,13 +6133,7 @@
       </p:grpSpPr>
       <p:sp>
         <p:nvSpPr>
-          <p:cNvPr id="5" name="Rectangle 4">
-            <a:extLst>
-              <a:ext uri="{FF2B5EF4-FFF2-40B4-BE49-F238E27FC236}">
-                <a16:creationId xmlns:a16="http://schemas.microsoft.com/office/drawing/2014/main" id="{E03EF556-6557-316D-129A-E3BB082903BF}"/>
-              </a:ext>
-            </a:extLst>
-          </p:cNvPr>
+          <p:cNvPr id="5" name="Rectangle 4"/>
           <p:cNvSpPr/>
           <p:nvPr/>
         </p:nvSpPr>
@@ -6313,10 +6194,6 @@
             </a:pPr>
             <a:fld id="{EED0D648-989B-4034-9BD3-6FBF9A769E5B}" type="slidenum">
               <a:rPr lang="en-US" smtClean="0"/>
-              <a:pPr>
-                <a:defRPr/>
-              </a:pPr>
-              <a:t>12</a:t>
             </a:fld>
             <a:endParaRPr lang="en-US"/>
           </a:p>
@@ -6324,13 +6201,7 @@
       </p:sp>
       <p:sp>
         <p:nvSpPr>
-          <p:cNvPr id="6" name="TextBox 5">
-            <a:extLst>
-              <a:ext uri="{FF2B5EF4-FFF2-40B4-BE49-F238E27FC236}">
-                <a16:creationId xmlns:a16="http://schemas.microsoft.com/office/drawing/2014/main" id="{423932A5-468D-E506-F342-558D5C048AE4}"/>
-              </a:ext>
-            </a:extLst>
-          </p:cNvPr>
+          <p:cNvPr id="6" name="TextBox 5"/>
           <p:cNvSpPr txBox="1"/>
           <p:nvPr/>
         </p:nvSpPr>
@@ -6354,7 +6225,7 @@
               <a:rPr lang="en-US" sz="2000" dirty="0">
                 <a:latin typeface="Times New Roman" panose="02020603050405020304" pitchFamily="18" charset="0"/>
                 <a:cs typeface="Times New Roman" panose="02020603050405020304" pitchFamily="18" charset="0"/>
-                <a:hlinkClick r:id="rId2"/>
+                <a:hlinkClick r:id="rId1"/>
               </a:rPr>
               <a:t>YOURDON AND COAD</a:t>
             </a:r>
@@ -6371,25 +6242,23 @@
               </a:rPr>
               <a:t>DATA FLOW DIAGRAM</a:t>
             </a:r>
+            <a:endParaRPr lang="en-US" sz="2000" dirty="0">
+              <a:latin typeface="Times New Roman" panose="02020603050405020304" pitchFamily="18" charset="0"/>
+              <a:cs typeface="Times New Roman" panose="02020603050405020304" pitchFamily="18" charset="0"/>
+            </a:endParaRPr>
           </a:p>
         </p:txBody>
       </p:sp>
       <p:pic>
         <p:nvPicPr>
-          <p:cNvPr id="3" name="Picture 2">
-            <a:extLst>
-              <a:ext uri="{FF2B5EF4-FFF2-40B4-BE49-F238E27FC236}">
-                <a16:creationId xmlns:a16="http://schemas.microsoft.com/office/drawing/2014/main" id="{4C57FD5B-1758-CB00-0264-ED52DDE8D8BB}"/>
-              </a:ext>
-            </a:extLst>
-          </p:cNvPr>
+          <p:cNvPr id="3" name="Picture 2"/>
           <p:cNvPicPr>
             <a:picLocks noChangeAspect="1"/>
           </p:cNvPicPr>
           <p:nvPr/>
         </p:nvPicPr>
         <p:blipFill>
-          <a:blip r:embed="rId3">
+          <a:blip r:embed="rId2">
             <a:extLst>
               <a:ext uri="{28A0092B-C50C-407E-A947-70E740481C1C}">
                 <a14:useLocalDpi xmlns:a14="http://schemas.microsoft.com/office/drawing/2010/main" val="0"/>
@@ -6411,11 +6280,6 @@
         </p:spPr>
       </p:pic>
     </p:spTree>
-    <p:extLst>
-      <p:ext uri="{BB962C8B-B14F-4D97-AF65-F5344CB8AC3E}">
-        <p14:creationId xmlns:p14="http://schemas.microsoft.com/office/powerpoint/2010/main" val="283812143"/>
-      </p:ext>
-    </p:extLst>
   </p:cSld>
   <p:clrMapOvr>
     <a:masterClrMapping/>
@@ -6455,7 +6319,7 @@
             <a:avLst/>
           </a:prstGeom>
           <a:blipFill>
-            <a:blip r:embed="rId2" cstate="print"/>
+            <a:blip r:embed="rId1" cstate="print"/>
             <a:stretch>
               <a:fillRect/>
             </a:stretch>
@@ -6464,9 +6328,7 @@
         <p:txBody>
           <a:bodyPr wrap="square" lIns="0" tIns="0" rIns="0" bIns="0" rtlCol="0"/>
           <a:lstStyle/>
-          <a:p>
-            <a:endParaRPr/>
-          </a:p>
+          <a:p/>
         </p:txBody>
       </p:sp>
       <p:sp>
@@ -6546,7 +6408,7 @@
               <a:buClr>
                 <a:srgbClr val="FFFFFF"/>
               </a:buClr>
-              <a:buFont typeface="Arial"/>
+              <a:buFont typeface="Arial" panose="020B0604020202020204"/>
               <a:buChar char="•"/>
               <a:tabLst>
                 <a:tab pos="321945" algn="l"/>
@@ -6595,18 +6457,16 @@
               </a:rPr>
               <a:t>Thank You</a:t>
             </a:r>
-          </a:p>
-        </p:txBody>
-      </p:sp>
-      <p:sp>
-        <p:nvSpPr>
-          <p:cNvPr id="10" name="TextBox 9">
-            <a:extLst>
-              <a:ext uri="{FF2B5EF4-FFF2-40B4-BE49-F238E27FC236}">
-                <a16:creationId xmlns:a16="http://schemas.microsoft.com/office/drawing/2014/main" id="{AEF1C737-BDB6-BC6E-9FC0-7EA315C5F746}"/>
-              </a:ext>
-            </a:extLst>
-          </p:cNvPr>
+            <a:endParaRPr lang="en-IN" dirty="0">
+              <a:latin typeface="Times New Roman" panose="02020603050405020304" pitchFamily="18" charset="0"/>
+              <a:cs typeface="Times New Roman" panose="02020603050405020304" pitchFamily="18" charset="0"/>
+            </a:endParaRPr>
+          </a:p>
+        </p:txBody>
+      </p:sp>
+      <p:sp>
+        <p:nvSpPr>
+          <p:cNvPr id="10" name="TextBox 9"/>
           <p:cNvSpPr txBox="1"/>
           <p:nvPr/>
         </p:nvSpPr>
@@ -6633,18 +6493,16 @@
               </a:rPr>
               <a:t>FUTURE WORK</a:t>
             </a:r>
+            <a:endParaRPr lang="en-US" sz="2000" dirty="0">
+              <a:latin typeface="Times New Roman" panose="02020603050405020304" pitchFamily="18" charset="0"/>
+              <a:cs typeface="Times New Roman" panose="02020603050405020304" pitchFamily="18" charset="0"/>
+            </a:endParaRPr>
           </a:p>
         </p:txBody>
       </p:sp>
       <p:cxnSp>
         <p:nvCxnSpPr>
-          <p:cNvPr id="11" name="Straight Connector 10">
-            <a:extLst>
-              <a:ext uri="{FF2B5EF4-FFF2-40B4-BE49-F238E27FC236}">
-                <a16:creationId xmlns:a16="http://schemas.microsoft.com/office/drawing/2014/main" id="{3F3279F2-CAE1-63F3-F671-E797010EA683}"/>
-              </a:ext>
-            </a:extLst>
-          </p:cNvPr>
+          <p:cNvPr id="11" name="Straight Connector 10"/>
           <p:cNvCxnSpPr/>
           <p:nvPr/>
         </p:nvCxnSpPr>
@@ -6674,13 +6532,7 @@
       </p:cxnSp>
       <p:cxnSp>
         <p:nvCxnSpPr>
-          <p:cNvPr id="12" name="Straight Connector 11">
-            <a:extLst>
-              <a:ext uri="{FF2B5EF4-FFF2-40B4-BE49-F238E27FC236}">
-                <a16:creationId xmlns:a16="http://schemas.microsoft.com/office/drawing/2014/main" id="{4B4ADDE5-6665-BCD0-93E3-0B83185235C9}"/>
-              </a:ext>
-            </a:extLst>
-          </p:cNvPr>
+          <p:cNvPr id="12" name="Straight Connector 11"/>
           <p:cNvCxnSpPr/>
           <p:nvPr/>
         </p:nvCxnSpPr>
@@ -6710,13 +6562,7 @@
       </p:cxnSp>
       <p:sp>
         <p:nvSpPr>
-          <p:cNvPr id="17" name="Content Placeholder 2">
-            <a:extLst>
-              <a:ext uri="{FF2B5EF4-FFF2-40B4-BE49-F238E27FC236}">
-                <a16:creationId xmlns:a16="http://schemas.microsoft.com/office/drawing/2014/main" id="{69B4A928-FC4F-92F9-751A-76FCB503E9F4}"/>
-              </a:ext>
-            </a:extLst>
-          </p:cNvPr>
+          <p:cNvPr id="17" name="Content Placeholder 2"/>
           <p:cNvSpPr>
             <a:spLocks noGrp="1"/>
           </p:cNvSpPr>
@@ -6740,9 +6586,19 @@
               <a:spcBef>
                 <a:spcPts val="1200"/>
               </a:spcBef>
-              <a:buFont typeface="Wingdings" pitchFamily="2" charset="2"/>
+              <a:buFont typeface="Wingdings" panose="05000000000000000000" pitchFamily="2" charset="2"/>
               <a:buChar char="§"/>
             </a:pPr>
+            <a:r>
+              <a:rPr lang="en-US" altLang="en-IN" sz="1600" dirty="0">
+                <a:solidFill>
+                  <a:schemeClr val="tx1"/>
+                </a:solidFill>
+                <a:latin typeface="Times New Roman" panose="02020603050405020304" pitchFamily="18" charset="0"/>
+                <a:cs typeface="Times New Roman" panose="02020603050405020304" pitchFamily="18" charset="0"/>
+              </a:rPr>
+              <a:t>I</a:t>
+            </a:r>
             <a:r>
               <a:rPr lang="en-IN" sz="1600" dirty="0">
                 <a:solidFill>
@@ -6751,15 +6607,62 @@
                 <a:latin typeface="Times New Roman" panose="02020603050405020304" pitchFamily="18" charset="0"/>
                 <a:cs typeface="Times New Roman" panose="02020603050405020304" pitchFamily="18" charset="0"/>
               </a:rPr>
-              <a:t>We have successfully implemented the first three functional modules of the system architecture i.e. Nutritional Requirements, Mapping Dataset Ingredients and Getting Food Products through API. Remaining modules are yet to be implemented.</a:t>
-            </a:r>
+              <a:t>mplement</a:t>
+            </a:r>
+            <a:r>
+              <a:rPr lang="en-US" altLang="en-IN" sz="1600" dirty="0">
+                <a:solidFill>
+                  <a:schemeClr val="tx1"/>
+                </a:solidFill>
+                <a:latin typeface="Times New Roman" panose="02020603050405020304" pitchFamily="18" charset="0"/>
+                <a:cs typeface="Times New Roman" panose="02020603050405020304" pitchFamily="18" charset="0"/>
+              </a:rPr>
+              <a:t>ation of</a:t>
+            </a:r>
+            <a:r>
+              <a:rPr lang="en-IN" sz="1600" dirty="0">
+                <a:solidFill>
+                  <a:schemeClr val="tx1"/>
+                </a:solidFill>
+                <a:latin typeface="Times New Roman" panose="02020603050405020304" pitchFamily="18" charset="0"/>
+                <a:cs typeface="Times New Roman" panose="02020603050405020304" pitchFamily="18" charset="0"/>
+              </a:rPr>
+              <a:t> the first three functional modules of the system architecture i.e. Nutritional Requirements, Mapping Dataset Ingredients and Getting Food Products through API</a:t>
+            </a:r>
+            <a:r>
+              <a:rPr lang="en-US" altLang="en-IN" sz="1600" dirty="0">
+                <a:solidFill>
+                  <a:schemeClr val="tx1"/>
+                </a:solidFill>
+                <a:latin typeface="Times New Roman" panose="02020603050405020304" pitchFamily="18" charset="0"/>
+                <a:cs typeface="Times New Roman" panose="02020603050405020304" pitchFamily="18" charset="0"/>
+              </a:rPr>
+              <a:t> are successfully done</a:t>
+            </a:r>
+            <a:r>
+              <a:rPr lang="en-IN" sz="1600" dirty="0">
+                <a:solidFill>
+                  <a:schemeClr val="tx1"/>
+                </a:solidFill>
+                <a:latin typeface="Times New Roman" panose="02020603050405020304" pitchFamily="18" charset="0"/>
+                <a:cs typeface="Times New Roman" panose="02020603050405020304" pitchFamily="18" charset="0"/>
+              </a:rPr>
+              <a:t>. Remaining modules are yet to be implemented.</a:t>
+            </a:r>
+            <a:endParaRPr lang="en-IN" sz="1600" dirty="0">
+              <a:solidFill>
+                <a:schemeClr val="tx1"/>
+              </a:solidFill>
+              <a:latin typeface="Times New Roman" panose="02020603050405020304" pitchFamily="18" charset="0"/>
+              <a:cs typeface="Times New Roman" panose="02020603050405020304" pitchFamily="18" charset="0"/>
+            </a:endParaRPr>
           </a:p>
           <a:p>
             <a:pPr lvl="1" algn="just">
               <a:spcBef>
                 <a:spcPts val="1200"/>
               </a:spcBef>
-              <a:buFont typeface="Wingdings" pitchFamily="2" charset="2"/>
+              <a:buFont typeface="Wingdings" panose="05000000000000000000" pitchFamily="2" charset="2"/>
               <a:buChar char="§"/>
             </a:pPr>
             <a:r>
@@ -6770,15 +6673,42 @@
                 <a:latin typeface="Times New Roman" panose="02020603050405020304" pitchFamily="18" charset="0"/>
                 <a:cs typeface="Times New Roman" panose="02020603050405020304" pitchFamily="18" charset="0"/>
               </a:rPr>
-              <a:t>Integration all functional modules in an end-to-end application with a sophisticated user-friendly UI/UX. </a:t>
-            </a:r>
+              <a:t>Integration</a:t>
+            </a:r>
+            <a:r>
+              <a:rPr lang="en-US" altLang="en-IN" sz="1600" dirty="0">
+                <a:solidFill>
+                  <a:schemeClr val="tx1"/>
+                </a:solidFill>
+                <a:latin typeface="Times New Roman" panose="02020603050405020304" pitchFamily="18" charset="0"/>
+                <a:cs typeface="Times New Roman" panose="02020603050405020304" pitchFamily="18" charset="0"/>
+              </a:rPr>
+              <a:t> of</a:t>
+            </a:r>
+            <a:r>
+              <a:rPr lang="en-IN" sz="1600" dirty="0">
+                <a:solidFill>
+                  <a:schemeClr val="tx1"/>
+                </a:solidFill>
+                <a:latin typeface="Times New Roman" panose="02020603050405020304" pitchFamily="18" charset="0"/>
+                <a:cs typeface="Times New Roman" panose="02020603050405020304" pitchFamily="18" charset="0"/>
+              </a:rPr>
+              <a:t> all functional modules in an end-to-end application with a sophisticated user-friendly UI/UX. </a:t>
+            </a:r>
+            <a:endParaRPr lang="en-IN" sz="1600" dirty="0">
+              <a:solidFill>
+                <a:schemeClr val="tx1"/>
+              </a:solidFill>
+              <a:latin typeface="Times New Roman" panose="02020603050405020304" pitchFamily="18" charset="0"/>
+              <a:cs typeface="Times New Roman" panose="02020603050405020304" pitchFamily="18" charset="0"/>
+            </a:endParaRPr>
           </a:p>
           <a:p>
             <a:pPr lvl="1" algn="just">
               <a:spcBef>
                 <a:spcPts val="1200"/>
               </a:spcBef>
-              <a:buFont typeface="Wingdings" pitchFamily="2" charset="2"/>
+              <a:buFont typeface="Wingdings" panose="05000000000000000000" pitchFamily="2" charset="2"/>
               <a:buChar char="§"/>
             </a:pPr>
             <a:r>
@@ -6791,13 +6721,20 @@
               </a:rPr>
               <a:t>Testing on real-time user data.</a:t>
             </a:r>
+            <a:endParaRPr lang="en-IN" sz="1600" dirty="0">
+              <a:solidFill>
+                <a:schemeClr val="tx1"/>
+              </a:solidFill>
+              <a:latin typeface="Times New Roman" panose="02020603050405020304" pitchFamily="18" charset="0"/>
+              <a:cs typeface="Times New Roman" panose="02020603050405020304" pitchFamily="18" charset="0"/>
+            </a:endParaRPr>
           </a:p>
           <a:p>
             <a:pPr lvl="1" algn="just">
               <a:spcBef>
                 <a:spcPts val="1200"/>
               </a:spcBef>
-              <a:buFont typeface="Wingdings" pitchFamily="2" charset="2"/>
+              <a:buFont typeface="Wingdings" panose="05000000000000000000" pitchFamily="2" charset="2"/>
               <a:buChar char="§"/>
             </a:pPr>
             <a:r>
@@ -6810,13 +6747,20 @@
               </a:rPr>
               <a:t>Documentation of the research and results in a scientific paper.</a:t>
             </a:r>
+            <a:endParaRPr lang="en-IN" sz="1600" dirty="0">
+              <a:solidFill>
+                <a:schemeClr val="tx1"/>
+              </a:solidFill>
+              <a:latin typeface="Times New Roman" panose="02020603050405020304" pitchFamily="18" charset="0"/>
+              <a:cs typeface="Times New Roman" panose="02020603050405020304" pitchFamily="18" charset="0"/>
+            </a:endParaRPr>
           </a:p>
           <a:p>
             <a:pPr lvl="1" algn="just">
               <a:spcBef>
                 <a:spcPts val="1200"/>
               </a:spcBef>
-              <a:buFont typeface="Wingdings" pitchFamily="2" charset="2"/>
+              <a:buFont typeface="Wingdings" panose="05000000000000000000" pitchFamily="2" charset="2"/>
               <a:buChar char="§"/>
             </a:pPr>
             <a:endParaRPr lang="en-IN" sz="1600" dirty="0">
@@ -6830,11 +6774,6 @@
         </p:txBody>
       </p:sp>
     </p:spTree>
-    <p:extLst>
-      <p:ext uri="{BB962C8B-B14F-4D97-AF65-F5344CB8AC3E}">
-        <p14:creationId xmlns:p14="http://schemas.microsoft.com/office/powerpoint/2010/main" val="1853199553"/>
-      </p:ext>
-    </p:extLst>
   </p:cSld>
   <p:clrMapOvr>
     <a:masterClrMapping/>
@@ -6879,10 +6818,6 @@
             </a:pPr>
             <a:fld id="{EED0D648-989B-4034-9BD3-6FBF9A769E5B}" type="slidenum">
               <a:rPr lang="en-US" smtClean="0"/>
-              <a:pPr>
-                <a:defRPr/>
-              </a:pPr>
-              <a:t>2</a:t>
             </a:fld>
             <a:endParaRPr lang="en-US"/>
           </a:p>
@@ -6915,6 +6850,10 @@
               </a:rPr>
               <a:t>Introduction</a:t>
             </a:r>
+            <a:endParaRPr lang="en-IN" sz="1600" dirty="0">
+              <a:latin typeface="Times New Roman" panose="02020603050405020304" pitchFamily="18" charset="0"/>
+              <a:cs typeface="Times New Roman" panose="02020603050405020304" pitchFamily="18" charset="0"/>
+            </a:endParaRPr>
           </a:p>
           <a:p>
             <a:pPr marL="342900" indent="-342900">
@@ -6927,6 +6866,10 @@
               </a:rPr>
               <a:t>Problem Statement</a:t>
             </a:r>
+            <a:endParaRPr lang="en-IN" sz="1600" dirty="0">
+              <a:latin typeface="Times New Roman" panose="02020603050405020304" pitchFamily="18" charset="0"/>
+              <a:cs typeface="Times New Roman" panose="02020603050405020304" pitchFamily="18" charset="0"/>
+            </a:endParaRPr>
           </a:p>
           <a:p>
             <a:pPr marL="342900" indent="-342900">
@@ -6939,6 +6882,10 @@
               </a:rPr>
               <a:t>Objectives</a:t>
             </a:r>
+            <a:endParaRPr lang="en-IN" sz="1600" dirty="0">
+              <a:latin typeface="Times New Roman" panose="02020603050405020304" pitchFamily="18" charset="0"/>
+              <a:cs typeface="Times New Roman" panose="02020603050405020304" pitchFamily="18" charset="0"/>
+            </a:endParaRPr>
           </a:p>
           <a:p>
             <a:pPr marL="342900" indent="-342900">
@@ -6951,6 +6898,10 @@
               </a:rPr>
               <a:t>Literature Survey</a:t>
             </a:r>
+            <a:endParaRPr lang="en-IN" sz="1600" dirty="0">
+              <a:latin typeface="Times New Roman" panose="02020603050405020304" pitchFamily="18" charset="0"/>
+              <a:cs typeface="Times New Roman" panose="02020603050405020304" pitchFamily="18" charset="0"/>
+            </a:endParaRPr>
           </a:p>
           <a:p>
             <a:pPr marL="342900" indent="-342900">
@@ -6963,6 +6914,10 @@
               </a:rPr>
               <a:t>Proposed methodology &amp; Concept Diagram</a:t>
             </a:r>
+            <a:endParaRPr lang="en-IN" sz="1600" dirty="0">
+              <a:latin typeface="Times New Roman" panose="02020603050405020304" pitchFamily="18" charset="0"/>
+              <a:cs typeface="Times New Roman" panose="02020603050405020304" pitchFamily="18" charset="0"/>
+            </a:endParaRPr>
           </a:p>
           <a:p>
             <a:pPr marL="342900" indent="-342900">
@@ -6975,6 +6930,10 @@
               </a:rPr>
               <a:t>Hardware &amp; Software used</a:t>
             </a:r>
+            <a:endParaRPr lang="en-IN" sz="1600" dirty="0">
+              <a:latin typeface="Times New Roman" panose="02020603050405020304" pitchFamily="18" charset="0"/>
+              <a:cs typeface="Times New Roman" panose="02020603050405020304" pitchFamily="18" charset="0"/>
+            </a:endParaRPr>
           </a:p>
           <a:p>
             <a:pPr marL="342900" indent="-342900">
@@ -6987,6 +6946,10 @@
               </a:rPr>
               <a:t>System Design </a:t>
             </a:r>
+            <a:endParaRPr lang="en-IN" sz="1600" dirty="0">
+              <a:latin typeface="Times New Roman" panose="02020603050405020304" pitchFamily="18" charset="0"/>
+              <a:cs typeface="Times New Roman" panose="02020603050405020304" pitchFamily="18" charset="0"/>
+            </a:endParaRPr>
           </a:p>
           <a:p>
             <a:pPr marL="342900" indent="-342900">
@@ -6999,6 +6962,10 @@
               </a:rPr>
               <a:t>Future Work</a:t>
             </a:r>
+            <a:endParaRPr lang="en-IN" sz="1600" dirty="0">
+              <a:latin typeface="Times New Roman" panose="02020603050405020304" pitchFamily="18" charset="0"/>
+              <a:cs typeface="Times New Roman" panose="02020603050405020304" pitchFamily="18" charset="0"/>
+            </a:endParaRPr>
           </a:p>
           <a:p>
             <a:pPr marL="342900" indent="-342900">
@@ -7013,13 +6980,7 @@
       </p:sp>
       <p:sp>
         <p:nvSpPr>
-          <p:cNvPr id="2" name="TextBox 1">
-            <a:extLst>
-              <a:ext uri="{FF2B5EF4-FFF2-40B4-BE49-F238E27FC236}">
-                <a16:creationId xmlns:a16="http://schemas.microsoft.com/office/drawing/2014/main" id="{8DAEBDCE-7C6C-CD0F-1DA6-8804A0AF2569}"/>
-              </a:ext>
-            </a:extLst>
-          </p:cNvPr>
+          <p:cNvPr id="2" name="TextBox 1"/>
           <p:cNvSpPr txBox="1"/>
           <p:nvPr/>
         </p:nvSpPr>
@@ -7046,15 +7007,14 @@
               </a:rPr>
               <a:t>AGENDA</a:t>
             </a:r>
+            <a:endParaRPr lang="en-US" sz="2000" dirty="0">
+              <a:latin typeface="Times New Roman" panose="02020603050405020304" pitchFamily="18" charset="0"/>
+              <a:cs typeface="Times New Roman" panose="02020603050405020304" pitchFamily="18" charset="0"/>
+            </a:endParaRPr>
           </a:p>
         </p:txBody>
       </p:sp>
     </p:spTree>
-    <p:extLst>
-      <p:ext uri="{BB962C8B-B14F-4D97-AF65-F5344CB8AC3E}">
-        <p14:creationId xmlns:p14="http://schemas.microsoft.com/office/powerpoint/2010/main" val="172969474"/>
-      </p:ext>
-    </p:extLst>
   </p:cSld>
   <p:clrMapOvr>
     <a:masterClrMapping/>
@@ -7099,10 +7059,6 @@
             </a:pPr>
             <a:fld id="{EED0D648-989B-4034-9BD3-6FBF9A769E5B}" type="slidenum">
               <a:rPr lang="en-US" smtClean="0"/>
-              <a:pPr>
-                <a:defRPr/>
-              </a:pPr>
-              <a:t>3</a:t>
             </a:fld>
             <a:endParaRPr lang="en-US"/>
           </a:p>
@@ -7134,7 +7090,7 @@
               <a:spcBef>
                 <a:spcPts val="1200"/>
               </a:spcBef>
-              <a:buFont typeface="Wingdings" pitchFamily="2" charset="2"/>
+              <a:buFont typeface="Wingdings" panose="05000000000000000000" pitchFamily="2" charset="2"/>
               <a:buChar char="§"/>
             </a:pPr>
             <a:r>
@@ -7145,15 +7101,92 @@
                 <a:latin typeface="Times New Roman" panose="02020603050405020304" pitchFamily="18" charset="0"/>
                 <a:cs typeface="Times New Roman" panose="02020603050405020304" pitchFamily="18" charset="0"/>
               </a:rPr>
-              <a:t>Nutrition is the supply of food that we need as an organism to feed our cells and keep them alive. We can get nutrients from products such as vitamin supplements, however when we talk about nutrition we mostly mean the nutrients we get from food. </a:t>
-            </a:r>
+              <a:t>Nutrition is the supply of food need</a:t>
+            </a:r>
+            <a:r>
+              <a:rPr lang="en-US" altLang="en-IN" sz="1600" dirty="0">
+                <a:solidFill>
+                  <a:schemeClr val="tx1"/>
+                </a:solidFill>
+                <a:latin typeface="Times New Roman" panose="02020603050405020304" pitchFamily="18" charset="0"/>
+                <a:cs typeface="Times New Roman" panose="02020603050405020304" pitchFamily="18" charset="0"/>
+              </a:rPr>
+              <a:t>ed for</a:t>
+            </a:r>
+            <a:r>
+              <a:rPr lang="en-IN" sz="1600" dirty="0">
+                <a:solidFill>
+                  <a:schemeClr val="tx1"/>
+                </a:solidFill>
+                <a:latin typeface="Times New Roman" panose="02020603050405020304" pitchFamily="18" charset="0"/>
+                <a:cs typeface="Times New Roman" panose="02020603050405020304" pitchFamily="18" charset="0"/>
+              </a:rPr>
+              <a:t> an organism to feed cells and keep them alive. </a:t>
+            </a:r>
+            <a:r>
+              <a:rPr lang="en-US" altLang="en-IN" sz="1600" dirty="0">
+                <a:solidFill>
+                  <a:schemeClr val="tx1"/>
+                </a:solidFill>
+                <a:latin typeface="Times New Roman" panose="02020603050405020304" pitchFamily="18" charset="0"/>
+                <a:cs typeface="Times New Roman" panose="02020603050405020304" pitchFamily="18" charset="0"/>
+              </a:rPr>
+              <a:t>N</a:t>
+            </a:r>
+            <a:r>
+              <a:rPr lang="en-IN" sz="1600" dirty="0">
+                <a:solidFill>
+                  <a:schemeClr val="tx1"/>
+                </a:solidFill>
+                <a:latin typeface="Times New Roman" panose="02020603050405020304" pitchFamily="18" charset="0"/>
+                <a:cs typeface="Times New Roman" panose="02020603050405020304" pitchFamily="18" charset="0"/>
+              </a:rPr>
+              <a:t>utrients</a:t>
+            </a:r>
+            <a:r>
+              <a:rPr lang="en-US" altLang="en-IN" sz="1600" dirty="0">
+                <a:solidFill>
+                  <a:schemeClr val="tx1"/>
+                </a:solidFill>
+                <a:latin typeface="Times New Roman" panose="02020603050405020304" pitchFamily="18" charset="0"/>
+                <a:cs typeface="Times New Roman" panose="02020603050405020304" pitchFamily="18" charset="0"/>
+              </a:rPr>
+              <a:t> can be obtained</a:t>
+            </a:r>
+            <a:r>
+              <a:rPr lang="en-IN" sz="1600" dirty="0">
+                <a:solidFill>
+                  <a:schemeClr val="tx1"/>
+                </a:solidFill>
+                <a:latin typeface="Times New Roman" panose="02020603050405020304" pitchFamily="18" charset="0"/>
+                <a:cs typeface="Times New Roman" panose="02020603050405020304" pitchFamily="18" charset="0"/>
+              </a:rPr>
+              <a:t> from products such as vitamin supplements</a:t>
+            </a:r>
+            <a:r>
+              <a:rPr lang="en-US" altLang="en-IN" sz="1600" dirty="0">
+                <a:solidFill>
+                  <a:schemeClr val="tx1"/>
+                </a:solidFill>
+                <a:latin typeface="Times New Roman" panose="02020603050405020304" pitchFamily="18" charset="0"/>
+                <a:cs typeface="Times New Roman" panose="02020603050405020304" pitchFamily="18" charset="0"/>
+              </a:rPr>
+              <a:t>.</a:t>
+            </a:r>
+            <a:endParaRPr lang="en-IN" sz="1600" dirty="0">
+              <a:solidFill>
+                <a:schemeClr val="tx1"/>
+              </a:solidFill>
+              <a:latin typeface="Times New Roman" panose="02020603050405020304" pitchFamily="18" charset="0"/>
+              <a:cs typeface="Times New Roman" panose="02020603050405020304" pitchFamily="18" charset="0"/>
+            </a:endParaRPr>
           </a:p>
           <a:p>
             <a:pPr lvl="1" algn="just">
               <a:spcBef>
                 <a:spcPts val="1200"/>
               </a:spcBef>
-              <a:buFont typeface="Wingdings" pitchFamily="2" charset="2"/>
+              <a:buFont typeface="Wingdings" panose="05000000000000000000" pitchFamily="2" charset="2"/>
               <a:buChar char="§"/>
             </a:pPr>
             <a:r>
@@ -7164,15 +7197,122 @@
                 <a:latin typeface="Times New Roman" panose="02020603050405020304" pitchFamily="18" charset="0"/>
                 <a:cs typeface="Times New Roman" panose="02020603050405020304" pitchFamily="18" charset="0"/>
               </a:rPr>
-              <a:t>Without nutrition, we grow weak, sick and at the very worst can even die. We miss developmental milestones and can’t put our bodies through the daily mental and physical tasks that we need them to.</a:t>
-            </a:r>
+              <a:t>Without nutrition, </a:t>
+            </a:r>
+            <a:r>
+              <a:rPr lang="en-US" altLang="en-IN" sz="1600" dirty="0">
+                <a:solidFill>
+                  <a:schemeClr val="tx1"/>
+                </a:solidFill>
+                <a:latin typeface="Times New Roman" panose="02020603050405020304" pitchFamily="18" charset="0"/>
+                <a:cs typeface="Times New Roman" panose="02020603050405020304" pitchFamily="18" charset="0"/>
+              </a:rPr>
+              <a:t>humans</a:t>
+            </a:r>
+            <a:r>
+              <a:rPr lang="en-IN" sz="1600" dirty="0">
+                <a:solidFill>
+                  <a:schemeClr val="tx1"/>
+                </a:solidFill>
+                <a:latin typeface="Times New Roman" panose="02020603050405020304" pitchFamily="18" charset="0"/>
+                <a:cs typeface="Times New Roman" panose="02020603050405020304" pitchFamily="18" charset="0"/>
+              </a:rPr>
+              <a:t> grow weak,</a:t>
+            </a:r>
+            <a:r>
+              <a:rPr lang="en-US" altLang="en-IN" sz="1600" dirty="0">
+                <a:solidFill>
+                  <a:schemeClr val="tx1"/>
+                </a:solidFill>
+                <a:latin typeface="Times New Roman" panose="02020603050405020304" pitchFamily="18" charset="0"/>
+                <a:cs typeface="Times New Roman" panose="02020603050405020304" pitchFamily="18" charset="0"/>
+              </a:rPr>
+              <a:t> get</a:t>
+            </a:r>
+            <a:r>
+              <a:rPr lang="en-IN" sz="1600" dirty="0">
+                <a:solidFill>
+                  <a:schemeClr val="tx1"/>
+                </a:solidFill>
+                <a:latin typeface="Times New Roman" panose="02020603050405020304" pitchFamily="18" charset="0"/>
+                <a:cs typeface="Times New Roman" panose="02020603050405020304" pitchFamily="18" charset="0"/>
+              </a:rPr>
+              <a:t> sick and at the very worst can even die. </a:t>
+            </a:r>
+            <a:r>
+              <a:rPr lang="en-US" altLang="en-IN" sz="1600" dirty="0">
+                <a:solidFill>
+                  <a:schemeClr val="tx1"/>
+                </a:solidFill>
+                <a:latin typeface="Times New Roman" panose="02020603050405020304" pitchFamily="18" charset="0"/>
+                <a:cs typeface="Times New Roman" panose="02020603050405020304" pitchFamily="18" charset="0"/>
+              </a:rPr>
+              <a:t>They</a:t>
+            </a:r>
+            <a:r>
+              <a:rPr lang="en-IN" sz="1600" dirty="0">
+                <a:solidFill>
+                  <a:schemeClr val="tx1"/>
+                </a:solidFill>
+                <a:latin typeface="Times New Roman" panose="02020603050405020304" pitchFamily="18" charset="0"/>
+                <a:cs typeface="Times New Roman" panose="02020603050405020304" pitchFamily="18" charset="0"/>
+              </a:rPr>
+              <a:t> miss developmental milestones and can’t put </a:t>
+            </a:r>
+            <a:r>
+              <a:rPr lang="en-US" altLang="en-IN" sz="1600" dirty="0">
+                <a:solidFill>
+                  <a:schemeClr val="tx1"/>
+                </a:solidFill>
+                <a:latin typeface="Times New Roman" panose="02020603050405020304" pitchFamily="18" charset="0"/>
+                <a:cs typeface="Times New Roman" panose="02020603050405020304" pitchFamily="18" charset="0"/>
+              </a:rPr>
+              <a:t>their</a:t>
+            </a:r>
+            <a:r>
+              <a:rPr lang="en-IN" sz="1600" dirty="0">
+                <a:solidFill>
+                  <a:schemeClr val="tx1"/>
+                </a:solidFill>
+                <a:latin typeface="Times New Roman" panose="02020603050405020304" pitchFamily="18" charset="0"/>
+                <a:cs typeface="Times New Roman" panose="02020603050405020304" pitchFamily="18" charset="0"/>
+              </a:rPr>
+              <a:t> bodies through the daily mental and physical tasks </a:t>
+            </a:r>
+            <a:r>
+              <a:rPr lang="en-US" altLang="en-IN" sz="1600" dirty="0">
+                <a:solidFill>
+                  <a:schemeClr val="tx1"/>
+                </a:solidFill>
+                <a:latin typeface="Times New Roman" panose="02020603050405020304" pitchFamily="18" charset="0"/>
+                <a:cs typeface="Times New Roman" panose="02020603050405020304" pitchFamily="18" charset="0"/>
+              </a:rPr>
+              <a:t>that are necessary</a:t>
+            </a:r>
+            <a:r>
+              <a:rPr lang="en-IN" sz="1600" dirty="0">
+                <a:solidFill>
+                  <a:schemeClr val="tx1"/>
+                </a:solidFill>
+                <a:latin typeface="Times New Roman" panose="02020603050405020304" pitchFamily="18" charset="0"/>
+                <a:cs typeface="Times New Roman" panose="02020603050405020304" pitchFamily="18" charset="0"/>
+              </a:rPr>
+              <a:t>.</a:t>
+            </a:r>
+            <a:endParaRPr lang="en-IN" sz="1600" dirty="0">
+              <a:solidFill>
+                <a:schemeClr val="tx1"/>
+              </a:solidFill>
+              <a:latin typeface="Times New Roman" panose="02020603050405020304" pitchFamily="18" charset="0"/>
+              <a:cs typeface="Times New Roman" panose="02020603050405020304" pitchFamily="18" charset="0"/>
+            </a:endParaRPr>
           </a:p>
           <a:p>
             <a:pPr lvl="1" algn="just">
               <a:spcBef>
                 <a:spcPts val="1200"/>
               </a:spcBef>
-              <a:buFont typeface="Wingdings" pitchFamily="2" charset="2"/>
+              <a:buFont typeface="Wingdings" panose="05000000000000000000" pitchFamily="2" charset="2"/>
               <a:buChar char="§"/>
             </a:pPr>
             <a:r>
@@ -7185,13 +7325,20 @@
               </a:rPr>
               <a:t>Recipe recommendation involves taking various types of inputs such as nutritional values or ingredients or preferences and suggesting/ranking relevant food products and recipes as outputs. </a:t>
             </a:r>
+            <a:endParaRPr lang="en-IN" sz="1600" dirty="0">
+              <a:solidFill>
+                <a:schemeClr val="tx1"/>
+              </a:solidFill>
+              <a:latin typeface="Times New Roman" panose="02020603050405020304" pitchFamily="18" charset="0"/>
+              <a:cs typeface="Times New Roman" panose="02020603050405020304" pitchFamily="18" charset="0"/>
+            </a:endParaRPr>
           </a:p>
           <a:p>
             <a:pPr lvl="1" algn="just">
               <a:spcBef>
                 <a:spcPts val="1200"/>
               </a:spcBef>
-              <a:buFont typeface="Wingdings" pitchFamily="2" charset="2"/>
+              <a:buFont typeface="Wingdings" panose="05000000000000000000" pitchFamily="2" charset="2"/>
               <a:buChar char="§"/>
             </a:pPr>
             <a:r>
@@ -7204,18 +7351,19 @@
               </a:rPr>
               <a:t>This project aims to detect nutritional shortcomings of a user by taking various inputs that can easily be obtained through standard blood tests and overcome deficiencies if detected by recommending food and recipes using an intelligent algorithm.</a:t>
             </a:r>
-          </a:p>
-        </p:txBody>
-      </p:sp>
-      <p:sp>
-        <p:nvSpPr>
-          <p:cNvPr id="2" name="TextBox 1">
-            <a:extLst>
-              <a:ext uri="{FF2B5EF4-FFF2-40B4-BE49-F238E27FC236}">
-                <a16:creationId xmlns:a16="http://schemas.microsoft.com/office/drawing/2014/main" id="{073915DB-97A7-7343-D3E8-00254B9994E1}"/>
-              </a:ext>
-            </a:extLst>
-          </p:cNvPr>
+            <a:endParaRPr lang="en-IN" sz="1600" dirty="0">
+              <a:solidFill>
+                <a:schemeClr val="tx1"/>
+              </a:solidFill>
+              <a:latin typeface="Times New Roman" panose="02020603050405020304" pitchFamily="18" charset="0"/>
+              <a:cs typeface="Times New Roman" panose="02020603050405020304" pitchFamily="18" charset="0"/>
+            </a:endParaRPr>
+          </a:p>
+        </p:txBody>
+      </p:sp>
+      <p:sp>
+        <p:nvSpPr>
+          <p:cNvPr id="2" name="TextBox 1"/>
           <p:cNvSpPr txBox="1"/>
           <p:nvPr/>
         </p:nvSpPr>
@@ -7242,15 +7390,14 @@
               </a:rPr>
               <a:t>INTRODUCTION</a:t>
             </a:r>
+            <a:endParaRPr lang="en-US" sz="2000" dirty="0">
+              <a:latin typeface="Times New Roman" panose="02020603050405020304" pitchFamily="18" charset="0"/>
+              <a:cs typeface="Times New Roman" panose="02020603050405020304" pitchFamily="18" charset="0"/>
+            </a:endParaRPr>
           </a:p>
         </p:txBody>
       </p:sp>
     </p:spTree>
-    <p:extLst>
-      <p:ext uri="{BB962C8B-B14F-4D97-AF65-F5344CB8AC3E}">
-        <p14:creationId xmlns:p14="http://schemas.microsoft.com/office/powerpoint/2010/main" val="3547549614"/>
-      </p:ext>
-    </p:extLst>
   </p:cSld>
   <p:clrMapOvr>
     <a:masterClrMapping/>
@@ -7295,10 +7442,6 @@
             </a:pPr>
             <a:fld id="{EED0D648-989B-4034-9BD3-6FBF9A769E5B}" type="slidenum">
               <a:rPr lang="en-US" smtClean="0"/>
-              <a:pPr>
-                <a:defRPr/>
-              </a:pPr>
-              <a:t>4</a:t>
             </a:fld>
             <a:endParaRPr lang="en-US"/>
           </a:p>
@@ -7306,13 +7449,7 @@
       </p:sp>
       <p:sp>
         <p:nvSpPr>
-          <p:cNvPr id="5" name="Content Placeholder 4">
-            <a:extLst>
-              <a:ext uri="{FF2B5EF4-FFF2-40B4-BE49-F238E27FC236}">
-                <a16:creationId xmlns:a16="http://schemas.microsoft.com/office/drawing/2014/main" id="{C9715DAD-C189-D76F-5F2C-FE437BF2B6C9}"/>
-              </a:ext>
-            </a:extLst>
-          </p:cNvPr>
+          <p:cNvPr id="5" name="Content Placeholder 4"/>
           <p:cNvSpPr>
             <a:spLocks noGrp="1"/>
           </p:cNvSpPr>
@@ -7334,7 +7471,7 @@
               <a:spcBef>
                 <a:spcPts val="1200"/>
               </a:spcBef>
-              <a:buFont typeface="Wingdings" pitchFamily="2" charset="2"/>
+              <a:buFont typeface="Wingdings" panose="05000000000000000000" pitchFamily="2" charset="2"/>
               <a:buChar char="§"/>
             </a:pPr>
             <a:r>
@@ -7347,13 +7484,20 @@
               </a:rPr>
               <a:t>Nutrient management in the context of this project aims to quantize the consumption of essential nutrients in an efficient format such that it leads to a healthy and balanced lifestyle. Several recent studies have shown the importance of quality-based consumption of nutrients which could otherwise lead to serious health issues that could even be fatal at times.</a:t>
             </a:r>
+            <a:endParaRPr lang="en-IN" sz="1600" dirty="0">
+              <a:solidFill>
+                <a:schemeClr val="tx1"/>
+              </a:solidFill>
+              <a:latin typeface="Times New Roman" panose="02020603050405020304" pitchFamily="18" charset="0"/>
+              <a:cs typeface="Times New Roman" panose="02020603050405020304" pitchFamily="18" charset="0"/>
+            </a:endParaRPr>
           </a:p>
           <a:p>
             <a:pPr lvl="1" algn="just">
               <a:spcBef>
                 <a:spcPts val="1200"/>
               </a:spcBef>
-              <a:buFont typeface="Wingdings" pitchFamily="2" charset="2"/>
+              <a:buFont typeface="Wingdings" panose="05000000000000000000" pitchFamily="2" charset="2"/>
               <a:buChar char="§"/>
             </a:pPr>
             <a:r>
@@ -7366,13 +7510,20 @@
               </a:rPr>
               <a:t>The emergence of advanced scientific methods to determine the presence of various nutrients or lack thereof has led to widespread awareness amongst individuals to keep a track of their nutrient consumption. Increased consciousness towards one’s health has recently been in the limelight which creates the need for an intelligent system specially customized for the individual that can analyse your consumption’s quality and suggest options that could essentially fulfil your body’s need to lead a healthy lifestyle. </a:t>
             </a:r>
+            <a:endParaRPr lang="en-IN" sz="1600" dirty="0">
+              <a:solidFill>
+                <a:schemeClr val="tx1"/>
+              </a:solidFill>
+              <a:latin typeface="Times New Roman" panose="02020603050405020304" pitchFamily="18" charset="0"/>
+              <a:cs typeface="Times New Roman" panose="02020603050405020304" pitchFamily="18" charset="0"/>
+            </a:endParaRPr>
           </a:p>
           <a:p>
             <a:pPr lvl="1" algn="just">
               <a:spcBef>
                 <a:spcPts val="1200"/>
               </a:spcBef>
-              <a:buFont typeface="Wingdings" pitchFamily="2" charset="2"/>
+              <a:buFont typeface="Wingdings" panose="05000000000000000000" pitchFamily="2" charset="2"/>
               <a:buChar char="§"/>
             </a:pPr>
             <a:r>
@@ -7385,18 +7536,19 @@
               </a:rPr>
               <a:t>The presence of this particular system can hugely impact individuals as this would save a considerable amount of time in finding a recipe that would not only suit the user’s preference but also encapsulate all the nourishing factors that an individual would require. </a:t>
             </a:r>
-          </a:p>
-        </p:txBody>
-      </p:sp>
-      <p:sp>
-        <p:nvSpPr>
-          <p:cNvPr id="6" name="TextBox 5">
-            <a:extLst>
-              <a:ext uri="{FF2B5EF4-FFF2-40B4-BE49-F238E27FC236}">
-                <a16:creationId xmlns:a16="http://schemas.microsoft.com/office/drawing/2014/main" id="{5AE7299E-6DFD-9FF8-5B91-8252D3F223E9}"/>
-              </a:ext>
-            </a:extLst>
-          </p:cNvPr>
+            <a:endParaRPr lang="en-IN" sz="1600" dirty="0">
+              <a:solidFill>
+                <a:schemeClr val="tx1"/>
+              </a:solidFill>
+              <a:latin typeface="Times New Roman" panose="02020603050405020304" pitchFamily="18" charset="0"/>
+              <a:cs typeface="Times New Roman" panose="02020603050405020304" pitchFamily="18" charset="0"/>
+            </a:endParaRPr>
+          </a:p>
+        </p:txBody>
+      </p:sp>
+      <p:sp>
+        <p:nvSpPr>
+          <p:cNvPr id="6" name="TextBox 5"/>
           <p:cNvSpPr txBox="1"/>
           <p:nvPr/>
         </p:nvSpPr>
@@ -7423,6 +7575,10 @@
               </a:rPr>
               <a:t>PROBLEM STATEMENT</a:t>
             </a:r>
+            <a:endParaRPr lang="en-US" sz="2000" dirty="0">
+              <a:latin typeface="Times New Roman" panose="02020603050405020304" pitchFamily="18" charset="0"/>
+              <a:cs typeface="Times New Roman" panose="02020603050405020304" pitchFamily="18" charset="0"/>
+            </a:endParaRPr>
           </a:p>
         </p:txBody>
       </p:sp>
@@ -7471,10 +7627,6 @@
             </a:pPr>
             <a:fld id="{EED0D648-989B-4034-9BD3-6FBF9A769E5B}" type="slidenum">
               <a:rPr lang="en-US" smtClean="0"/>
-              <a:pPr>
-                <a:defRPr/>
-              </a:pPr>
-              <a:t>5</a:t>
             </a:fld>
             <a:endParaRPr lang="en-US"/>
           </a:p>
@@ -7482,13 +7634,7 @@
       </p:sp>
       <p:sp>
         <p:nvSpPr>
-          <p:cNvPr id="5" name="Content Placeholder 4">
-            <a:extLst>
-              <a:ext uri="{FF2B5EF4-FFF2-40B4-BE49-F238E27FC236}">
-                <a16:creationId xmlns:a16="http://schemas.microsoft.com/office/drawing/2014/main" id="{DAB994D0-40D2-6693-87A3-4C0FA0B7BE98}"/>
-              </a:ext>
-            </a:extLst>
-          </p:cNvPr>
+          <p:cNvPr id="5" name="Content Placeholder 4"/>
           <p:cNvSpPr>
             <a:spLocks noGrp="1"/>
           </p:cNvSpPr>
@@ -7508,7 +7654,7 @@
           </a:bodyPr>
           <a:lstStyle/>
           <a:p>
-            <a:pPr marL="201168" lvl="1" indent="0" algn="just">
+            <a:pPr marL="201295" lvl="1" indent="0" algn="just">
               <a:spcBef>
                 <a:spcPts val="1200"/>
               </a:spcBef>
@@ -7524,9 +7670,16 @@
               </a:rPr>
               <a:t>The project's main goal is to create an intelligent recipe recommender that would aid in the development of a diet that allows all users to make healthy choices in their daily lives while still enjoying food and keeping healthy. </a:t>
             </a:r>
-          </a:p>
-          <a:p>
-            <a:pPr marL="201168" lvl="1" indent="0" algn="just">
+            <a:endParaRPr lang="en-IN" sz="1600" dirty="0">
+              <a:solidFill>
+                <a:schemeClr val="tx1"/>
+              </a:solidFill>
+              <a:latin typeface="Times New Roman" panose="02020603050405020304" pitchFamily="18" charset="0"/>
+              <a:cs typeface="Times New Roman" panose="02020603050405020304" pitchFamily="18" charset="0"/>
+            </a:endParaRPr>
+          </a:p>
+          <a:p>
+            <a:pPr marL="201295" lvl="1" indent="0" algn="just">
               <a:spcBef>
                 <a:spcPts val="1200"/>
               </a:spcBef>
@@ -7542,9 +7695,16 @@
               </a:rPr>
               <a:t>The main objectives of this project are : </a:t>
             </a:r>
-          </a:p>
-          <a:p>
-            <a:pPr marL="544068" lvl="1" indent="-342900" algn="just">
+            <a:endParaRPr lang="en-IN" sz="1600" dirty="0">
+              <a:solidFill>
+                <a:schemeClr val="tx1"/>
+              </a:solidFill>
+              <a:latin typeface="Times New Roman" panose="02020603050405020304" pitchFamily="18" charset="0"/>
+              <a:cs typeface="Times New Roman" panose="02020603050405020304" pitchFamily="18" charset="0"/>
+            </a:endParaRPr>
+          </a:p>
+          <a:p>
+            <a:pPr marL="544195" lvl="1" indent="-342900" algn="just">
               <a:spcBef>
                 <a:spcPts val="1200"/>
               </a:spcBef>
@@ -7561,9 +7721,16 @@
               </a:rPr>
               <a:t>Develop an algorithm that maps the required nutrients tailored for every user to the information put in by them like age, gender, activity levels, diseases and allergies and personal health goals.</a:t>
             </a:r>
-          </a:p>
-          <a:p>
-            <a:pPr marL="544068" lvl="1" indent="-342900" algn="just">
+            <a:endParaRPr lang="en-IN" sz="1600" dirty="0">
+              <a:solidFill>
+                <a:schemeClr val="tx1"/>
+              </a:solidFill>
+              <a:latin typeface="Times New Roman" panose="02020603050405020304" pitchFamily="18" charset="0"/>
+              <a:cs typeface="Times New Roman" panose="02020603050405020304" pitchFamily="18" charset="0"/>
+            </a:endParaRPr>
+          </a:p>
+          <a:p>
+            <a:pPr marL="544195" lvl="1" indent="-342900" algn="just">
               <a:spcBef>
                 <a:spcPts val="1200"/>
               </a:spcBef>
@@ -7580,9 +7747,16 @@
               </a:rPr>
               <a:t>Develop a classification model that can classify and output food groups that are rich in specific groups of nutritional values.</a:t>
             </a:r>
-          </a:p>
-          <a:p>
-            <a:pPr marL="544068" lvl="1" indent="-342900" algn="just">
+            <a:endParaRPr lang="en-IN" sz="1600" dirty="0">
+              <a:solidFill>
+                <a:schemeClr val="tx1"/>
+              </a:solidFill>
+              <a:latin typeface="Times New Roman" panose="02020603050405020304" pitchFamily="18" charset="0"/>
+              <a:cs typeface="Times New Roman" panose="02020603050405020304" pitchFamily="18" charset="0"/>
+            </a:endParaRPr>
+          </a:p>
+          <a:p>
+            <a:pPr marL="544195" lvl="1" indent="-342900" algn="just">
               <a:spcBef>
                 <a:spcPts val="1200"/>
               </a:spcBef>
@@ -7599,13 +7773,20 @@
               </a:rPr>
               <a:t>Develop a ranking system that maps the user inputs explaining their preferences and scrapes the web for recipes for the right diet. </a:t>
             </a:r>
+            <a:endParaRPr lang="en-IN" sz="1600" dirty="0">
+              <a:solidFill>
+                <a:schemeClr val="tx1"/>
+              </a:solidFill>
+              <a:latin typeface="Times New Roman" panose="02020603050405020304" pitchFamily="18" charset="0"/>
+              <a:cs typeface="Times New Roman" panose="02020603050405020304" pitchFamily="18" charset="0"/>
+            </a:endParaRPr>
           </a:p>
           <a:p>
             <a:pPr lvl="1" algn="just">
               <a:spcBef>
                 <a:spcPts val="1200"/>
               </a:spcBef>
-              <a:buFont typeface="Wingdings" pitchFamily="2" charset="2"/>
+              <a:buFont typeface="Wingdings" panose="05000000000000000000" pitchFamily="2" charset="2"/>
               <a:buChar char="§"/>
             </a:pPr>
             <a:endParaRPr lang="en-US" sz="1600" dirty="0">
@@ -7620,13 +7801,7 @@
       </p:sp>
       <p:sp>
         <p:nvSpPr>
-          <p:cNvPr id="7" name="TextBox 6">
-            <a:extLst>
-              <a:ext uri="{FF2B5EF4-FFF2-40B4-BE49-F238E27FC236}">
-                <a16:creationId xmlns:a16="http://schemas.microsoft.com/office/drawing/2014/main" id="{CAB74514-4814-DC12-F708-DDBD85114204}"/>
-              </a:ext>
-            </a:extLst>
-          </p:cNvPr>
+          <p:cNvPr id="7" name="TextBox 6"/>
           <p:cNvSpPr txBox="1"/>
           <p:nvPr/>
         </p:nvSpPr>
@@ -7653,15 +7828,14 @@
               </a:rPr>
               <a:t>OBJECTIVES</a:t>
             </a:r>
+            <a:endParaRPr lang="en-US" sz="2000" dirty="0">
+              <a:latin typeface="Times New Roman" panose="02020603050405020304" pitchFamily="18" charset="0"/>
+              <a:cs typeface="Times New Roman" panose="02020603050405020304" pitchFamily="18" charset="0"/>
+            </a:endParaRPr>
           </a:p>
         </p:txBody>
       </p:sp>
     </p:spTree>
-    <p:extLst>
-      <p:ext uri="{BB962C8B-B14F-4D97-AF65-F5344CB8AC3E}">
-        <p14:creationId xmlns:p14="http://schemas.microsoft.com/office/powerpoint/2010/main" val="538425791"/>
-      </p:ext>
-    </p:extLst>
   </p:cSld>
   <p:clrMapOvr>
     <a:masterClrMapping/>
@@ -7688,13 +7862,7 @@
       </p:grpSpPr>
       <p:sp>
         <p:nvSpPr>
-          <p:cNvPr id="2" name="Title 1">
-            <a:extLst>
-              <a:ext uri="{FF2B5EF4-FFF2-40B4-BE49-F238E27FC236}">
-                <a16:creationId xmlns:a16="http://schemas.microsoft.com/office/drawing/2014/main" id="{307660C9-03D1-4A2B-F364-ED4A9CA7CF08}"/>
-              </a:ext>
-            </a:extLst>
-          </p:cNvPr>
+          <p:cNvPr id="2" name="Title 1"/>
           <p:cNvSpPr>
             <a:spLocks noGrp="1"/>
           </p:cNvSpPr>
@@ -7725,28 +7893,25 @@
               </a:rPr>
               <a:t>LITERATURE SURVEY</a:t>
             </a:r>
+            <a:endParaRPr lang="en-US" sz="2000" dirty="0">
+              <a:solidFill>
+                <a:schemeClr val="tx1"/>
+              </a:solidFill>
+              <a:latin typeface="Times New Roman" panose="02020603050405020304" pitchFamily="18" charset="0"/>
+              <a:ea typeface="+mn-ea"/>
+              <a:cs typeface="Times New Roman" panose="02020603050405020304" pitchFamily="18" charset="0"/>
+            </a:endParaRPr>
           </a:p>
         </p:txBody>
       </p:sp>
       <p:graphicFrame>
         <p:nvGraphicFramePr>
-          <p:cNvPr id="6" name="Table 6">
-            <a:extLst>
-              <a:ext uri="{FF2B5EF4-FFF2-40B4-BE49-F238E27FC236}">
-                <a16:creationId xmlns:a16="http://schemas.microsoft.com/office/drawing/2014/main" id="{9D8E7230-27E3-39FB-84B2-1A9762A9A274}"/>
-              </a:ext>
-            </a:extLst>
-          </p:cNvPr>
+          <p:cNvPr id="6" name="Table 6"/>
           <p:cNvGraphicFramePr>
             <a:graphicFrameLocks noGrp="1"/>
           </p:cNvGraphicFramePr>
           <p:nvPr>
             <p:ph idx="1"/>
-            <p:extLst>
-              <p:ext uri="{D42A27DB-BD31-4B8C-83A1-F6EECF244321}">
-                <p14:modId xmlns:p14="http://schemas.microsoft.com/office/powerpoint/2010/main" val="2476135048"/>
-              </p:ext>
-            </p:extLst>
           </p:nvPr>
         </p:nvGraphicFramePr>
         <p:xfrm>
@@ -7760,34 +7925,10 @@
                 <a:tableStyleId>{5C22544A-7EE6-4342-B048-85BDC9FD1C3A}</a:tableStyleId>
               </a:tblPr>
               <a:tblGrid>
-                <a:gridCol w="2289145">
-                  <a:extLst>
-                    <a:ext uri="{9D8B030D-6E8A-4147-A177-3AD203B41FA5}">
-                      <a16:colId xmlns:a16="http://schemas.microsoft.com/office/drawing/2014/main" val="2916784461"/>
-                    </a:ext>
-                  </a:extLst>
-                </a:gridCol>
-                <a:gridCol w="2493577">
-                  <a:extLst>
-                    <a:ext uri="{9D8B030D-6E8A-4147-A177-3AD203B41FA5}">
-                      <a16:colId xmlns:a16="http://schemas.microsoft.com/office/drawing/2014/main" val="3587481715"/>
-                    </a:ext>
-                  </a:extLst>
-                </a:gridCol>
-                <a:gridCol w="2722455">
-                  <a:extLst>
-                    <a:ext uri="{9D8B030D-6E8A-4147-A177-3AD203B41FA5}">
-                      <a16:colId xmlns:a16="http://schemas.microsoft.com/office/drawing/2014/main" val="3854324525"/>
-                    </a:ext>
-                  </a:extLst>
-                </a:gridCol>
-                <a:gridCol w="3758079">
-                  <a:extLst>
-                    <a:ext uri="{9D8B030D-6E8A-4147-A177-3AD203B41FA5}">
-                      <a16:colId xmlns:a16="http://schemas.microsoft.com/office/drawing/2014/main" val="2424694502"/>
-                    </a:ext>
-                  </a:extLst>
-                </a:gridCol>
+                <a:gridCol w="2289145"/>
+                <a:gridCol w="2493577"/>
+                <a:gridCol w="2722455"/>
+                <a:gridCol w="3758079"/>
               </a:tblGrid>
               <a:tr h="549869">
                 <a:tc>
@@ -7806,6 +7947,13 @@
                         </a:rPr>
                         <a:t>Title and Author</a:t>
                       </a:r>
+                      <a:endParaRPr lang="en-US" sz="1600" dirty="0">
+                        <a:solidFill>
+                          <a:schemeClr val="tx1"/>
+                        </a:solidFill>
+                        <a:latin typeface="Times New Roman" panose="02020603050405020304" pitchFamily="18" charset="0"/>
+                        <a:cs typeface="Times New Roman" panose="02020603050405020304" pitchFamily="18" charset="0"/>
+                      </a:endParaRPr>
                     </a:p>
                   </a:txBody>
                   <a:tcPr/>
@@ -7826,6 +7974,13 @@
                         </a:rPr>
                         <a:t>Technique Used</a:t>
                       </a:r>
+                      <a:endParaRPr lang="en-US" sz="1600" dirty="0">
+                        <a:solidFill>
+                          <a:schemeClr val="tx1"/>
+                        </a:solidFill>
+                        <a:latin typeface="Times New Roman" panose="02020603050405020304" pitchFamily="18" charset="0"/>
+                        <a:cs typeface="Times New Roman" panose="02020603050405020304" pitchFamily="18" charset="0"/>
+                      </a:endParaRPr>
                     </a:p>
                   </a:txBody>
                   <a:tcPr/>
@@ -7884,11 +8039,6 @@
                   </a:txBody>
                   <a:tcPr/>
                 </a:tc>
-                <a:extLst>
-                  <a:ext uri="{0D108BD9-81ED-4DB2-BD59-A6C34878D82A}">
-                    <a16:rowId xmlns:a16="http://schemas.microsoft.com/office/drawing/2014/main" val="4046470187"/>
-                  </a:ext>
-                </a:extLst>
               </a:tr>
               <a:tr h="1461699">
                 <a:tc>
@@ -7910,7 +8060,6 @@
                         <a:buSzTx/>
                         <a:buFontTx/>
                         <a:buNone/>
-                        <a:tabLst/>
                         <a:defRPr/>
                       </a:pPr>
                       <a:r>
@@ -8009,9 +8158,30 @@
                         </a:rPr>
                         <a:t>.   </a:t>
                       </a:r>
+                      <a:endParaRPr lang="en-IN" sz="1200" kern="1200" dirty="0">
+                        <a:solidFill>
+                          <a:schemeClr val="dk1"/>
+                        </a:solidFill>
+                        <a:effectLst/>
+                        <a:latin typeface="Times New Roman" panose="02020603050405020304" pitchFamily="18" charset="0"/>
+                        <a:ea typeface="+mn-ea"/>
+                        <a:cs typeface="Times New Roman" panose="02020603050405020304" pitchFamily="18" charset="0"/>
+                      </a:endParaRPr>
                     </a:p>
                     <a:p>
                       <a:pPr algn="just"/>
+                      <a:r>
+                        <a:rPr lang="en-US" sz="1200" kern="1200" dirty="0">
+                          <a:solidFill>
+                            <a:schemeClr val="dk1"/>
+                          </a:solidFill>
+                          <a:effectLst/>
+                          <a:latin typeface="Times New Roman" panose="02020603050405020304" pitchFamily="18" charset="0"/>
+                          <a:ea typeface="+mn-ea"/>
+                          <a:cs typeface="Times New Roman" panose="02020603050405020304" pitchFamily="18" charset="0"/>
+                        </a:rPr>
+                        <a:t>2017</a:t>
+                      </a:r>
                       <a:endParaRPr lang="en-US" sz="1200" kern="1200" dirty="0">
                         <a:solidFill>
                           <a:schemeClr val="dk1"/>
@@ -8043,6 +8213,15 @@
                         </a:rPr>
                         <a:t>Diet-Aid Ontological Knowledge Engine (DOKE)</a:t>
                       </a:r>
+                      <a:endParaRPr lang="en-IN" sz="1200" kern="1200" dirty="0">
+                        <a:solidFill>
+                          <a:schemeClr val="dk1"/>
+                        </a:solidFill>
+                        <a:effectLst/>
+                        <a:latin typeface="Times New Roman" panose="02020603050405020304" pitchFamily="18" charset="0"/>
+                        <a:ea typeface="+mn-ea"/>
+                        <a:cs typeface="Times New Roman" panose="02020603050405020304" pitchFamily="18" charset="0"/>
+                      </a:endParaRPr>
                     </a:p>
                   </a:txBody>
                   <a:tcPr/>
@@ -8108,6 +8287,15 @@
                         </a:rPr>
                         <a:t>he system adds nutrition information about the ingredients, such as amount of vitamins in the ingredients for users to consider. </a:t>
                       </a:r>
+                      <a:endParaRPr lang="en-IN" sz="1200" kern="1200" dirty="0">
+                        <a:solidFill>
+                          <a:schemeClr val="dk1"/>
+                        </a:solidFill>
+                        <a:effectLst/>
+                        <a:latin typeface="Times New Roman" panose="02020603050405020304" pitchFamily="18" charset="0"/>
+                        <a:ea typeface="+mn-ea"/>
+                        <a:cs typeface="Times New Roman" panose="02020603050405020304" pitchFamily="18" charset="0"/>
+                      </a:endParaRPr>
                     </a:p>
                     <a:p>
                       <a:pPr algn="just">
@@ -8152,11 +8340,6 @@
                   </a:txBody>
                   <a:tcPr/>
                 </a:tc>
-                <a:extLst>
-                  <a:ext uri="{0D108BD9-81ED-4DB2-BD59-A6C34878D82A}">
-                    <a16:rowId xmlns:a16="http://schemas.microsoft.com/office/drawing/2014/main" val="1707140070"/>
-                  </a:ext>
-                </a:extLst>
               </a:tr>
               <a:tr h="1374297">
                 <a:tc>
@@ -8178,7 +8361,6 @@
                         <a:buSzTx/>
                         <a:buFontTx/>
                         <a:buNone/>
-                        <a:tabLst/>
                         <a:defRPr/>
                       </a:pPr>
                       <a:r>
@@ -8301,9 +8483,30 @@
                         </a:rPr>
                         <a:t>. </a:t>
                       </a:r>
+                      <a:endParaRPr lang="en-IN" sz="1200" kern="1200" dirty="0">
+                        <a:solidFill>
+                          <a:schemeClr val="dk1"/>
+                        </a:solidFill>
+                        <a:effectLst/>
+                        <a:latin typeface="Times New Roman" panose="02020603050405020304" pitchFamily="18" charset="0"/>
+                        <a:ea typeface="+mn-ea"/>
+                        <a:cs typeface="Times New Roman" panose="02020603050405020304" pitchFamily="18" charset="0"/>
+                      </a:endParaRPr>
                     </a:p>
                     <a:p>
                       <a:pPr algn="just"/>
+                      <a:r>
+                        <a:rPr lang="en-US" sz="1200" kern="1200" dirty="0">
+                          <a:solidFill>
+                            <a:schemeClr val="dk1"/>
+                          </a:solidFill>
+                          <a:effectLst/>
+                          <a:latin typeface="Times New Roman" panose="02020603050405020304" pitchFamily="18" charset="0"/>
+                          <a:ea typeface="+mn-ea"/>
+                          <a:cs typeface="Times New Roman" panose="02020603050405020304" pitchFamily="18" charset="0"/>
+                        </a:rPr>
+                        <a:t>2021</a:t>
+                      </a:r>
                       <a:endParaRPr lang="en-US" sz="1200" kern="1200" dirty="0">
                         <a:solidFill>
                           <a:schemeClr val="dk1"/>
@@ -8409,6 +8612,15 @@
                         </a:rPr>
                         <a:t>Does not overlook the various food-related relations, especially the ingredient-ingredient relations, leading to comprehensive representations.</a:t>
                       </a:r>
+                      <a:endParaRPr lang="en-IN" sz="1200" kern="1200" dirty="0">
+                        <a:solidFill>
+                          <a:schemeClr val="dk1"/>
+                        </a:solidFill>
+                        <a:effectLst/>
+                        <a:latin typeface="Times New Roman" panose="02020603050405020304" pitchFamily="18" charset="0"/>
+                        <a:ea typeface="+mn-ea"/>
+                        <a:cs typeface="Times New Roman" panose="02020603050405020304" pitchFamily="18" charset="0"/>
+                      </a:endParaRPr>
                     </a:p>
                     <a:p>
                       <a:pPr algn="just">
@@ -8453,11 +8665,6 @@
                   </a:txBody>
                   <a:tcPr/>
                 </a:tc>
-                <a:extLst>
-                  <a:ext uri="{0D108BD9-81ED-4DB2-BD59-A6C34878D82A}">
-                    <a16:rowId xmlns:a16="http://schemas.microsoft.com/office/drawing/2014/main" val="2340044838"/>
-                  </a:ext>
-                </a:extLst>
               </a:tr>
               <a:tr h="1461699">
                 <a:tc>
@@ -8479,7 +8686,6 @@
                         <a:buSzTx/>
                         <a:buFontTx/>
                         <a:buNone/>
-                        <a:tabLst/>
                         <a:defRPr/>
                       </a:pPr>
                       <a:r>
@@ -8530,8 +8736,29 @@
                         </a:rPr>
                         <a:t>, Markus. </a:t>
                       </a:r>
+                      <a:endParaRPr lang="en-IN" sz="1200" kern="1200" dirty="0">
+                        <a:solidFill>
+                          <a:schemeClr val="dk1"/>
+                        </a:solidFill>
+                        <a:effectLst/>
+                        <a:latin typeface="Times New Roman" panose="02020603050405020304" pitchFamily="18" charset="0"/>
+                        <a:ea typeface="+mn-ea"/>
+                        <a:cs typeface="Times New Roman" panose="02020603050405020304" pitchFamily="18" charset="0"/>
+                      </a:endParaRPr>
                     </a:p>
                     <a:p>
+                      <a:r>
+                        <a:rPr lang="en-US" sz="1200" kern="1200" dirty="0">
+                          <a:solidFill>
+                            <a:schemeClr val="dk1"/>
+                          </a:solidFill>
+                          <a:effectLst/>
+                          <a:latin typeface="Times New Roman" panose="02020603050405020304" pitchFamily="18" charset="0"/>
+                          <a:ea typeface="+mn-ea"/>
+                          <a:cs typeface="Times New Roman" panose="02020603050405020304" pitchFamily="18" charset="0"/>
+                        </a:rPr>
+                        <a:t>2019</a:t>
+                      </a:r>
                       <a:endParaRPr lang="en-US" sz="1200" kern="1200" dirty="0">
                         <a:solidFill>
                           <a:schemeClr val="dk1"/>
@@ -8563,6 +8790,15 @@
                         </a:rPr>
                         <a:t>Visualisations of intrinsic statistical properties from a new source of data, </a:t>
                       </a:r>
+                      <a:endParaRPr lang="en-IN" sz="1200" kern="1200" dirty="0">
+                        <a:solidFill>
+                          <a:schemeClr val="dk1"/>
+                        </a:solidFill>
+                        <a:effectLst/>
+                        <a:latin typeface="Times New Roman" panose="02020603050405020304" pitchFamily="18" charset="0"/>
+                        <a:ea typeface="+mn-ea"/>
+                        <a:cs typeface="Times New Roman" panose="02020603050405020304" pitchFamily="18" charset="0"/>
+                      </a:endParaRPr>
                     </a:p>
                     <a:p>
                       <a:pPr algn="just"/>
@@ -8652,15 +8888,19 @@
                         </a:rPr>
                         <a:t>Presents a comprehensive multi-dimensional approach which allows to dig into the nature and evolution of users’ online food preferences. </a:t>
                       </a:r>
+                      <a:endParaRPr lang="en-IN" sz="1200" kern="1200" dirty="0">
+                        <a:solidFill>
+                          <a:schemeClr val="dk1"/>
+                        </a:solidFill>
+                        <a:effectLst/>
+                        <a:latin typeface="Times New Roman" panose="02020603050405020304" pitchFamily="18" charset="0"/>
+                        <a:ea typeface="+mn-ea"/>
+                        <a:cs typeface="Times New Roman" panose="02020603050405020304" pitchFamily="18" charset="0"/>
+                      </a:endParaRPr>
                     </a:p>
                   </a:txBody>
                   <a:tcPr/>
                 </a:tc>
-                <a:extLst>
-                  <a:ext uri="{0D108BD9-81ED-4DB2-BD59-A6C34878D82A}">
-                    <a16:rowId xmlns:a16="http://schemas.microsoft.com/office/drawing/2014/main" val="3687394570"/>
-                  </a:ext>
-                </a:extLst>
               </a:tr>
             </a:tbl>
           </a:graphicData>
@@ -8668,13 +8908,7 @@
       </p:graphicFrame>
       <p:sp>
         <p:nvSpPr>
-          <p:cNvPr id="4" name="Footer Placeholder 3">
-            <a:extLst>
-              <a:ext uri="{FF2B5EF4-FFF2-40B4-BE49-F238E27FC236}">
-                <a16:creationId xmlns:a16="http://schemas.microsoft.com/office/drawing/2014/main" id="{CACFDA2F-AE41-4D16-3466-BC55C058D939}"/>
-              </a:ext>
-            </a:extLst>
-          </p:cNvPr>
+          <p:cNvPr id="4" name="Footer Placeholder 3"/>
           <p:cNvSpPr>
             <a:spLocks noGrp="1"/>
           </p:cNvSpPr>
@@ -8697,13 +8931,7 @@
       </p:sp>
       <p:sp>
         <p:nvSpPr>
-          <p:cNvPr id="5" name="Slide Number Placeholder 4">
-            <a:extLst>
-              <a:ext uri="{FF2B5EF4-FFF2-40B4-BE49-F238E27FC236}">
-                <a16:creationId xmlns:a16="http://schemas.microsoft.com/office/drawing/2014/main" id="{938861A3-0F92-567E-33A2-7C309DD4B5A4}"/>
-              </a:ext>
-            </a:extLst>
-          </p:cNvPr>
+          <p:cNvPr id="5" name="Slide Number Placeholder 4"/>
           <p:cNvSpPr>
             <a:spLocks noGrp="1"/>
           </p:cNvSpPr>
@@ -8718,8 +8946,6 @@
           <a:p>
             <a:fld id="{1245FD78-8DE1-44B0-BD44-E067D054697C}" type="slidenum">
               <a:rPr lang="en-IN" smtClean="0"/>
-              <a:pPr/>
-              <a:t>6</a:t>
             </a:fld>
             <a:endParaRPr lang="en-IN"/>
           </a:p>
@@ -8727,16 +8953,8 @@
       </p:sp>
       <p:cxnSp>
         <p:nvCxnSpPr>
-          <p:cNvPr id="7" name="Straight Connector 6">
-            <a:extLst>
-              <a:ext uri="{FF2B5EF4-FFF2-40B4-BE49-F238E27FC236}">
-                <a16:creationId xmlns:a16="http://schemas.microsoft.com/office/drawing/2014/main" id="{5029C1BE-4BE3-55B6-7D67-3B498CB5D677}"/>
-              </a:ext>
-            </a:extLst>
-          </p:cNvPr>
-          <p:cNvCxnSpPr>
-            <a:cxnSpLocks/>
-          </p:cNvCxnSpPr>
+          <p:cNvPr id="7" name="Straight Connector 6"/>
+          <p:cNvCxnSpPr/>
           <p:nvPr/>
         </p:nvCxnSpPr>
         <p:spPr>
@@ -8772,11 +8990,6 @@
         </p:style>
       </p:cxnSp>
     </p:spTree>
-    <p:extLst>
-      <p:ext uri="{BB962C8B-B14F-4D97-AF65-F5344CB8AC3E}">
-        <p14:creationId xmlns:p14="http://schemas.microsoft.com/office/powerpoint/2010/main" val="771703423"/>
-      </p:ext>
-    </p:extLst>
   </p:cSld>
   <p:clrMapOvr>
     <a:masterClrMapping/>
@@ -8803,13 +9016,7 @@
       </p:grpSpPr>
       <p:sp>
         <p:nvSpPr>
-          <p:cNvPr id="4" name="Footer Placeholder 3">
-            <a:extLst>
-              <a:ext uri="{FF2B5EF4-FFF2-40B4-BE49-F238E27FC236}">
-                <a16:creationId xmlns:a16="http://schemas.microsoft.com/office/drawing/2014/main" id="{30F037C7-4D76-50C6-49C3-6672C8E5E0B7}"/>
-              </a:ext>
-            </a:extLst>
-          </p:cNvPr>
+          <p:cNvPr id="4" name="Footer Placeholder 3"/>
           <p:cNvSpPr>
             <a:spLocks noGrp="1"/>
           </p:cNvSpPr>
@@ -8832,13 +9039,7 @@
       </p:sp>
       <p:sp>
         <p:nvSpPr>
-          <p:cNvPr id="5" name="Slide Number Placeholder 4">
-            <a:extLst>
-              <a:ext uri="{FF2B5EF4-FFF2-40B4-BE49-F238E27FC236}">
-                <a16:creationId xmlns:a16="http://schemas.microsoft.com/office/drawing/2014/main" id="{BA003570-82C7-4AC9-F438-6A2B1637E229}"/>
-              </a:ext>
-            </a:extLst>
-          </p:cNvPr>
+          <p:cNvPr id="5" name="Slide Number Placeholder 4"/>
           <p:cNvSpPr>
             <a:spLocks noGrp="1"/>
           </p:cNvSpPr>
@@ -8853,8 +9054,6 @@
           <a:p>
             <a:fld id="{1245FD78-8DE1-44B0-BD44-E067D054697C}" type="slidenum">
               <a:rPr lang="en-IN" smtClean="0"/>
-              <a:pPr/>
-              <a:t>7</a:t>
             </a:fld>
             <a:endParaRPr lang="en-IN"/>
           </a:p>
@@ -8862,23 +9061,12 @@
       </p:sp>
       <p:graphicFrame>
         <p:nvGraphicFramePr>
-          <p:cNvPr id="6" name="Table 6">
-            <a:extLst>
-              <a:ext uri="{FF2B5EF4-FFF2-40B4-BE49-F238E27FC236}">
-                <a16:creationId xmlns:a16="http://schemas.microsoft.com/office/drawing/2014/main" id="{0888AFB2-FF3D-6A25-17AF-41728F6AAD95}"/>
-              </a:ext>
-            </a:extLst>
-          </p:cNvPr>
+          <p:cNvPr id="6" name="Table 6"/>
           <p:cNvGraphicFramePr>
             <a:graphicFrameLocks noGrp="1"/>
           </p:cNvGraphicFramePr>
           <p:nvPr>
             <p:ph idx="1"/>
-            <p:extLst>
-              <p:ext uri="{D42A27DB-BD31-4B8C-83A1-F6EECF244321}">
-                <p14:modId xmlns:p14="http://schemas.microsoft.com/office/powerpoint/2010/main" val="3847028321"/>
-              </p:ext>
-            </p:extLst>
           </p:nvPr>
         </p:nvGraphicFramePr>
         <p:xfrm>
@@ -8892,34 +9080,10 @@
                 <a:tableStyleId>{5C22544A-7EE6-4342-B048-85BDC9FD1C3A}</a:tableStyleId>
               </a:tblPr>
               <a:tblGrid>
-                <a:gridCol w="2289146">
-                  <a:extLst>
-                    <a:ext uri="{9D8B030D-6E8A-4147-A177-3AD203B41FA5}">
-                      <a16:colId xmlns:a16="http://schemas.microsoft.com/office/drawing/2014/main" val="2916784461"/>
-                    </a:ext>
-                  </a:extLst>
-                </a:gridCol>
-                <a:gridCol w="2493577">
-                  <a:extLst>
-                    <a:ext uri="{9D8B030D-6E8A-4147-A177-3AD203B41FA5}">
-                      <a16:colId xmlns:a16="http://schemas.microsoft.com/office/drawing/2014/main" val="3587481715"/>
-                    </a:ext>
-                  </a:extLst>
-                </a:gridCol>
-                <a:gridCol w="2722455">
-                  <a:extLst>
-                    <a:ext uri="{9D8B030D-6E8A-4147-A177-3AD203B41FA5}">
-                      <a16:colId xmlns:a16="http://schemas.microsoft.com/office/drawing/2014/main" val="3854324525"/>
-                    </a:ext>
-                  </a:extLst>
-                </a:gridCol>
-                <a:gridCol w="3758080">
-                  <a:extLst>
-                    <a:ext uri="{9D8B030D-6E8A-4147-A177-3AD203B41FA5}">
-                      <a16:colId xmlns:a16="http://schemas.microsoft.com/office/drawing/2014/main" val="2424694502"/>
-                    </a:ext>
-                  </a:extLst>
-                </a:gridCol>
+                <a:gridCol w="2289146"/>
+                <a:gridCol w="2493577"/>
+                <a:gridCol w="2722455"/>
+                <a:gridCol w="3758080"/>
               </a:tblGrid>
               <a:tr h="515975">
                 <a:tc>
@@ -8938,6 +9102,13 @@
                         </a:rPr>
                         <a:t>Title and Author</a:t>
                       </a:r>
+                      <a:endParaRPr lang="en-US" sz="1600" dirty="0">
+                        <a:solidFill>
+                          <a:schemeClr val="tx1"/>
+                        </a:solidFill>
+                        <a:latin typeface="Times New Roman" panose="02020603050405020304" pitchFamily="18" charset="0"/>
+                        <a:cs typeface="Times New Roman" panose="02020603050405020304" pitchFamily="18" charset="0"/>
+                      </a:endParaRPr>
                     </a:p>
                   </a:txBody>
                   <a:tcPr/>
@@ -8956,8 +9127,15 @@
                           <a:latin typeface="Times New Roman" panose="02020603050405020304" pitchFamily="18" charset="0"/>
                           <a:cs typeface="Times New Roman" panose="02020603050405020304" pitchFamily="18" charset="0"/>
                         </a:rPr>
-                        <a:t>Technique Used</a:t>
+                        <a:t> Technique Used</a:t>
                       </a:r>
+                      <a:endParaRPr lang="en-US" sz="1600" dirty="0">
+                        <a:solidFill>
+                          <a:schemeClr val="tx1"/>
+                        </a:solidFill>
+                        <a:latin typeface="Times New Roman" panose="02020603050405020304" pitchFamily="18" charset="0"/>
+                        <a:cs typeface="Times New Roman" panose="02020603050405020304" pitchFamily="18" charset="0"/>
+                      </a:endParaRPr>
                     </a:p>
                   </a:txBody>
                   <a:tcPr/>
@@ -9016,11 +9194,6 @@
                   </a:txBody>
                   <a:tcPr/>
                 </a:tc>
-                <a:extLst>
-                  <a:ext uri="{0D108BD9-81ED-4DB2-BD59-A6C34878D82A}">
-                    <a16:rowId xmlns:a16="http://schemas.microsoft.com/office/drawing/2014/main" val="4046470187"/>
-                  </a:ext>
-                </a:extLst>
               </a:tr>
               <a:tr h="943964">
                 <a:tc>
@@ -9042,7 +9215,6 @@
                         <a:buSzTx/>
                         <a:buFontTx/>
                         <a:buNone/>
-                        <a:tabLst/>
                         <a:defRPr/>
                       </a:pPr>
                       <a:r>
@@ -9117,7 +9289,19 @@
                         </a:rPr>
                         <a:t>, Joe. </a:t>
                       </a:r>
-                      <a:endParaRPr lang="en-US" sz="1200" kern="1200" dirty="0">
+                      <a:r>
+                        <a:rPr lang="en-US" altLang="en-IN" sz="1200" kern="1200" dirty="0">
+                          <a:solidFill>
+                            <a:schemeClr val="dk1"/>
+                          </a:solidFill>
+                          <a:effectLst/>
+                          <a:latin typeface="Times New Roman" panose="02020603050405020304" pitchFamily="18" charset="0"/>
+                          <a:ea typeface="+mn-ea"/>
+                          <a:cs typeface="Times New Roman" panose="02020603050405020304" pitchFamily="18" charset="0"/>
+                        </a:rPr>
+                        <a:t>2021</a:t>
+                      </a:r>
+                      <a:endParaRPr lang="en-US" altLang="en-IN" sz="1200" kern="1200" dirty="0">
                         <a:solidFill>
                           <a:schemeClr val="dk1"/>
                         </a:solidFill>
@@ -9299,11 +9483,6 @@
                   </a:txBody>
                   <a:tcPr/>
                 </a:tc>
-                <a:extLst>
-                  <a:ext uri="{0D108BD9-81ED-4DB2-BD59-A6C34878D82A}">
-                    <a16:rowId xmlns:a16="http://schemas.microsoft.com/office/drawing/2014/main" val="1707140070"/>
-                  </a:ext>
-                </a:extLst>
               </a:tr>
               <a:tr h="1358653">
                 <a:tc>
@@ -9325,7 +9504,6 @@
                         <a:buSzTx/>
                         <a:buFontTx/>
                         <a:buNone/>
-                        <a:tabLst/>
                         <a:defRPr/>
                       </a:pPr>
                       <a:r>
@@ -9494,7 +9672,31 @@
                           <a:ea typeface="+mn-ea"/>
                           <a:cs typeface="Times New Roman" panose="02020603050405020304" pitchFamily="18" charset="0"/>
                         </a:rPr>
-                        <a:t> &amp; Chua, Tat-Seng. </a:t>
+                        <a:t> &amp; Chua, Tat-Seng.</a:t>
+                      </a:r>
+                      <a:r>
+                        <a:rPr lang="en-US" altLang="en-IN" sz="1200" kern="1200" dirty="0">
+                          <a:solidFill>
+                            <a:schemeClr val="dk1"/>
+                          </a:solidFill>
+                          <a:effectLst/>
+                          <a:latin typeface="Times New Roman" panose="02020603050405020304" pitchFamily="18" charset="0"/>
+                          <a:ea typeface="+mn-ea"/>
+                          <a:cs typeface="Times New Roman" panose="02020603050405020304" pitchFamily="18" charset="0"/>
+                        </a:rPr>
+                        <a:t> 2019</a:t>
+                      </a:r>
+                      <a:r>
+                        <a:rPr lang="en-IN" sz="1200" kern="1200" dirty="0">
+                          <a:solidFill>
+                            <a:schemeClr val="dk1"/>
+                          </a:solidFill>
+                          <a:effectLst/>
+                          <a:latin typeface="Times New Roman" panose="02020603050405020304" pitchFamily="18" charset="0"/>
+                          <a:ea typeface="+mn-ea"/>
+                          <a:cs typeface="Times New Roman" panose="02020603050405020304" pitchFamily="18" charset="0"/>
+                        </a:rPr>
+                        <a:t> </a:t>
                       </a:r>
                       <a:endParaRPr lang="en-US" sz="1200" kern="1200" dirty="0">
                         <a:solidFill>
@@ -9528,7 +9730,6 @@
                         <a:buSzTx/>
                         <a:buFontTx/>
                         <a:buNone/>
-                        <a:tabLst/>
                         <a:defRPr/>
                       </a:pPr>
                       <a:r>
@@ -9606,7 +9807,6 @@
                         <a:buSzTx/>
                         <a:buFontTx/>
                         <a:buNone/>
-                        <a:tabLst/>
                         <a:defRPr/>
                       </a:pPr>
                       <a:r>
@@ -9698,11 +9898,6 @@
                   </a:txBody>
                   <a:tcPr/>
                 </a:tc>
-                <a:extLst>
-                  <a:ext uri="{0D108BD9-81ED-4DB2-BD59-A6C34878D82A}">
-                    <a16:rowId xmlns:a16="http://schemas.microsoft.com/office/drawing/2014/main" val="2340044838"/>
-                  </a:ext>
-                </a:extLst>
               </a:tr>
             </a:tbl>
           </a:graphicData>
@@ -9710,20 +9905,14 @@
       </p:graphicFrame>
       <p:sp>
         <p:nvSpPr>
-          <p:cNvPr id="7" name="TextBox 6">
-            <a:extLst>
-              <a:ext uri="{FF2B5EF4-FFF2-40B4-BE49-F238E27FC236}">
-                <a16:creationId xmlns:a16="http://schemas.microsoft.com/office/drawing/2014/main" id="{7D2F6AF7-B0A9-68FD-513F-28B7A399CCF6}"/>
-              </a:ext>
-            </a:extLst>
-          </p:cNvPr>
+          <p:cNvPr id="7" name="TextBox 6"/>
           <p:cNvSpPr txBox="1"/>
           <p:nvPr/>
         </p:nvSpPr>
         <p:spPr>
           <a:xfrm>
             <a:off x="188259" y="4899718"/>
-            <a:ext cx="11526819" cy="1183914"/>
+            <a:ext cx="11526819" cy="1181100"/>
           </a:xfrm>
           <a:prstGeom prst="rect">
             <a:avLst/>
@@ -9736,7 +9925,7 @@
           </a:bodyPr>
           <a:lstStyle/>
           <a:p>
-            <a:pPr marL="384048" lvl="1" indent="-182880" algn="just" defTabSz="914400">
+            <a:pPr marL="384175" lvl="1" indent="-182880" algn="just" defTabSz="914400">
               <a:lnSpc>
                 <a:spcPct val="90000"/>
               </a:lnSpc>
@@ -9749,7 +9938,7 @@
               <a:buClr>
                 <a:schemeClr val="accent1"/>
               </a:buClr>
-              <a:buFont typeface="Wingdings" pitchFamily="2" charset="2"/>
+              <a:buFont typeface="Wingdings" panose="05000000000000000000" pitchFamily="2" charset="2"/>
               <a:buChar char="§"/>
             </a:pPr>
             <a:r>
@@ -9757,11 +9946,15 @@
                 <a:latin typeface="Times New Roman" panose="02020603050405020304" pitchFamily="18" charset="0"/>
                 <a:cs typeface="Times New Roman" panose="02020603050405020304" pitchFamily="18" charset="0"/>
               </a:rPr>
-              <a:t>Our system considers standard nutritional values related to gender and age along with nutritional information including deficiencies which makes are system unique to existing models.</a:t>
-            </a:r>
-          </a:p>
-          <a:p>
-            <a:pPr marL="384048" lvl="1" indent="-182880" algn="just" defTabSz="914400">
+              <a:t>The proposed system considers standard nutritional values related to gender and age along with nutritional information including deficiencies which makes are system unique to existing models.</a:t>
+            </a:r>
+            <a:endParaRPr lang="en-US" sz="1600" dirty="0">
+              <a:latin typeface="Times New Roman" panose="02020603050405020304" pitchFamily="18" charset="0"/>
+              <a:cs typeface="Times New Roman" panose="02020603050405020304" pitchFamily="18" charset="0"/>
+            </a:endParaRPr>
+          </a:p>
+          <a:p>
+            <a:pPr marL="384175" lvl="1" indent="-182880" algn="just" defTabSz="914400">
               <a:lnSpc>
                 <a:spcPct val="90000"/>
               </a:lnSpc>
@@ -9774,7 +9967,7 @@
               <a:buClr>
                 <a:schemeClr val="accent1"/>
               </a:buClr>
-              <a:buFont typeface="Wingdings" pitchFamily="2" charset="2"/>
+              <a:buFont typeface="Wingdings" panose="05000000000000000000" pitchFamily="2" charset="2"/>
               <a:buChar char="§"/>
             </a:pPr>
             <a:r>
@@ -9782,20 +9975,18 @@
                 <a:latin typeface="Times New Roman" panose="02020603050405020304" pitchFamily="18" charset="0"/>
                 <a:cs typeface="Times New Roman" panose="02020603050405020304" pitchFamily="18" charset="0"/>
               </a:rPr>
-              <a:t>We bundle the nutritional profile analysis and the recipe recommendation into one functional system making it the novel feature of this project.</a:t>
-            </a:r>
-          </a:p>
-        </p:txBody>
-      </p:sp>
-      <p:sp>
-        <p:nvSpPr>
-          <p:cNvPr id="8" name="TextBox 7">
-            <a:extLst>
-              <a:ext uri="{FF2B5EF4-FFF2-40B4-BE49-F238E27FC236}">
-                <a16:creationId xmlns:a16="http://schemas.microsoft.com/office/drawing/2014/main" id="{B6E1683A-D85D-7DB3-3728-98E482C38E64}"/>
-              </a:ext>
-            </a:extLst>
-          </p:cNvPr>
+              <a:t>The proposed solution aims to bundle the nutritional profile analysis and the recipe recommendation into one functional system making it the novel feature of this project.</a:t>
+            </a:r>
+            <a:endParaRPr lang="en-US" sz="1600" dirty="0">
+              <a:latin typeface="Times New Roman" panose="02020603050405020304" pitchFamily="18" charset="0"/>
+              <a:cs typeface="Times New Roman" panose="02020603050405020304" pitchFamily="18" charset="0"/>
+            </a:endParaRPr>
+          </a:p>
+        </p:txBody>
+      </p:sp>
+      <p:sp>
+        <p:nvSpPr>
+          <p:cNvPr id="8" name="TextBox 7"/>
           <p:cNvSpPr txBox="1"/>
           <p:nvPr/>
         </p:nvSpPr>
@@ -9819,13 +10010,13 @@
               <a:rPr lang="en-US" sz="1600" dirty="0">
                 <a:latin typeface="Times New Roman" panose="02020603050405020304" pitchFamily="18" charset="0"/>
                 <a:cs typeface="Times New Roman" panose="02020603050405020304" pitchFamily="18" charset="0"/>
-                <a:hlinkClick r:id="rId2"/>
+                <a:hlinkClick r:id="rId1"/>
               </a:rPr>
               <a:t>References</a:t>
             </a:r>
             <a:r>
               <a:rPr lang="en-US" dirty="0">
-                <a:hlinkClick r:id="rId2"/>
+                <a:hlinkClick r:id="rId1"/>
               </a:rPr>
               <a:t>.</a:t>
             </a:r>
@@ -9834,11 +10025,6 @@
         </p:txBody>
       </p:sp>
     </p:spTree>
-    <p:extLst>
-      <p:ext uri="{BB962C8B-B14F-4D97-AF65-F5344CB8AC3E}">
-        <p14:creationId xmlns:p14="http://schemas.microsoft.com/office/powerpoint/2010/main" val="530202752"/>
-      </p:ext>
-    </p:extLst>
   </p:cSld>
   <p:clrMapOvr>
     <a:masterClrMapping/>
@@ -9883,10 +10069,6 @@
             </a:pPr>
             <a:fld id="{EED0D648-989B-4034-9BD3-6FBF9A769E5B}" type="slidenum">
               <a:rPr lang="en-US" smtClean="0"/>
-              <a:pPr>
-                <a:defRPr/>
-              </a:pPr>
-              <a:t>8</a:t>
             </a:fld>
             <a:endParaRPr lang="en-US"/>
           </a:p>
@@ -9894,13 +10076,7 @@
       </p:sp>
       <p:sp>
         <p:nvSpPr>
-          <p:cNvPr id="2" name="TextBox 1">
-            <a:extLst>
-              <a:ext uri="{FF2B5EF4-FFF2-40B4-BE49-F238E27FC236}">
-                <a16:creationId xmlns:a16="http://schemas.microsoft.com/office/drawing/2014/main" id="{69B7C39F-615C-465E-083F-D89A589976DB}"/>
-              </a:ext>
-            </a:extLst>
-          </p:cNvPr>
+          <p:cNvPr id="2" name="TextBox 1"/>
           <p:cNvSpPr txBox="1"/>
           <p:nvPr/>
         </p:nvSpPr>
@@ -9927,18 +10103,16 @@
               </a:rPr>
               <a:t>PROPOSED METHODOLOGY &amp; CONCEPT DIAGRAM </a:t>
             </a:r>
+            <a:endParaRPr lang="en-US" sz="2000" dirty="0">
+              <a:latin typeface="Times New Roman" panose="02020603050405020304" pitchFamily="18" charset="0"/>
+              <a:cs typeface="Times New Roman" panose="02020603050405020304" pitchFamily="18" charset="0"/>
+            </a:endParaRPr>
           </a:p>
         </p:txBody>
       </p:sp>
       <p:pic>
         <p:nvPicPr>
-          <p:cNvPr id="1025" name="Picture 1" descr="page3image35998768">
-            <a:extLst>
-              <a:ext uri="{FF2B5EF4-FFF2-40B4-BE49-F238E27FC236}">
-                <a16:creationId xmlns:a16="http://schemas.microsoft.com/office/drawing/2014/main" id="{09B8A014-57EC-8115-DEA2-85EDF7BEE34D}"/>
-              </a:ext>
-            </a:extLst>
-          </p:cNvPr>
+          <p:cNvPr id="1025" name="Picture 1" descr="page3image35998768"/>
           <p:cNvPicPr>
             <a:picLocks noGrp="1" noChangeAspect="1" noChangeArrowheads="1"/>
           </p:cNvPicPr>
@@ -9947,7 +10121,7 @@
           </p:nvPr>
         </p:nvPicPr>
         <p:blipFill>
-          <a:blip r:embed="rId3">
+          <a:blip r:embed="rId1">
             <a:extLst>
               <a:ext uri="{28A0092B-C50C-407E-A947-70E740481C1C}">
                 <a14:useLocalDpi xmlns:a14="http://schemas.microsoft.com/office/drawing/2010/main" val="0"/>
@@ -9980,11 +10154,6 @@
         </p:spPr>
       </p:pic>
     </p:spTree>
-    <p:extLst>
-      <p:ext uri="{BB962C8B-B14F-4D97-AF65-F5344CB8AC3E}">
-        <p14:creationId xmlns:p14="http://schemas.microsoft.com/office/powerpoint/2010/main" val="491290833"/>
-      </p:ext>
-    </p:extLst>
   </p:cSld>
   <p:clrMapOvr>
     <a:masterClrMapping/>
@@ -10011,13 +10180,7 @@
       </p:grpSpPr>
       <p:sp>
         <p:nvSpPr>
-          <p:cNvPr id="2" name="Rectangle 1">
-            <a:extLst>
-              <a:ext uri="{FF2B5EF4-FFF2-40B4-BE49-F238E27FC236}">
-                <a16:creationId xmlns:a16="http://schemas.microsoft.com/office/drawing/2014/main" id="{152CF1B9-0F14-2EAD-AB2B-9557E8695D45}"/>
-              </a:ext>
-            </a:extLst>
-          </p:cNvPr>
+          <p:cNvPr id="2" name="Rectangle 1"/>
           <p:cNvSpPr/>
           <p:nvPr/>
         </p:nvSpPr>
@@ -10078,10 +10241,6 @@
             </a:pPr>
             <a:fld id="{EED0D648-989B-4034-9BD3-6FBF9A769E5B}" type="slidenum">
               <a:rPr lang="en-US" smtClean="0"/>
-              <a:pPr>
-                <a:defRPr/>
-              </a:pPr>
-              <a:t>9</a:t>
             </a:fld>
             <a:endParaRPr lang="en-US"/>
           </a:p>
@@ -10089,13 +10248,7 @@
       </p:sp>
       <p:sp>
         <p:nvSpPr>
-          <p:cNvPr id="6" name="TextBox 5">
-            <a:extLst>
-              <a:ext uri="{FF2B5EF4-FFF2-40B4-BE49-F238E27FC236}">
-                <a16:creationId xmlns:a16="http://schemas.microsoft.com/office/drawing/2014/main" id="{423932A5-468D-E506-F342-558D5C048AE4}"/>
-              </a:ext>
-            </a:extLst>
-          </p:cNvPr>
+          <p:cNvPr id="6" name="TextBox 5"/>
           <p:cNvSpPr txBox="1"/>
           <p:nvPr/>
         </p:nvSpPr>
@@ -10122,18 +10275,16 @@
               </a:rPr>
               <a:t>SYSTEM REQUIREMENTS</a:t>
             </a:r>
-          </a:p>
-        </p:txBody>
-      </p:sp>
-      <p:sp>
-        <p:nvSpPr>
-          <p:cNvPr id="9" name="Content Placeholder 8">
-            <a:extLst>
-              <a:ext uri="{FF2B5EF4-FFF2-40B4-BE49-F238E27FC236}">
-                <a16:creationId xmlns:a16="http://schemas.microsoft.com/office/drawing/2014/main" id="{E8636D79-2F68-5F7F-0A5C-9B7D2A7D72D6}"/>
-              </a:ext>
-            </a:extLst>
-          </p:cNvPr>
+            <a:endParaRPr lang="en-US" sz="2000" dirty="0">
+              <a:latin typeface="Times New Roman" panose="02020603050405020304" pitchFamily="18" charset="0"/>
+              <a:cs typeface="Times New Roman" panose="02020603050405020304" pitchFamily="18" charset="0"/>
+            </a:endParaRPr>
+          </a:p>
+        </p:txBody>
+      </p:sp>
+      <p:sp>
+        <p:nvSpPr>
+          <p:cNvPr id="9" name="Content Placeholder 8"/>
           <p:cNvSpPr>
             <a:spLocks noGrp="1"/>
           </p:cNvSpPr>
@@ -10179,7 +10330,7 @@
               <a:spcBef>
                 <a:spcPts val="600"/>
               </a:spcBef>
-              <a:buFont typeface="Wingdings" pitchFamily="2" charset="2"/>
+              <a:buFont typeface="Wingdings" panose="05000000000000000000" pitchFamily="2" charset="2"/>
               <a:buChar char="§"/>
             </a:pPr>
             <a:r>
@@ -10205,7 +10356,7 @@
               <a:spcBef>
                 <a:spcPts val="600"/>
               </a:spcBef>
-              <a:buFont typeface="Wingdings" pitchFamily="2" charset="2"/>
+              <a:buFont typeface="Wingdings" panose="05000000000000000000" pitchFamily="2" charset="2"/>
               <a:buChar char="§"/>
             </a:pPr>
             <a:r>
@@ -10231,7 +10382,7 @@
               <a:spcBef>
                 <a:spcPts val="600"/>
               </a:spcBef>
-              <a:buFont typeface="Wingdings" pitchFamily="2" charset="2"/>
+              <a:buFont typeface="Wingdings" panose="05000000000000000000" pitchFamily="2" charset="2"/>
               <a:buChar char="§"/>
             </a:pPr>
             <a:r>
@@ -10257,7 +10408,7 @@
               <a:spcBef>
                 <a:spcPts val="600"/>
               </a:spcBef>
-              <a:buFont typeface="Wingdings" pitchFamily="2" charset="2"/>
+              <a:buFont typeface="Wingdings" panose="05000000000000000000" pitchFamily="2" charset="2"/>
               <a:buChar char="§"/>
             </a:pPr>
             <a:r>
@@ -10283,7 +10434,7 @@
               <a:spcBef>
                 <a:spcPts val="600"/>
               </a:spcBef>
-              <a:buFont typeface="Wingdings" pitchFamily="2" charset="2"/>
+              <a:buFont typeface="Wingdings" panose="05000000000000000000" pitchFamily="2" charset="2"/>
               <a:buChar char="§"/>
             </a:pPr>
             <a:r>
@@ -10309,7 +10460,7 @@
               <a:spcBef>
                 <a:spcPts val="600"/>
               </a:spcBef>
-              <a:buFont typeface="Wingdings" pitchFamily="2" charset="2"/>
+              <a:buFont typeface="Wingdings" panose="05000000000000000000" pitchFamily="2" charset="2"/>
               <a:buChar char="§"/>
             </a:pPr>
             <a:r>
@@ -10322,6 +10473,13 @@
               </a:rPr>
               <a:t>Internet access and support</a:t>
             </a:r>
+            <a:endParaRPr lang="en-US" sz="1600" dirty="0">
+              <a:solidFill>
+                <a:schemeClr val="tx1"/>
+              </a:solidFill>
+              <a:latin typeface="Times New Roman" panose="02020603050405020304" pitchFamily="18" charset="0"/>
+              <a:cs typeface="Times New Roman" panose="02020603050405020304" pitchFamily="18" charset="0"/>
+            </a:endParaRPr>
           </a:p>
           <a:p>
             <a:pPr marL="0" lvl="1" indent="0" algn="just" fontAlgn="base">
@@ -10439,7 +10597,7 @@
             <a:endParaRPr lang="en-US" dirty="0"/>
           </a:p>
           <a:p>
-            <a:pPr marL="201168" lvl="1" indent="0" algn="just">
+            <a:pPr marL="201295" lvl="1" indent="0" algn="just">
               <a:spcBef>
                 <a:spcPts val="1200"/>
               </a:spcBef>
@@ -10491,13 +10649,7 @@
       </p:sp>
       <p:sp>
         <p:nvSpPr>
-          <p:cNvPr id="11" name="TextBox 10">
-            <a:extLst>
-              <a:ext uri="{FF2B5EF4-FFF2-40B4-BE49-F238E27FC236}">
-                <a16:creationId xmlns:a16="http://schemas.microsoft.com/office/drawing/2014/main" id="{4FAE9A85-E2C3-1CFA-173E-F01D5083E5A9}"/>
-              </a:ext>
-            </a:extLst>
-          </p:cNvPr>
+          <p:cNvPr id="11" name="TextBox 10"/>
           <p:cNvSpPr txBox="1"/>
           <p:nvPr/>
         </p:nvSpPr>
@@ -10540,7 +10692,7 @@
               <a:buClr>
                 <a:schemeClr val="accent1"/>
               </a:buClr>
-              <a:buFont typeface="Wingdings" pitchFamily="2" charset="2"/>
+              <a:buFont typeface="Wingdings" panose="05000000000000000000" pitchFamily="2" charset="2"/>
               <a:buChar char="§"/>
             </a:pPr>
             <a:r>
@@ -10550,6 +10702,10 @@
               </a:rPr>
               <a:t>A fully functional system capable of suggesting recipes based on users’ nutritional requirements and preferences.</a:t>
             </a:r>
+            <a:endParaRPr lang="en-IN" sz="1600" dirty="0">
+              <a:latin typeface="Times New Roman" panose="02020603050405020304" pitchFamily="18" charset="0"/>
+              <a:cs typeface="Times New Roman" panose="02020603050405020304" pitchFamily="18" charset="0"/>
+            </a:endParaRPr>
           </a:p>
           <a:p>
             <a:pPr marL="0" lvl="1" indent="-182880" algn="just" defTabSz="914400" fontAlgn="base">
@@ -10562,7 +10718,7 @@
               <a:buClr>
                 <a:schemeClr val="accent1"/>
               </a:buClr>
-              <a:buFont typeface="Wingdings" pitchFamily="2" charset="2"/>
+              <a:buFont typeface="Wingdings" panose="05000000000000000000" pitchFamily="2" charset="2"/>
               <a:buChar char="§"/>
             </a:pPr>
             <a:r>
@@ -10572,6 +10728,10 @@
               </a:rPr>
               <a:t>Verified authentication system to secure user’s data against theft.</a:t>
             </a:r>
+            <a:endParaRPr lang="en-IN" sz="1600" dirty="0">
+              <a:latin typeface="Times New Roman" panose="02020603050405020304" pitchFamily="18" charset="0"/>
+              <a:cs typeface="Times New Roman" panose="02020603050405020304" pitchFamily="18" charset="0"/>
+            </a:endParaRPr>
           </a:p>
           <a:p>
             <a:pPr marL="0" lvl="1" indent="-182880" algn="just" defTabSz="914400" fontAlgn="base">
@@ -10584,7 +10744,7 @@
               <a:buClr>
                 <a:schemeClr val="accent1"/>
               </a:buClr>
-              <a:buFont typeface="Wingdings" pitchFamily="2" charset="2"/>
+              <a:buFont typeface="Wingdings" panose="05000000000000000000" pitchFamily="2" charset="2"/>
               <a:buChar char="§"/>
             </a:pPr>
             <a:r>
@@ -10594,6 +10754,10 @@
               </a:rPr>
               <a:t>Attractive and simple UI/UX for interaction.</a:t>
             </a:r>
+            <a:endParaRPr lang="en-IN" sz="1600" dirty="0">
+              <a:latin typeface="Times New Roman" panose="02020603050405020304" pitchFamily="18" charset="0"/>
+              <a:cs typeface="Times New Roman" panose="02020603050405020304" pitchFamily="18" charset="0"/>
+            </a:endParaRPr>
           </a:p>
           <a:p>
             <a:pPr marL="0" lvl="1" indent="-182880" algn="just" defTabSz="914400" fontAlgn="base">
@@ -10606,7 +10770,7 @@
               <a:buClr>
                 <a:schemeClr val="accent1"/>
               </a:buClr>
-              <a:buFont typeface="Wingdings" pitchFamily="2" charset="2"/>
+              <a:buFont typeface="Wingdings" panose="05000000000000000000" pitchFamily="2" charset="2"/>
               <a:buChar char="§"/>
             </a:pPr>
             <a:r>
@@ -10616,6 +10780,10 @@
               </a:rPr>
               <a:t>Inputs from the user about their nutritional profile and their preferences.</a:t>
             </a:r>
+            <a:endParaRPr lang="en-IN" sz="1600" dirty="0">
+              <a:latin typeface="Times New Roman" panose="02020603050405020304" pitchFamily="18" charset="0"/>
+              <a:cs typeface="Times New Roman" panose="02020603050405020304" pitchFamily="18" charset="0"/>
+            </a:endParaRPr>
           </a:p>
           <a:p>
             <a:pPr marL="0" lvl="1" indent="-182880" algn="just" defTabSz="914400" fontAlgn="base">
@@ -10628,7 +10796,7 @@
               <a:buClr>
                 <a:schemeClr val="accent1"/>
               </a:buClr>
-              <a:buFont typeface="Wingdings" pitchFamily="2" charset="2"/>
+              <a:buFont typeface="Wingdings" panose="05000000000000000000" pitchFamily="2" charset="2"/>
               <a:buChar char="§"/>
             </a:pPr>
             <a:r>
@@ -10638,6 +10806,10 @@
               </a:rPr>
               <a:t>User systems capable of handling and running complex mathematical tasks on-premise.</a:t>
             </a:r>
+            <a:endParaRPr lang="en-IN" sz="1600" dirty="0">
+              <a:latin typeface="Times New Roman" panose="02020603050405020304" pitchFamily="18" charset="0"/>
+              <a:cs typeface="Times New Roman" panose="02020603050405020304" pitchFamily="18" charset="0"/>
+            </a:endParaRPr>
           </a:p>
           <a:p>
             <a:pPr algn="just"/>
@@ -10673,7 +10845,7 @@
               <a:buClr>
                 <a:schemeClr val="accent1"/>
               </a:buClr>
-              <a:buFont typeface="Wingdings" pitchFamily="2" charset="2"/>
+              <a:buFont typeface="Wingdings" panose="05000000000000000000" pitchFamily="2" charset="2"/>
               <a:buChar char="§"/>
             </a:pPr>
             <a:r>
@@ -10683,6 +10855,10 @@
               </a:rPr>
               <a:t>Reliable application with strong recovery pipelines when an error is encountered.</a:t>
             </a:r>
+            <a:endParaRPr lang="en-IN" sz="1600" dirty="0">
+              <a:latin typeface="Times New Roman" panose="02020603050405020304" pitchFamily="18" charset="0"/>
+              <a:cs typeface="Times New Roman" panose="02020603050405020304" pitchFamily="18" charset="0"/>
+            </a:endParaRPr>
           </a:p>
           <a:p>
             <a:pPr marL="0" lvl="1" indent="-182880" algn="just" defTabSz="914400" fontAlgn="base">
@@ -10698,7 +10874,7 @@
               <a:buClr>
                 <a:schemeClr val="accent1"/>
               </a:buClr>
-              <a:buFont typeface="Wingdings" pitchFamily="2" charset="2"/>
+              <a:buFont typeface="Wingdings" panose="05000000000000000000" pitchFamily="2" charset="2"/>
               <a:buChar char="§"/>
             </a:pPr>
             <a:r>
@@ -10708,6 +10884,10 @@
               </a:rPr>
               <a:t>Scalable application as the user base grows.</a:t>
             </a:r>
+            <a:endParaRPr lang="en-IN" sz="1600" dirty="0">
+              <a:latin typeface="Times New Roman" panose="02020603050405020304" pitchFamily="18" charset="0"/>
+              <a:cs typeface="Times New Roman" panose="02020603050405020304" pitchFamily="18" charset="0"/>
+            </a:endParaRPr>
           </a:p>
           <a:p>
             <a:pPr marL="0" lvl="1" indent="-182880" algn="just" defTabSz="914400" fontAlgn="base">
@@ -10723,7 +10903,7 @@
               <a:buClr>
                 <a:schemeClr val="accent1"/>
               </a:buClr>
-              <a:buFont typeface="Wingdings" pitchFamily="2" charset="2"/>
+              <a:buFont typeface="Wingdings" panose="05000000000000000000" pitchFamily="2" charset="2"/>
               <a:buChar char="§"/>
             </a:pPr>
             <a:r>
@@ -10733,6 +10913,10 @@
               </a:rPr>
               <a:t>Consistent responses for similar inputs.</a:t>
             </a:r>
+            <a:endParaRPr lang="en-IN" sz="1600" dirty="0">
+              <a:latin typeface="Times New Roman" panose="02020603050405020304" pitchFamily="18" charset="0"/>
+              <a:cs typeface="Times New Roman" panose="02020603050405020304" pitchFamily="18" charset="0"/>
+            </a:endParaRPr>
           </a:p>
           <a:p>
             <a:pPr marL="0" lvl="1" indent="-182880" algn="just" defTabSz="914400" fontAlgn="base">
@@ -10748,7 +10932,7 @@
               <a:buClr>
                 <a:schemeClr val="accent1"/>
               </a:buClr>
-              <a:buFont typeface="Wingdings" pitchFamily="2" charset="2"/>
+              <a:buFont typeface="Wingdings" panose="05000000000000000000" pitchFamily="2" charset="2"/>
               <a:buChar char="§"/>
             </a:pPr>
             <a:r>
@@ -10758,21 +10942,17 @@
               </a:rPr>
               <a:t>Traceable solution for logging mechanisms.</a:t>
             </a:r>
+            <a:endParaRPr lang="en-IN" sz="1600" dirty="0">
+              <a:latin typeface="Times New Roman" panose="02020603050405020304" pitchFamily="18" charset="0"/>
+              <a:cs typeface="Times New Roman" panose="02020603050405020304" pitchFamily="18" charset="0"/>
+            </a:endParaRPr>
           </a:p>
         </p:txBody>
       </p:sp>
       <p:cxnSp>
         <p:nvCxnSpPr>
-          <p:cNvPr id="7" name="Straight Connector 6">
-            <a:extLst>
-              <a:ext uri="{FF2B5EF4-FFF2-40B4-BE49-F238E27FC236}">
-                <a16:creationId xmlns:a16="http://schemas.microsoft.com/office/drawing/2014/main" id="{0E6B4C9A-3B86-FAD9-166F-58A92049A51C}"/>
-              </a:ext>
-            </a:extLst>
-          </p:cNvPr>
-          <p:cNvCxnSpPr>
-            <a:cxnSpLocks/>
-          </p:cNvCxnSpPr>
+          <p:cNvPr id="7" name="Straight Connector 6"/>
+          <p:cNvCxnSpPr/>
           <p:nvPr/>
         </p:nvCxnSpPr>
         <p:spPr>
@@ -10808,11 +10988,6 @@
         </p:style>
       </p:cxnSp>
     </p:spTree>
-    <p:extLst>
-      <p:ext uri="{BB962C8B-B14F-4D97-AF65-F5344CB8AC3E}">
-        <p14:creationId xmlns:p14="http://schemas.microsoft.com/office/powerpoint/2010/main" val="2690875661"/>
-      </p:ext>
-    </p:extLst>
   </p:cSld>
   <p:clrMapOvr>
     <a:masterClrMapping/>
@@ -11093,11 +11268,9 @@
       </a:bgFillStyleLst>
     </a:fmtScheme>
   </a:themeElements>
-  <a:objectDefaults/>
-  <a:extraClrSchemeLst/>
   <a:extLst>
     <a:ext uri="{05A4C25C-085E-4340-85A3-A5531E510DB2}">
-      <thm15:themeFamily xmlns:thm15="http://schemas.microsoft.com/office/thememl/2012/main" name="Retrospect" id="{5F128B03-DCCA-4EEB-AB3B-CF2899314A46}" vid="{3F1AAB62-24C6-49D2-8E01-B56FAC9A3DCD}"/>
+      <thm15:themeFamily xmlns:thm15="http://schemas.microsoft.com/office/thememl/2012/main" name="Office Theme" id="{62F939B6-93AF-4DB8-9C6B-D6C7DFDC589F}" vid="{4A3C46E8-61CC-4603-A589-7422A47A8E4A}"/>
     </a:ext>
   </a:extLst>
 </a:theme>
@@ -11179,23 +11352,6 @@
         <a:font script="Viet" typeface="Times New Roman"/>
         <a:font script="Uigh" typeface="Microsoft Uighur"/>
         <a:font script="Geor" typeface="Sylfaen"/>
-        <a:font script="Armn" typeface="Arial"/>
-        <a:font script="Bugi" typeface="Leelawadee UI"/>
-        <a:font script="Bopo" typeface="Microsoft JhengHei"/>
-        <a:font script="Java" typeface="Javanese Text"/>
-        <a:font script="Lisu" typeface="Segoe UI"/>
-        <a:font script="Mymr" typeface="Myanmar Text"/>
-        <a:font script="Nkoo" typeface="Ebrima"/>
-        <a:font script="Olck" typeface="Nirmala UI"/>
-        <a:font script="Osma" typeface="Ebrima"/>
-        <a:font script="Phag" typeface="Phagspa"/>
-        <a:font script="Syrn" typeface="Estrangelo Edessa"/>
-        <a:font script="Syrj" typeface="Estrangelo Edessa"/>
-        <a:font script="Syre" typeface="Estrangelo Edessa"/>
-        <a:font script="Sora" typeface="Nirmala UI"/>
-        <a:font script="Tale" typeface="Microsoft Tai Le"/>
-        <a:font script="Talu" typeface="Microsoft New Tai Lue"/>
-        <a:font script="Tfng" typeface="Ebrima"/>
       </a:majorFont>
       <a:minorFont>
         <a:latin typeface="Calibri"/>
@@ -11231,23 +11387,6 @@
         <a:font script="Viet" typeface="Arial"/>
         <a:font script="Uigh" typeface="Microsoft Uighur"/>
         <a:font script="Geor" typeface="Sylfaen"/>
-        <a:font script="Armn" typeface="Arial"/>
-        <a:font script="Bugi" typeface="Leelawadee UI"/>
-        <a:font script="Bopo" typeface="Microsoft JhengHei"/>
-        <a:font script="Java" typeface="Javanese Text"/>
-        <a:font script="Lisu" typeface="Segoe UI"/>
-        <a:font script="Mymr" typeface="Myanmar Text"/>
-        <a:font script="Nkoo" typeface="Ebrima"/>
-        <a:font script="Olck" typeface="Nirmala UI"/>
-        <a:font script="Osma" typeface="Ebrima"/>
-        <a:font script="Phag" typeface="Phagspa"/>
-        <a:font script="Syrn" typeface="Estrangelo Edessa"/>
-        <a:font script="Syrj" typeface="Estrangelo Edessa"/>
-        <a:font script="Syre" typeface="Estrangelo Edessa"/>
-        <a:font script="Sora" typeface="Nirmala UI"/>
-        <a:font script="Tale" typeface="Microsoft Tai Le"/>
-        <a:font script="Talu" typeface="Microsoft New Tai Lue"/>
-        <a:font script="Tfng" typeface="Ebrima"/>
       </a:minorFont>
     </a:fontScheme>
     <a:fmtScheme name="Office">
@@ -11388,8 +11527,265 @@
       </a:bgFillStyleLst>
     </a:fmtScheme>
   </a:themeElements>
-  <a:objectDefaults/>
-  <a:extraClrSchemeLst/>
+  <a:extLst>
+    <a:ext uri="{05A4C25C-085E-4340-85A3-A5531E510DB2}">
+      <thm15:themeFamily xmlns:thm15="http://schemas.microsoft.com/office/thememl/2012/main" name="Office Theme" id="{62F939B6-93AF-4DB8-9C6B-D6C7DFDC589F}" vid="{4A3C46E8-61CC-4603-A589-7422A47A8E4A}"/>
+    </a:ext>
+  </a:extLst>
+</a:theme>
+</file>
+
+<file path=ppt/theme/theme3.xml><?xml version="1.0" encoding="utf-8"?>
+<a:theme xmlns:a="http://schemas.openxmlformats.org/drawingml/2006/main" name="Office Theme">
+  <a:themeElements>
+    <a:clrScheme name="Office">
+      <a:dk1>
+        <a:sysClr val="windowText" lastClr="000000"/>
+      </a:dk1>
+      <a:lt1>
+        <a:sysClr val="window" lastClr="FFFFFF"/>
+      </a:lt1>
+      <a:dk2>
+        <a:srgbClr val="44546A"/>
+      </a:dk2>
+      <a:lt2>
+        <a:srgbClr val="E7E6E6"/>
+      </a:lt2>
+      <a:accent1>
+        <a:srgbClr val="5B9BD5"/>
+      </a:accent1>
+      <a:accent2>
+        <a:srgbClr val="ED7D31"/>
+      </a:accent2>
+      <a:accent3>
+        <a:srgbClr val="A5A5A5"/>
+      </a:accent3>
+      <a:accent4>
+        <a:srgbClr val="FFC000"/>
+      </a:accent4>
+      <a:accent5>
+        <a:srgbClr val="4472C4"/>
+      </a:accent5>
+      <a:accent6>
+        <a:srgbClr val="70AD47"/>
+      </a:accent6>
+      <a:hlink>
+        <a:srgbClr val="0563C1"/>
+      </a:hlink>
+      <a:folHlink>
+        <a:srgbClr val="954F72"/>
+      </a:folHlink>
+    </a:clrScheme>
+    <a:fontScheme name="Office">
+      <a:majorFont>
+        <a:latin typeface="Calibri Light"/>
+        <a:ea typeface=""/>
+        <a:cs typeface=""/>
+        <a:font script="Jpan" typeface="ＭＳ Ｐゴシック"/>
+        <a:font script="Hang" typeface="맑은 고딕"/>
+        <a:font script="Hans" typeface="宋体"/>
+        <a:font script="Hant" typeface="新細明體"/>
+        <a:font script="Arab" typeface="Times New Roman"/>
+        <a:font script="Hebr" typeface="Times New Roman"/>
+        <a:font script="Thai" typeface="Angsana New"/>
+        <a:font script="Ethi" typeface="Nyala"/>
+        <a:font script="Beng" typeface="Vrinda"/>
+        <a:font script="Gujr" typeface="Shruti"/>
+        <a:font script="Khmr" typeface="MoolBoran"/>
+        <a:font script="Knda" typeface="Tunga"/>
+        <a:font script="Guru" typeface="Raavi"/>
+        <a:font script="Cans" typeface="Euphemia"/>
+        <a:font script="Cher" typeface="Plantagenet Cherokee"/>
+        <a:font script="Yiii" typeface="Microsoft Yi Baiti"/>
+        <a:font script="Tibt" typeface="Microsoft Himalaya"/>
+        <a:font script="Thaa" typeface="MV Boli"/>
+        <a:font script="Deva" typeface="Mangal"/>
+        <a:font script="Telu" typeface="Gautami"/>
+        <a:font script="Taml" typeface="Latha"/>
+        <a:font script="Syrc" typeface="Estrangelo Edessa"/>
+        <a:font script="Orya" typeface="Kalinga"/>
+        <a:font script="Mlym" typeface="Kartika"/>
+        <a:font script="Laoo" typeface="DokChampa"/>
+        <a:font script="Sinh" typeface="Iskoola Pota"/>
+        <a:font script="Mong" typeface="Mongolian Baiti"/>
+        <a:font script="Viet" typeface="Times New Roman"/>
+        <a:font script="Uigh" typeface="Microsoft Uighur"/>
+        <a:font script="Geor" typeface="Sylfaen"/>
+      </a:majorFont>
+      <a:minorFont>
+        <a:latin typeface="Calibri"/>
+        <a:ea typeface=""/>
+        <a:cs typeface=""/>
+        <a:font script="Jpan" typeface="ＭＳ Ｐゴシック"/>
+        <a:font script="Hang" typeface="맑은 고딕"/>
+        <a:font script="Hans" typeface="宋体"/>
+        <a:font script="Hant" typeface="新細明體"/>
+        <a:font script="Arab" typeface="Arial"/>
+        <a:font script="Hebr" typeface="Arial"/>
+        <a:font script="Thai" typeface="Cordia New"/>
+        <a:font script="Ethi" typeface="Nyala"/>
+        <a:font script="Beng" typeface="Vrinda"/>
+        <a:font script="Gujr" typeface="Shruti"/>
+        <a:font script="Khmr" typeface="DaunPenh"/>
+        <a:font script="Knda" typeface="Tunga"/>
+        <a:font script="Guru" typeface="Raavi"/>
+        <a:font script="Cans" typeface="Euphemia"/>
+        <a:font script="Cher" typeface="Plantagenet Cherokee"/>
+        <a:font script="Yiii" typeface="Microsoft Yi Baiti"/>
+        <a:font script="Tibt" typeface="Microsoft Himalaya"/>
+        <a:font script="Thaa" typeface="MV Boli"/>
+        <a:font script="Deva" typeface="Mangal"/>
+        <a:font script="Telu" typeface="Gautami"/>
+        <a:font script="Taml" typeface="Latha"/>
+        <a:font script="Syrc" typeface="Estrangelo Edessa"/>
+        <a:font script="Orya" typeface="Kalinga"/>
+        <a:font script="Mlym" typeface="Kartika"/>
+        <a:font script="Laoo" typeface="DokChampa"/>
+        <a:font script="Sinh" typeface="Iskoola Pota"/>
+        <a:font script="Mong" typeface="Mongolian Baiti"/>
+        <a:font script="Viet" typeface="Arial"/>
+        <a:font script="Uigh" typeface="Microsoft Uighur"/>
+        <a:font script="Geor" typeface="Sylfaen"/>
+      </a:minorFont>
+    </a:fontScheme>
+    <a:fmtScheme name="Office">
+      <a:fillStyleLst>
+        <a:solidFill>
+          <a:schemeClr val="phClr"/>
+        </a:solidFill>
+        <a:gradFill rotWithShape="1">
+          <a:gsLst>
+            <a:gs pos="0">
+              <a:schemeClr val="phClr">
+                <a:lumMod val="110000"/>
+                <a:satMod val="105000"/>
+                <a:tint val="67000"/>
+              </a:schemeClr>
+            </a:gs>
+            <a:gs pos="50000">
+              <a:schemeClr val="phClr">
+                <a:lumMod val="105000"/>
+                <a:satMod val="103000"/>
+                <a:tint val="73000"/>
+              </a:schemeClr>
+            </a:gs>
+            <a:gs pos="100000">
+              <a:schemeClr val="phClr">
+                <a:lumMod val="105000"/>
+                <a:satMod val="109000"/>
+                <a:tint val="81000"/>
+              </a:schemeClr>
+            </a:gs>
+          </a:gsLst>
+          <a:lin ang="5400000" scaled="0"/>
+        </a:gradFill>
+        <a:gradFill rotWithShape="1">
+          <a:gsLst>
+            <a:gs pos="0">
+              <a:schemeClr val="phClr">
+                <a:satMod val="103000"/>
+                <a:lumMod val="102000"/>
+                <a:tint val="94000"/>
+              </a:schemeClr>
+            </a:gs>
+            <a:gs pos="50000">
+              <a:schemeClr val="phClr">
+                <a:satMod val="110000"/>
+                <a:lumMod val="100000"/>
+                <a:shade val="100000"/>
+              </a:schemeClr>
+            </a:gs>
+            <a:gs pos="100000">
+              <a:schemeClr val="phClr">
+                <a:lumMod val="99000"/>
+                <a:satMod val="120000"/>
+                <a:shade val="78000"/>
+              </a:schemeClr>
+            </a:gs>
+          </a:gsLst>
+          <a:lin ang="5400000" scaled="0"/>
+        </a:gradFill>
+      </a:fillStyleLst>
+      <a:lnStyleLst>
+        <a:ln w="6350" cap="flat" cmpd="sng" algn="ctr">
+          <a:solidFill>
+            <a:schemeClr val="phClr"/>
+          </a:solidFill>
+          <a:prstDash val="solid"/>
+          <a:miter lim="800000"/>
+        </a:ln>
+        <a:ln w="12700" cap="flat" cmpd="sng" algn="ctr">
+          <a:solidFill>
+            <a:schemeClr val="phClr"/>
+          </a:solidFill>
+          <a:prstDash val="solid"/>
+          <a:miter lim="800000"/>
+        </a:ln>
+        <a:ln w="19050" cap="flat" cmpd="sng" algn="ctr">
+          <a:solidFill>
+            <a:schemeClr val="phClr"/>
+          </a:solidFill>
+          <a:prstDash val="solid"/>
+          <a:miter lim="800000"/>
+        </a:ln>
+      </a:lnStyleLst>
+      <a:effectStyleLst>
+        <a:effectStyle>
+          <a:effectLst/>
+        </a:effectStyle>
+        <a:effectStyle>
+          <a:effectLst/>
+        </a:effectStyle>
+        <a:effectStyle>
+          <a:effectLst>
+            <a:outerShdw blurRad="57150" dist="19050" dir="5400000" algn="ctr" rotWithShape="0">
+              <a:srgbClr val="000000">
+                <a:alpha val="63000"/>
+              </a:srgbClr>
+            </a:outerShdw>
+          </a:effectLst>
+        </a:effectStyle>
+      </a:effectStyleLst>
+      <a:bgFillStyleLst>
+        <a:solidFill>
+          <a:schemeClr val="phClr"/>
+        </a:solidFill>
+        <a:solidFill>
+          <a:schemeClr val="phClr">
+            <a:tint val="95000"/>
+            <a:satMod val="170000"/>
+          </a:schemeClr>
+        </a:solidFill>
+        <a:gradFill rotWithShape="1">
+          <a:gsLst>
+            <a:gs pos="0">
+              <a:schemeClr val="phClr">
+                <a:tint val="93000"/>
+                <a:satMod val="150000"/>
+                <a:shade val="98000"/>
+                <a:lumMod val="102000"/>
+              </a:schemeClr>
+            </a:gs>
+            <a:gs pos="50000">
+              <a:schemeClr val="phClr">
+                <a:tint val="98000"/>
+                <a:satMod val="130000"/>
+                <a:shade val="90000"/>
+                <a:lumMod val="103000"/>
+              </a:schemeClr>
+            </a:gs>
+            <a:gs pos="100000">
+              <a:schemeClr val="phClr">
+                <a:shade val="63000"/>
+                <a:satMod val="120000"/>
+              </a:schemeClr>
+            </a:gs>
+          </a:gsLst>
+          <a:lin ang="5400000" scaled="0"/>
+        </a:gradFill>
+      </a:bgFillStyleLst>
+    </a:fmtScheme>
+  </a:themeElements>
   <a:extLst>
     <a:ext uri="{05A4C25C-085E-4340-85A3-A5531E510DB2}">
       <thm15:themeFamily xmlns:thm15="http://schemas.microsoft.com/office/thememl/2012/main" name="Office Theme" id="{62F939B6-93AF-4DB8-9C6B-D6C7DFDC589F}" vid="{4A3C46E8-61CC-4603-A589-7422A47A8E4A}"/>
